--- a/Presentation.pptx
+++ b/Presentation.pptx
@@ -5,10 +5,10 @@
     <p:sldMasterId id="2147483648" r:id="rId4"/>
   </p:sldMasterIdLst>
   <p:notesMasterIdLst>
-    <p:notesMasterId r:id="rId16"/>
+    <p:notesMasterId r:id="rId15"/>
   </p:notesMasterIdLst>
   <p:handoutMasterIdLst>
-    <p:handoutMasterId r:id="rId17"/>
+    <p:handoutMasterId r:id="rId16"/>
   </p:handoutMasterIdLst>
   <p:sldIdLst>
     <p:sldId id="256" r:id="rId5"/>
@@ -19,9 +19,8 @@
     <p:sldId id="270" r:id="rId10"/>
     <p:sldId id="271" r:id="rId11"/>
     <p:sldId id="272" r:id="rId12"/>
-    <p:sldId id="273" r:id="rId13"/>
-    <p:sldId id="274" r:id="rId14"/>
-    <p:sldId id="275" r:id="rId15"/>
+    <p:sldId id="274" r:id="rId13"/>
+    <p:sldId id="275" r:id="rId14"/>
   </p:sldIdLst>
   <p:sldSz cx="12192000" cy="6858000"/>
   <p:notesSz cx="6858000" cy="9144000"/>
@@ -226,7 +225,7 @@
             <a:pPr algn="r" rtl="0"/>
             <a:fld id="{85FB9A08-40BC-47B5-8130-616BDCF09507}" type="datetime1">
               <a:rPr lang="fr-FR" smtClean="0"/>
-              <a:t>14/05/2019</a:t>
+              <a:t>16/05/2019</a:t>
             </a:fld>
             <a:endParaRPr lang="fr-FR" dirty="0"/>
           </a:p>
@@ -396,7 +395,7 @@
             <a:fld id="{082B9BC8-1895-4EB7-B2E1-D3911C69AD0C}" type="datetime1">
               <a:rPr lang="fr-FR" smtClean="0"/>
               <a:pPr/>
-              <a:t>14/05/2019</a:t>
+              <a:t>16/05/2019</a:t>
             </a:fld>
             <a:endParaRPr lang="fr-FR" dirty="0"/>
           </a:p>
@@ -732,7 +731,7 @@
             <a:fld id="{5EE2CF44-2B13-41B4-A334-1CDF534EEBBF}" type="slidenum">
               <a:rPr lang="fr-FR" smtClean="0"/>
               <a:pPr/>
-              <a:t>11</a:t>
+              <a:t>10</a:t>
             </a:fld>
             <a:endParaRPr lang="fr-FR" dirty="0"/>
           </a:p>
@@ -1124,7 +1123,7 @@
             <a:fld id="{B0AE1499-D871-4B5A-815F-37F8E0C46F8C}" type="datetime1">
               <a:rPr lang="fr-FR" smtClean="0"/>
               <a:pPr/>
-              <a:t>14/05/2019</a:t>
+              <a:t>16/05/2019</a:t>
             </a:fld>
             <a:endParaRPr lang="fr-FR" dirty="0"/>
           </a:p>
@@ -1316,7 +1315,7 @@
             <a:fld id="{7CFD53AE-A1A9-4971-B817-D6F393C7FE35}" type="datetime1">
               <a:rPr lang="fr-FR" smtClean="0"/>
               <a:pPr/>
-              <a:t>14/05/2019</a:t>
+              <a:t>16/05/2019</a:t>
             </a:fld>
             <a:endParaRPr lang="fr-FR" dirty="0"/>
           </a:p>
@@ -1502,7 +1501,7 @@
             <a:fld id="{B4EA85BC-BD2B-458E-8340-8D31B4F152AE}" type="datetime1">
               <a:rPr lang="fr-FR" smtClean="0"/>
               <a:pPr/>
-              <a:t>14/05/2019</a:t>
+              <a:t>16/05/2019</a:t>
             </a:fld>
             <a:endParaRPr lang="fr-FR" dirty="0"/>
           </a:p>
@@ -1950,7 +1949,7 @@
             <a:fld id="{2C9DB741-A3C2-4C75-A4D1-97F129BE9491}" type="datetime1">
               <a:rPr lang="fr-FR" smtClean="0"/>
               <a:pPr/>
-              <a:t>14/05/2019</a:t>
+              <a:t>16/05/2019</a:t>
             </a:fld>
             <a:endParaRPr lang="fr-FR" dirty="0"/>
           </a:p>
@@ -2402,7 +2401,7 @@
             <a:fld id="{11B59C61-65A8-4FB6-8060-9ACE25B631CB}" type="datetime1">
               <a:rPr lang="fr-FR" noProof="0" smtClean="0"/>
               <a:pPr/>
-              <a:t>14/05/2019</a:t>
+              <a:t>16/05/2019</a:t>
             </a:fld>
             <a:endParaRPr lang="fr-FR" noProof="0" dirty="0"/>
           </a:p>
@@ -2532,7 +2531,7 @@
             <a:fld id="{B19C7B91-9FE1-44A2-8FAA-E998ADCC26EE}" type="datetime1">
               <a:rPr lang="fr-FR" smtClean="0"/>
               <a:pPr/>
-              <a:t>14/05/2019</a:t>
+              <a:t>16/05/2019</a:t>
             </a:fld>
             <a:endParaRPr lang="fr-FR" dirty="0"/>
           </a:p>
@@ -2638,7 +2637,7 @@
             <a:fld id="{24294901-3B67-4101-8D94-E7F6C7A7004D}" type="datetime1">
               <a:rPr lang="fr-FR" smtClean="0"/>
               <a:pPr/>
-              <a:t>14/05/2019</a:t>
+              <a:t>16/05/2019</a:t>
             </a:fld>
             <a:endParaRPr lang="fr-FR" dirty="0"/>
           </a:p>
@@ -2934,7 +2933,7 @@
             <a:fld id="{36311718-BEC8-4DB8-9B0A-52986EABC5C9}" type="datetime1">
               <a:rPr lang="fr-FR" smtClean="0"/>
               <a:pPr/>
-              <a:t>14/05/2019</a:t>
+              <a:t>16/05/2019</a:t>
             </a:fld>
             <a:endParaRPr lang="fr-FR" dirty="0"/>
           </a:p>
@@ -3260,7 +3259,7 @@
             <a:fld id="{E883871E-5D80-4EDF-9E01-94E184402302}" type="datetime1">
               <a:rPr lang="fr-FR" smtClean="0"/>
               <a:pPr/>
-              <a:t>14/05/2019</a:t>
+              <a:t>16/05/2019</a:t>
             </a:fld>
             <a:endParaRPr lang="fr-FR" dirty="0"/>
           </a:p>
@@ -3479,7 +3478,7 @@
             <a:fld id="{A9F01D7A-F2CA-4D89-BC48-D8C829AA64E1}" type="datetime1">
               <a:rPr lang="fr-FR" smtClean="0"/>
               <a:pPr/>
-              <a:t>14/05/2019</a:t>
+              <a:t>16/05/2019</a:t>
             </a:fld>
             <a:endParaRPr lang="fr-FR" dirty="0"/>
           </a:p>
@@ -4005,6 +4004,12 @@
             </a:r>
             <a:endParaRPr lang="en-US" dirty="0"/>
           </a:p>
+          <a:p>
+            <a:r>
+              <a:rPr lang="en-US" dirty="0"/>
+              <a:t>Team: Int1-8</a:t>
+            </a:r>
+          </a:p>
         </p:txBody>
       </p:sp>
     </p:spTree>
@@ -4071,96 +4076,6 @@
       </p:sp>
       <p:sp>
         <p:nvSpPr>
-          <p:cNvPr id="3" name="Espace réservé du contenu 2"/>
-          <p:cNvSpPr>
-            <a:spLocks noGrp="1"/>
-          </p:cNvSpPr>
-          <p:nvPr>
-            <p:ph idx="1"/>
-          </p:nvPr>
-        </p:nvSpPr>
-        <p:spPr/>
-        <p:txBody>
-          <a:bodyPr rtlCol="0"/>
-          <a:lstStyle/>
-          <a:p>
-            <a:pPr rtl="0"/>
-            <a:endParaRPr lang="fr-FR" dirty="0"/>
-          </a:p>
-        </p:txBody>
-      </p:sp>
-      <p:sp>
-        <p:nvSpPr>
-          <p:cNvPr id="4" name="Espace réservé du texte 3"/>
-          <p:cNvSpPr>
-            <a:spLocks noGrp="1"/>
-          </p:cNvSpPr>
-          <p:nvPr>
-            <p:ph type="body" sz="half" idx="2"/>
-          </p:nvPr>
-        </p:nvSpPr>
-        <p:spPr/>
-        <p:txBody>
-          <a:bodyPr rtlCol="0"/>
-          <a:lstStyle/>
-          <a:p>
-            <a:pPr rtl="0"/>
-            <a:endParaRPr lang="fr-FR" dirty="0"/>
-          </a:p>
-        </p:txBody>
-      </p:sp>
-    </p:spTree>
-    <p:extLst>
-      <p:ext uri="{BB962C8B-B14F-4D97-AF65-F5344CB8AC3E}">
-        <p14:creationId xmlns:p14="http://schemas.microsoft.com/office/powerpoint/2010/main" val="3232560146"/>
-      </p:ext>
-    </p:extLst>
-  </p:cSld>
-  <p:clrMapOvr>
-    <a:masterClrMapping/>
-  </p:clrMapOvr>
-</p:sld>
-</file>
-
-<file path=ppt/slides/slide11.xml><?xml version="1.0" encoding="utf-8"?>
-<p:sld xmlns:a="http://schemas.openxmlformats.org/drawingml/2006/main" xmlns:r="http://schemas.openxmlformats.org/officeDocument/2006/relationships" xmlns:p="http://schemas.openxmlformats.org/presentationml/2006/main">
-  <p:cSld>
-    <p:spTree>
-      <p:nvGrpSpPr>
-        <p:cNvPr id="1" name=""/>
-        <p:cNvGrpSpPr/>
-        <p:nvPr/>
-      </p:nvGrpSpPr>
-      <p:grpSpPr>
-        <a:xfrm>
-          <a:off x="0" y="0"/>
-          <a:ext cx="0" cy="0"/>
-          <a:chOff x="0" y="0"/>
-          <a:chExt cx="0" cy="0"/>
-        </a:xfrm>
-      </p:grpSpPr>
-      <p:sp>
-        <p:nvSpPr>
-          <p:cNvPr id="2" name="Titre 1"/>
-          <p:cNvSpPr>
-            <a:spLocks noGrp="1"/>
-          </p:cNvSpPr>
-          <p:nvPr>
-            <p:ph type="title"/>
-          </p:nvPr>
-        </p:nvSpPr>
-        <p:spPr/>
-        <p:txBody>
-          <a:bodyPr rtlCol="0"/>
-          <a:lstStyle/>
-          <a:p>
-            <a:pPr rtl="0"/>
-            <a:endParaRPr lang="fr-FR" dirty="0"/>
-          </a:p>
-        </p:txBody>
-      </p:sp>
-      <p:sp>
-        <p:nvSpPr>
           <p:cNvPr id="3" name="Espace réservé d’image 2"/>
           <p:cNvSpPr>
             <a:spLocks noGrp="1"/>
@@ -4268,19 +4183,11 @@
             <a:pPr rtl="0"/>
             <a:r>
               <a:rPr lang="fr-FR" dirty="0"/>
-              <a:t>Data structures, </a:t>
+              <a:t>Data structures and </a:t>
             </a:r>
             <a:r>
               <a:rPr lang="fr-FR" dirty="0" err="1"/>
               <a:t>reading</a:t>
-            </a:r>
-            <a:r>
-              <a:rPr lang="fr-FR" dirty="0"/>
-              <a:t> and </a:t>
-            </a:r>
-            <a:r>
-              <a:rPr lang="fr-FR" dirty="0" err="1"/>
-              <a:t>displaying</a:t>
             </a:r>
             <a:endParaRPr lang="fr-FR" dirty="0"/>
           </a:p>
@@ -6453,10 +6360,10 @@
       </p:sp>
       <p:pic>
         <p:nvPicPr>
-          <p:cNvPr id="23" name="Image 22">
+          <p:cNvPr id="4" name="Image 3">
             <a:extLst>
               <a:ext uri="{FF2B5EF4-FFF2-40B4-BE49-F238E27FC236}">
-                <a16:creationId xmlns:a16="http://schemas.microsoft.com/office/drawing/2014/main" id="{FFBEF4C8-8DC6-40AA-BE3C-A81AC252BEF1}"/>
+                <a16:creationId xmlns:a16="http://schemas.microsoft.com/office/drawing/2014/main" id="{A5C2C840-59FA-43C4-99B2-65B63E4F4B30}"/>
               </a:ext>
             </a:extLst>
           </p:cNvPr>
@@ -6473,8 +6380,8 @@
         </p:blipFill>
         <p:spPr>
           <a:xfrm>
-            <a:off x="386081" y="2276872"/>
-            <a:ext cx="5518059" cy="2738988"/>
+            <a:off x="420423" y="2276872"/>
+            <a:ext cx="5421887" cy="2836572"/>
           </a:xfrm>
           <a:prstGeom prst="rect">
             <a:avLst/>
@@ -6550,7 +6457,7 @@
           <p:nvPr>
             <p:extLst>
               <p:ext uri="{D42A27DB-BD31-4B8C-83A1-F6EECF244321}">
-                <p14:modId xmlns:p14="http://schemas.microsoft.com/office/powerpoint/2010/main" val="3067007763"/>
+                <p14:modId xmlns:p14="http://schemas.microsoft.com/office/powerpoint/2010/main" val="1357866860"/>
               </p:ext>
             </p:extLst>
           </p:nvPr>
@@ -6714,7 +6621,7 @@
                     <a:p>
                       <a:r>
                         <a:rPr lang="fr-FR" dirty="0"/>
-                        <a:t>[2,0,2]</a:t>
+                        <a:t>[3,0,2,4]</a:t>
                       </a:r>
                     </a:p>
                   </a:txBody>
@@ -6745,9 +6652,26 @@
                     <a:bodyPr/>
                     <a:lstStyle/>
                     <a:p>
+                      <a:pPr marL="0" marR="0" lvl="0" indent="0" algn="l" defTabSz="914400" rtl="0" eaLnBrk="1" fontAlgn="auto" latinLnBrk="0" hangingPunct="1">
+                        <a:lnSpc>
+                          <a:spcPct val="100000"/>
+                        </a:lnSpc>
+                        <a:spcBef>
+                          <a:spcPts val="0"/>
+                        </a:spcBef>
+                        <a:spcAft>
+                          <a:spcPts val="0"/>
+                        </a:spcAft>
+                        <a:buClrTx/>
+                        <a:buSzTx/>
+                        <a:buFontTx/>
+                        <a:buNone/>
+                        <a:tabLst/>
+                        <a:defRPr/>
+                      </a:pPr>
                       <a:r>
                         <a:rPr lang="fr-FR" dirty="0"/>
-                        <a:t>[2,0,1]</a:t>
+                        <a:t>[1,5]</a:t>
                       </a:r>
                     </a:p>
                   </a:txBody>
@@ -6760,7 +6684,7 @@
                     <a:p>
                       <a:r>
                         <a:rPr lang="fr-FR" dirty="0"/>
-                        <a:t>[0]</a:t>
+                        <a:t>[3,0,2,4]</a:t>
                       </a:r>
                     </a:p>
                   </a:txBody>
@@ -6791,7 +6715,27 @@
                     <a:bodyPr/>
                     <a:lstStyle/>
                     <a:p>
-                      <a:endParaRPr lang="fr-FR"/>
+                      <a:pPr marL="0" marR="0" lvl="0" indent="0" algn="l" defTabSz="914400" rtl="0" eaLnBrk="1" fontAlgn="auto" latinLnBrk="0" hangingPunct="1">
+                        <a:lnSpc>
+                          <a:spcPct val="100000"/>
+                        </a:lnSpc>
+                        <a:spcBef>
+                          <a:spcPts val="0"/>
+                        </a:spcBef>
+                        <a:spcAft>
+                          <a:spcPts val="0"/>
+                        </a:spcAft>
+                        <a:buClrTx/>
+                        <a:buSzTx/>
+                        <a:buFontTx/>
+                        <a:buNone/>
+                        <a:tabLst/>
+                        <a:defRPr/>
+                      </a:pPr>
+                      <a:r>
+                        <a:rPr lang="fr-FR" dirty="0"/>
+                        <a:t>[1,5]</a:t>
+                      </a:r>
                     </a:p>
                   </a:txBody>
                   <a:tcPr/>
@@ -6801,7 +6745,27 @@
                     <a:bodyPr/>
                     <a:lstStyle/>
                     <a:p>
-                      <a:endParaRPr lang="fr-FR" dirty="0"/>
+                      <a:pPr marL="0" marR="0" lvl="0" indent="0" algn="l" defTabSz="914400" rtl="0" eaLnBrk="1" fontAlgn="auto" latinLnBrk="0" hangingPunct="1">
+                        <a:lnSpc>
+                          <a:spcPct val="100000"/>
+                        </a:lnSpc>
+                        <a:spcBef>
+                          <a:spcPts val="0"/>
+                        </a:spcBef>
+                        <a:spcAft>
+                          <a:spcPts val="0"/>
+                        </a:spcAft>
+                        <a:buClrTx/>
+                        <a:buSzTx/>
+                        <a:buFontTx/>
+                        <a:buNone/>
+                        <a:tabLst/>
+                        <a:defRPr/>
+                      </a:pPr>
+                      <a:r>
+                        <a:rPr lang="fr-FR" dirty="0"/>
+                        <a:t>[1,5]</a:t>
+                      </a:r>
                     </a:p>
                   </a:txBody>
                   <a:tcPr/>
@@ -6816,6 +6780,36 @@
           </a:graphicData>
         </a:graphic>
       </p:graphicFrame>
+      <p:pic>
+        <p:nvPicPr>
+          <p:cNvPr id="3" name="Image 2">
+            <a:extLst>
+              <a:ext uri="{FF2B5EF4-FFF2-40B4-BE49-F238E27FC236}">
+                <a16:creationId xmlns:a16="http://schemas.microsoft.com/office/drawing/2014/main" id="{021B1F1B-3ED9-4FBF-AC4C-0BD834B4AF9C}"/>
+              </a:ext>
+            </a:extLst>
+          </p:cNvPr>
+          <p:cNvPicPr>
+            <a:picLocks noChangeAspect="1"/>
+          </p:cNvPicPr>
+          <p:nvPr/>
+        </p:nvPicPr>
+        <p:blipFill>
+          <a:blip r:embed="rId2"/>
+          <a:stretch>
+            <a:fillRect/>
+          </a:stretch>
+        </p:blipFill>
+        <p:spPr>
+          <a:xfrm>
+            <a:off x="479376" y="2492896"/>
+            <a:ext cx="5285620" cy="3061033"/>
+          </a:xfrm>
+          <a:prstGeom prst="rect">
+            <a:avLst/>
+          </a:prstGeom>
+        </p:spPr>
+      </p:pic>
     </p:spTree>
     <p:extLst>
       <p:ext uri="{BB962C8B-B14F-4D97-AF65-F5344CB8AC3E}">
@@ -7096,10 +7090,70 @@
           <a:chExt cx="0" cy="0"/>
         </a:xfrm>
       </p:grpSpPr>
+      <p:sp>
+        <p:nvSpPr>
+          <p:cNvPr id="2" name="Titre 1"/>
+          <p:cNvSpPr>
+            <a:spLocks noGrp="1"/>
+          </p:cNvSpPr>
+          <p:nvPr>
+            <p:ph type="title"/>
+          </p:nvPr>
+        </p:nvSpPr>
+        <p:spPr/>
+        <p:txBody>
+          <a:bodyPr rtlCol="0"/>
+          <a:lstStyle/>
+          <a:p>
+            <a:pPr rtl="0"/>
+            <a:endParaRPr lang="fr-FR" dirty="0"/>
+          </a:p>
+        </p:txBody>
+      </p:sp>
+      <p:sp>
+        <p:nvSpPr>
+          <p:cNvPr id="3" name="Espace réservé du contenu 2"/>
+          <p:cNvSpPr>
+            <a:spLocks noGrp="1"/>
+          </p:cNvSpPr>
+          <p:nvPr>
+            <p:ph idx="1"/>
+          </p:nvPr>
+        </p:nvSpPr>
+        <p:spPr/>
+        <p:txBody>
+          <a:bodyPr rtlCol="0"/>
+          <a:lstStyle/>
+          <a:p>
+            <a:pPr rtl="0"/>
+            <a:endParaRPr lang="fr-FR" dirty="0"/>
+          </a:p>
+        </p:txBody>
+      </p:sp>
+      <p:sp>
+        <p:nvSpPr>
+          <p:cNvPr id="4" name="Espace réservé du texte 3"/>
+          <p:cNvSpPr>
+            <a:spLocks noGrp="1"/>
+          </p:cNvSpPr>
+          <p:nvPr>
+            <p:ph type="body" sz="half" idx="2"/>
+          </p:nvPr>
+        </p:nvSpPr>
+        <p:spPr/>
+        <p:txBody>
+          <a:bodyPr rtlCol="0"/>
+          <a:lstStyle/>
+          <a:p>
+            <a:pPr rtl="0"/>
+            <a:endParaRPr lang="fr-FR" dirty="0"/>
+          </a:p>
+        </p:txBody>
+      </p:sp>
     </p:spTree>
     <p:extLst>
       <p:ext uri="{BB962C8B-B14F-4D97-AF65-F5344CB8AC3E}">
-        <p14:creationId xmlns:p14="http://schemas.microsoft.com/office/powerpoint/2010/main" val="3661180859"/>
+        <p14:creationId xmlns:p14="http://schemas.microsoft.com/office/powerpoint/2010/main" val="3232560146"/>
       </p:ext>
     </p:extLst>
   </p:cSld>
@@ -7893,141 +7947,6 @@
 </file>
 
 <file path=customXml/item1.xml><?xml version="1.0" encoding="utf-8"?>
-<p:properties xmlns:p="http://schemas.microsoft.com/office/2006/metadata/properties" xmlns:xsi="http://www.w3.org/2001/XMLSchema-instance" xmlns:pc="http://schemas.microsoft.com/office/infopath/2007/PartnerControls">
-  <documentManagement>
-    <DirectSourceMarket xmlns="4873beb7-5857-4685-be1f-d57550cc96cc" xsi:nil="true"/>
-    <ApprovalStatus xmlns="4873beb7-5857-4685-be1f-d57550cc96cc">InProgress</ApprovalStatus>
-    <MarketSpecific xmlns="4873beb7-5857-4685-be1f-d57550cc96cc">false</MarketSpecific>
-    <LocComments xmlns="4873beb7-5857-4685-be1f-d57550cc96cc" xsi:nil="true"/>
-    <ThumbnailAssetId xmlns="4873beb7-5857-4685-be1f-d57550cc96cc" xsi:nil="true"/>
-    <PrimaryImageGen xmlns="4873beb7-5857-4685-be1f-d57550cc96cc">true</PrimaryImageGen>
-    <LegacyData xmlns="4873beb7-5857-4685-be1f-d57550cc96cc" xsi:nil="true"/>
-    <LocRecommendedHandoff xmlns="4873beb7-5857-4685-be1f-d57550cc96cc" xsi:nil="true"/>
-    <BusinessGroup xmlns="4873beb7-5857-4685-be1f-d57550cc96cc" xsi:nil="true"/>
-    <BlockPublish xmlns="4873beb7-5857-4685-be1f-d57550cc96cc">false</BlockPublish>
-    <TPFriendlyName xmlns="4873beb7-5857-4685-be1f-d57550cc96cc" xsi:nil="true"/>
-    <NumericId xmlns="4873beb7-5857-4685-be1f-d57550cc96cc" xsi:nil="true"/>
-    <APEditor xmlns="4873beb7-5857-4685-be1f-d57550cc96cc">
-      <UserInfo>
-        <DisplayName/>
-        <AccountId xsi:nil="true"/>
-        <AccountType/>
-      </UserInfo>
-    </APEditor>
-    <SourceTitle xmlns="4873beb7-5857-4685-be1f-d57550cc96cc" xsi:nil="true"/>
-    <OpenTemplate xmlns="4873beb7-5857-4685-be1f-d57550cc96cc">true</OpenTemplate>
-    <UALocComments xmlns="4873beb7-5857-4685-be1f-d57550cc96cc" xsi:nil="true"/>
-    <ParentAssetId xmlns="4873beb7-5857-4685-be1f-d57550cc96cc" xsi:nil="true"/>
-    <IntlLangReviewDate xmlns="4873beb7-5857-4685-be1f-d57550cc96cc" xsi:nil="true"/>
-    <FeatureTagsTaxHTField0 xmlns="4873beb7-5857-4685-be1f-d57550cc96cc">
-      <Terms xmlns="http://schemas.microsoft.com/office/infopath/2007/PartnerControls"/>
-    </FeatureTagsTaxHTField0>
-    <PublishStatusLookup xmlns="4873beb7-5857-4685-be1f-d57550cc96cc">
-      <Value>1566889</Value>
-    </PublishStatusLookup>
-    <Providers xmlns="4873beb7-5857-4685-be1f-d57550cc96cc" xsi:nil="true"/>
-    <MachineTranslated xmlns="4873beb7-5857-4685-be1f-d57550cc96cc">false</MachineTranslated>
-    <OriginalSourceMarket xmlns="4873beb7-5857-4685-be1f-d57550cc96cc" xsi:nil="true"/>
-    <APDescription xmlns="4873beb7-5857-4685-be1f-d57550cc96cc" xsi:nil="true"/>
-    <ClipArtFilename xmlns="4873beb7-5857-4685-be1f-d57550cc96cc" xsi:nil="true"/>
-    <ContentItem xmlns="4873beb7-5857-4685-be1f-d57550cc96cc" xsi:nil="true"/>
-    <TPInstallLocation xmlns="4873beb7-5857-4685-be1f-d57550cc96cc" xsi:nil="true"/>
-    <PublishTargets xmlns="4873beb7-5857-4685-be1f-d57550cc96cc">OfficeOnlineVNext</PublishTargets>
-    <TimesCloned xmlns="4873beb7-5857-4685-be1f-d57550cc96cc" xsi:nil="true"/>
-    <AssetStart xmlns="4873beb7-5857-4685-be1f-d57550cc96cc">2012-05-23T08:44:00+00:00</AssetStart>
-    <Provider xmlns="4873beb7-5857-4685-be1f-d57550cc96cc" xsi:nil="true"/>
-    <AcquiredFrom xmlns="4873beb7-5857-4685-be1f-d57550cc96cc">Internal MS</AcquiredFrom>
-    <FriendlyTitle xmlns="4873beb7-5857-4685-be1f-d57550cc96cc" xsi:nil="true"/>
-    <LastHandOff xmlns="4873beb7-5857-4685-be1f-d57550cc96cc" xsi:nil="true"/>
-    <TPClientViewer xmlns="4873beb7-5857-4685-be1f-d57550cc96cc" xsi:nil="true"/>
-    <UACurrentWords xmlns="4873beb7-5857-4685-be1f-d57550cc96cc" xsi:nil="true"/>
-    <ArtSampleDocs xmlns="4873beb7-5857-4685-be1f-d57550cc96cc" xsi:nil="true"/>
-    <UALocRecommendation xmlns="4873beb7-5857-4685-be1f-d57550cc96cc">Localize</UALocRecommendation>
-    <Manager xmlns="4873beb7-5857-4685-be1f-d57550cc96cc" xsi:nil="true"/>
-    <ShowIn xmlns="4873beb7-5857-4685-be1f-d57550cc96cc">Show everywhere</ShowIn>
-    <UANotes xmlns="4873beb7-5857-4685-be1f-d57550cc96cc" xsi:nil="true"/>
-    <TemplateStatus xmlns="4873beb7-5857-4685-be1f-d57550cc96cc">Complete</TemplateStatus>
-    <InternalTagsTaxHTField0 xmlns="4873beb7-5857-4685-be1f-d57550cc96cc">
-      <Terms xmlns="http://schemas.microsoft.com/office/infopath/2007/PartnerControls"/>
-    </InternalTagsTaxHTField0>
-    <CSXHash xmlns="4873beb7-5857-4685-be1f-d57550cc96cc" xsi:nil="true"/>
-    <Downloads xmlns="4873beb7-5857-4685-be1f-d57550cc96cc">0</Downloads>
-    <VoteCount xmlns="4873beb7-5857-4685-be1f-d57550cc96cc" xsi:nil="true"/>
-    <OOCacheId xmlns="4873beb7-5857-4685-be1f-d57550cc96cc" xsi:nil="true"/>
-    <IsDeleted xmlns="4873beb7-5857-4685-be1f-d57550cc96cc">false</IsDeleted>
-    <AssetExpire xmlns="4873beb7-5857-4685-be1f-d57550cc96cc">2029-01-01T08:00:00+00:00</AssetExpire>
-    <DSATActionTaken xmlns="4873beb7-5857-4685-be1f-d57550cc96cc" xsi:nil="true"/>
-    <CSXSubmissionMarket xmlns="4873beb7-5857-4685-be1f-d57550cc96cc" xsi:nil="true"/>
-    <TPExecutable xmlns="4873beb7-5857-4685-be1f-d57550cc96cc" xsi:nil="true"/>
-    <SubmitterId xmlns="4873beb7-5857-4685-be1f-d57550cc96cc" xsi:nil="true"/>
-    <EditorialTags xmlns="4873beb7-5857-4685-be1f-d57550cc96cc" xsi:nil="true"/>
-    <ApprovalLog xmlns="4873beb7-5857-4685-be1f-d57550cc96cc" xsi:nil="true"/>
-    <AssetType xmlns="4873beb7-5857-4685-be1f-d57550cc96cc">TP</AssetType>
-    <BugNumber xmlns="4873beb7-5857-4685-be1f-d57550cc96cc" xsi:nil="true"/>
-    <CSXSubmissionDate xmlns="4873beb7-5857-4685-be1f-d57550cc96cc" xsi:nil="true"/>
-    <CSXUpdate xmlns="4873beb7-5857-4685-be1f-d57550cc96cc">false</CSXUpdate>
-    <Milestone xmlns="4873beb7-5857-4685-be1f-d57550cc96cc" xsi:nil="true"/>
-    <RecommendationsModifier xmlns="4873beb7-5857-4685-be1f-d57550cc96cc" xsi:nil="true"/>
-    <OriginAsset xmlns="4873beb7-5857-4685-be1f-d57550cc96cc" xsi:nil="true"/>
-    <TPComponent xmlns="4873beb7-5857-4685-be1f-d57550cc96cc" xsi:nil="true"/>
-    <AssetId xmlns="4873beb7-5857-4685-be1f-d57550cc96cc">TP102901017</AssetId>
-    <IntlLocPriority xmlns="4873beb7-5857-4685-be1f-d57550cc96cc" xsi:nil="true"/>
-    <PolicheckWords xmlns="4873beb7-5857-4685-be1f-d57550cc96cc" xsi:nil="true"/>
-    <TPLaunchHelpLink xmlns="4873beb7-5857-4685-be1f-d57550cc96cc" xsi:nil="true"/>
-    <TPApplication xmlns="4873beb7-5857-4685-be1f-d57550cc96cc" xsi:nil="true"/>
-    <CrawlForDependencies xmlns="4873beb7-5857-4685-be1f-d57550cc96cc">false</CrawlForDependencies>
-    <HandoffToMSDN xmlns="4873beb7-5857-4685-be1f-d57550cc96cc" xsi:nil="true"/>
-    <PlannedPubDate xmlns="4873beb7-5857-4685-be1f-d57550cc96cc" xsi:nil="true"/>
-    <IntlLangReviewer xmlns="4873beb7-5857-4685-be1f-d57550cc96cc" xsi:nil="true"/>
-    <TrustLevel xmlns="4873beb7-5857-4685-be1f-d57550cc96cc">1 Microsoft Managed Content</TrustLevel>
-    <LocLastLocAttemptVersionLookup xmlns="4873beb7-5857-4685-be1f-d57550cc96cc">836753</LocLastLocAttemptVersionLookup>
-    <IsSearchable xmlns="4873beb7-5857-4685-be1f-d57550cc96cc">true</IsSearchable>
-    <TemplateTemplateType xmlns="4873beb7-5857-4685-be1f-d57550cc96cc">PowerPoint Design Template</TemplateTemplateType>
-    <CampaignTagsTaxHTField0 xmlns="4873beb7-5857-4685-be1f-d57550cc96cc">
-      <Terms xmlns="http://schemas.microsoft.com/office/infopath/2007/PartnerControls"/>
-    </CampaignTagsTaxHTField0>
-    <TPNamespace xmlns="4873beb7-5857-4685-be1f-d57550cc96cc" xsi:nil="true"/>
-    <TaxCatchAll xmlns="4873beb7-5857-4685-be1f-d57550cc96cc"/>
-    <Markets xmlns="4873beb7-5857-4685-be1f-d57550cc96cc"/>
-    <UAProjectedTotalWords xmlns="4873beb7-5857-4685-be1f-d57550cc96cc" xsi:nil="true"/>
-    <IntlLangReview xmlns="4873beb7-5857-4685-be1f-d57550cc96cc">false</IntlLangReview>
-    <OutputCachingOn xmlns="4873beb7-5857-4685-be1f-d57550cc96cc">false</OutputCachingOn>
-    <AverageRating xmlns="4873beb7-5857-4685-be1f-d57550cc96cc" xsi:nil="true"/>
-    <APAuthor xmlns="4873beb7-5857-4685-be1f-d57550cc96cc">
-      <UserInfo>
-        <DisplayName>REDMOND\v-anij</DisplayName>
-        <AccountId>2469</AccountId>
-        <AccountType/>
-      </UserInfo>
-    </APAuthor>
-    <LocManualTestRequired xmlns="4873beb7-5857-4685-be1f-d57550cc96cc">false</LocManualTestRequired>
-    <TPCommandLine xmlns="4873beb7-5857-4685-be1f-d57550cc96cc" xsi:nil="true"/>
-    <TPAppVersion xmlns="4873beb7-5857-4685-be1f-d57550cc96cc" xsi:nil="true"/>
-    <EditorialStatus xmlns="4873beb7-5857-4685-be1f-d57550cc96cc">Complete</EditorialStatus>
-    <LastModifiedDateTime xmlns="4873beb7-5857-4685-be1f-d57550cc96cc" xsi:nil="true"/>
-    <ScenarioTagsTaxHTField0 xmlns="4873beb7-5857-4685-be1f-d57550cc96cc">
-      <Terms xmlns="http://schemas.microsoft.com/office/infopath/2007/PartnerControls"/>
-    </ScenarioTagsTaxHTField0>
-    <OriginalRelease xmlns="4873beb7-5857-4685-be1f-d57550cc96cc">15</OriginalRelease>
-    <TPLaunchHelpLinkType xmlns="4873beb7-5857-4685-be1f-d57550cc96cc">Template</TPLaunchHelpLinkType>
-    <LocalizationTagsTaxHTField0 xmlns="4873beb7-5857-4685-be1f-d57550cc96cc">
-      <Terms xmlns="http://schemas.microsoft.com/office/infopath/2007/PartnerControls"/>
-    </LocalizationTagsTaxHTField0>
-    <LocMarketGroupTiers2 xmlns="4873beb7-5857-4685-be1f-d57550cc96cc" xsi:nil="true"/>
-  </documentManagement>
-</p:properties>
-</file>
-
-<file path=customXml/item2.xml><?xml version="1.0" encoding="utf-8"?>
-<?mso-contentType ?>
-<FormTemplates xmlns="http://schemas.microsoft.com/sharepoint/v3/contenttype/forms">
-  <Display>DocumentLibraryForm</Display>
-  <Edit>AssetEditForm</Edit>
-  <New>DocumentLibraryForm</New>
-</FormTemplates>
-</file>
-
-<file path=customXml/item3.xml><?xml version="1.0" encoding="utf-8"?>
 <ct:contentTypeSchema xmlns:ct="http://schemas.microsoft.com/office/2006/metadata/contentType" xmlns:ma="http://schemas.microsoft.com/office/2006/metadata/properties/metaAttributes" ct:_="" ma:_="" ma:contentTypeName="TemplateFile" ma:contentTypeID="0x0101006EDDDB5EE6D98C44930B742096920B300400F5B6D36B3EF94B4E9A635CDF2A18F5B8" ma:contentTypeVersion="72" ma:contentTypeDescription="Create a new document." ma:contentTypeScope="" ma:versionID="a23e56308344d904b51738559c3d67c9">
   <xsd:schema xmlns:xsd="http://www.w3.org/2001/XMLSchema" xmlns:xs="http://www.w3.org/2001/XMLSchema" xmlns:p="http://schemas.microsoft.com/office/2006/metadata/properties" xmlns:ns2="4873beb7-5857-4685-be1f-d57550cc96cc" targetNamespace="http://schemas.microsoft.com/office/2006/metadata/properties" ma:root="true" ma:fieldsID="cd0908cc4600e77bf5da051303e00c8d" ns2:_="">
     <xsd:import namespace="4873beb7-5857-4685-be1f-d57550cc96cc"/>
@@ -9067,31 +8986,142 @@
 </ct:contentTypeSchema>
 </file>
 
-<file path=customXml/itemProps1.xml><?xml version="1.0" encoding="utf-8"?>
-<ds:datastoreItem xmlns:ds="http://schemas.openxmlformats.org/officeDocument/2006/customXml" ds:itemID="{04098515-0C12-46CF-BC7C-69B4A13CD5FA}">
-  <ds:schemaRefs>
-    <ds:schemaRef ds:uri="http://schemas.microsoft.com/office/infopath/2007/PartnerControls"/>
-    <ds:schemaRef ds:uri="http://schemas.microsoft.com/office/2006/metadata/properties"/>
-    <ds:schemaRef ds:uri="http://schemas.microsoft.com/office/2006/documentManagement/types"/>
-    <ds:schemaRef ds:uri="http://purl.org/dc/terms/"/>
-    <ds:schemaRef ds:uri="http://purl.org/dc/dcmitype/"/>
-    <ds:schemaRef ds:uri="http://schemas.openxmlformats.org/package/2006/metadata/core-properties"/>
-    <ds:schemaRef ds:uri="http://purl.org/dc/elements/1.1/"/>
-    <ds:schemaRef ds:uri="4873beb7-5857-4685-be1f-d57550cc96cc"/>
-    <ds:schemaRef ds:uri="http://www.w3.org/XML/1998/namespace"/>
-  </ds:schemaRefs>
-</ds:datastoreItem>
+<file path=customXml/item2.xml><?xml version="1.0" encoding="utf-8"?>
+<?mso-contentType ?>
+<FormTemplates xmlns="http://schemas.microsoft.com/sharepoint/v3/contenttype/forms">
+  <Display>DocumentLibraryForm</Display>
+  <Edit>AssetEditForm</Edit>
+  <New>DocumentLibraryForm</New>
+</FormTemplates>
 </file>
 
-<file path=customXml/itemProps2.xml><?xml version="1.0" encoding="utf-8"?>
-<ds:datastoreItem xmlns:ds="http://schemas.openxmlformats.org/officeDocument/2006/customXml" ds:itemID="{746CFF6F-D9AA-4BC0-911A-0A1356771912}">
-  <ds:schemaRefs>
-    <ds:schemaRef ds:uri="http://schemas.microsoft.com/sharepoint/v3/contenttype/forms"/>
-  </ds:schemaRefs>
-</ds:datastoreItem>
+<file path=customXml/item3.xml><?xml version="1.0" encoding="utf-8"?>
+<p:properties xmlns:p="http://schemas.microsoft.com/office/2006/metadata/properties" xmlns:xsi="http://www.w3.org/2001/XMLSchema-instance" xmlns:pc="http://schemas.microsoft.com/office/infopath/2007/PartnerControls">
+  <documentManagement>
+    <DirectSourceMarket xmlns="4873beb7-5857-4685-be1f-d57550cc96cc" xsi:nil="true"/>
+    <ApprovalStatus xmlns="4873beb7-5857-4685-be1f-d57550cc96cc">InProgress</ApprovalStatus>
+    <MarketSpecific xmlns="4873beb7-5857-4685-be1f-d57550cc96cc">false</MarketSpecific>
+    <LocComments xmlns="4873beb7-5857-4685-be1f-d57550cc96cc" xsi:nil="true"/>
+    <ThumbnailAssetId xmlns="4873beb7-5857-4685-be1f-d57550cc96cc" xsi:nil="true"/>
+    <PrimaryImageGen xmlns="4873beb7-5857-4685-be1f-d57550cc96cc">true</PrimaryImageGen>
+    <LegacyData xmlns="4873beb7-5857-4685-be1f-d57550cc96cc" xsi:nil="true"/>
+    <LocRecommendedHandoff xmlns="4873beb7-5857-4685-be1f-d57550cc96cc" xsi:nil="true"/>
+    <BusinessGroup xmlns="4873beb7-5857-4685-be1f-d57550cc96cc" xsi:nil="true"/>
+    <BlockPublish xmlns="4873beb7-5857-4685-be1f-d57550cc96cc">false</BlockPublish>
+    <TPFriendlyName xmlns="4873beb7-5857-4685-be1f-d57550cc96cc" xsi:nil="true"/>
+    <NumericId xmlns="4873beb7-5857-4685-be1f-d57550cc96cc" xsi:nil="true"/>
+    <APEditor xmlns="4873beb7-5857-4685-be1f-d57550cc96cc">
+      <UserInfo>
+        <DisplayName/>
+        <AccountId xsi:nil="true"/>
+        <AccountType/>
+      </UserInfo>
+    </APEditor>
+    <SourceTitle xmlns="4873beb7-5857-4685-be1f-d57550cc96cc" xsi:nil="true"/>
+    <OpenTemplate xmlns="4873beb7-5857-4685-be1f-d57550cc96cc">true</OpenTemplate>
+    <UALocComments xmlns="4873beb7-5857-4685-be1f-d57550cc96cc" xsi:nil="true"/>
+    <ParentAssetId xmlns="4873beb7-5857-4685-be1f-d57550cc96cc" xsi:nil="true"/>
+    <IntlLangReviewDate xmlns="4873beb7-5857-4685-be1f-d57550cc96cc" xsi:nil="true"/>
+    <FeatureTagsTaxHTField0 xmlns="4873beb7-5857-4685-be1f-d57550cc96cc">
+      <Terms xmlns="http://schemas.microsoft.com/office/infopath/2007/PartnerControls"/>
+    </FeatureTagsTaxHTField0>
+    <PublishStatusLookup xmlns="4873beb7-5857-4685-be1f-d57550cc96cc">
+      <Value>1566889</Value>
+    </PublishStatusLookup>
+    <Providers xmlns="4873beb7-5857-4685-be1f-d57550cc96cc" xsi:nil="true"/>
+    <MachineTranslated xmlns="4873beb7-5857-4685-be1f-d57550cc96cc">false</MachineTranslated>
+    <OriginalSourceMarket xmlns="4873beb7-5857-4685-be1f-d57550cc96cc" xsi:nil="true"/>
+    <APDescription xmlns="4873beb7-5857-4685-be1f-d57550cc96cc" xsi:nil="true"/>
+    <ClipArtFilename xmlns="4873beb7-5857-4685-be1f-d57550cc96cc" xsi:nil="true"/>
+    <ContentItem xmlns="4873beb7-5857-4685-be1f-d57550cc96cc" xsi:nil="true"/>
+    <TPInstallLocation xmlns="4873beb7-5857-4685-be1f-d57550cc96cc" xsi:nil="true"/>
+    <PublishTargets xmlns="4873beb7-5857-4685-be1f-d57550cc96cc">OfficeOnlineVNext</PublishTargets>
+    <TimesCloned xmlns="4873beb7-5857-4685-be1f-d57550cc96cc" xsi:nil="true"/>
+    <AssetStart xmlns="4873beb7-5857-4685-be1f-d57550cc96cc">2012-05-23T08:44:00+00:00</AssetStart>
+    <Provider xmlns="4873beb7-5857-4685-be1f-d57550cc96cc" xsi:nil="true"/>
+    <AcquiredFrom xmlns="4873beb7-5857-4685-be1f-d57550cc96cc">Internal MS</AcquiredFrom>
+    <FriendlyTitle xmlns="4873beb7-5857-4685-be1f-d57550cc96cc" xsi:nil="true"/>
+    <LastHandOff xmlns="4873beb7-5857-4685-be1f-d57550cc96cc" xsi:nil="true"/>
+    <TPClientViewer xmlns="4873beb7-5857-4685-be1f-d57550cc96cc" xsi:nil="true"/>
+    <UACurrentWords xmlns="4873beb7-5857-4685-be1f-d57550cc96cc" xsi:nil="true"/>
+    <ArtSampleDocs xmlns="4873beb7-5857-4685-be1f-d57550cc96cc" xsi:nil="true"/>
+    <UALocRecommendation xmlns="4873beb7-5857-4685-be1f-d57550cc96cc">Localize</UALocRecommendation>
+    <Manager xmlns="4873beb7-5857-4685-be1f-d57550cc96cc" xsi:nil="true"/>
+    <ShowIn xmlns="4873beb7-5857-4685-be1f-d57550cc96cc">Show everywhere</ShowIn>
+    <UANotes xmlns="4873beb7-5857-4685-be1f-d57550cc96cc" xsi:nil="true"/>
+    <TemplateStatus xmlns="4873beb7-5857-4685-be1f-d57550cc96cc">Complete</TemplateStatus>
+    <InternalTagsTaxHTField0 xmlns="4873beb7-5857-4685-be1f-d57550cc96cc">
+      <Terms xmlns="http://schemas.microsoft.com/office/infopath/2007/PartnerControls"/>
+    </InternalTagsTaxHTField0>
+    <CSXHash xmlns="4873beb7-5857-4685-be1f-d57550cc96cc" xsi:nil="true"/>
+    <Downloads xmlns="4873beb7-5857-4685-be1f-d57550cc96cc">0</Downloads>
+    <VoteCount xmlns="4873beb7-5857-4685-be1f-d57550cc96cc" xsi:nil="true"/>
+    <OOCacheId xmlns="4873beb7-5857-4685-be1f-d57550cc96cc" xsi:nil="true"/>
+    <IsDeleted xmlns="4873beb7-5857-4685-be1f-d57550cc96cc">false</IsDeleted>
+    <AssetExpire xmlns="4873beb7-5857-4685-be1f-d57550cc96cc">2029-01-01T08:00:00+00:00</AssetExpire>
+    <DSATActionTaken xmlns="4873beb7-5857-4685-be1f-d57550cc96cc" xsi:nil="true"/>
+    <CSXSubmissionMarket xmlns="4873beb7-5857-4685-be1f-d57550cc96cc" xsi:nil="true"/>
+    <TPExecutable xmlns="4873beb7-5857-4685-be1f-d57550cc96cc" xsi:nil="true"/>
+    <SubmitterId xmlns="4873beb7-5857-4685-be1f-d57550cc96cc" xsi:nil="true"/>
+    <EditorialTags xmlns="4873beb7-5857-4685-be1f-d57550cc96cc" xsi:nil="true"/>
+    <ApprovalLog xmlns="4873beb7-5857-4685-be1f-d57550cc96cc" xsi:nil="true"/>
+    <AssetType xmlns="4873beb7-5857-4685-be1f-d57550cc96cc">TP</AssetType>
+    <BugNumber xmlns="4873beb7-5857-4685-be1f-d57550cc96cc" xsi:nil="true"/>
+    <CSXSubmissionDate xmlns="4873beb7-5857-4685-be1f-d57550cc96cc" xsi:nil="true"/>
+    <CSXUpdate xmlns="4873beb7-5857-4685-be1f-d57550cc96cc">false</CSXUpdate>
+    <Milestone xmlns="4873beb7-5857-4685-be1f-d57550cc96cc" xsi:nil="true"/>
+    <RecommendationsModifier xmlns="4873beb7-5857-4685-be1f-d57550cc96cc" xsi:nil="true"/>
+    <OriginAsset xmlns="4873beb7-5857-4685-be1f-d57550cc96cc" xsi:nil="true"/>
+    <TPComponent xmlns="4873beb7-5857-4685-be1f-d57550cc96cc" xsi:nil="true"/>
+    <AssetId xmlns="4873beb7-5857-4685-be1f-d57550cc96cc">TP102901017</AssetId>
+    <IntlLocPriority xmlns="4873beb7-5857-4685-be1f-d57550cc96cc" xsi:nil="true"/>
+    <PolicheckWords xmlns="4873beb7-5857-4685-be1f-d57550cc96cc" xsi:nil="true"/>
+    <TPLaunchHelpLink xmlns="4873beb7-5857-4685-be1f-d57550cc96cc" xsi:nil="true"/>
+    <TPApplication xmlns="4873beb7-5857-4685-be1f-d57550cc96cc" xsi:nil="true"/>
+    <CrawlForDependencies xmlns="4873beb7-5857-4685-be1f-d57550cc96cc">false</CrawlForDependencies>
+    <HandoffToMSDN xmlns="4873beb7-5857-4685-be1f-d57550cc96cc" xsi:nil="true"/>
+    <PlannedPubDate xmlns="4873beb7-5857-4685-be1f-d57550cc96cc" xsi:nil="true"/>
+    <IntlLangReviewer xmlns="4873beb7-5857-4685-be1f-d57550cc96cc" xsi:nil="true"/>
+    <TrustLevel xmlns="4873beb7-5857-4685-be1f-d57550cc96cc">1 Microsoft Managed Content</TrustLevel>
+    <LocLastLocAttemptVersionLookup xmlns="4873beb7-5857-4685-be1f-d57550cc96cc">836753</LocLastLocAttemptVersionLookup>
+    <IsSearchable xmlns="4873beb7-5857-4685-be1f-d57550cc96cc">true</IsSearchable>
+    <TemplateTemplateType xmlns="4873beb7-5857-4685-be1f-d57550cc96cc">PowerPoint Design Template</TemplateTemplateType>
+    <CampaignTagsTaxHTField0 xmlns="4873beb7-5857-4685-be1f-d57550cc96cc">
+      <Terms xmlns="http://schemas.microsoft.com/office/infopath/2007/PartnerControls"/>
+    </CampaignTagsTaxHTField0>
+    <TPNamespace xmlns="4873beb7-5857-4685-be1f-d57550cc96cc" xsi:nil="true"/>
+    <TaxCatchAll xmlns="4873beb7-5857-4685-be1f-d57550cc96cc"/>
+    <Markets xmlns="4873beb7-5857-4685-be1f-d57550cc96cc"/>
+    <UAProjectedTotalWords xmlns="4873beb7-5857-4685-be1f-d57550cc96cc" xsi:nil="true"/>
+    <IntlLangReview xmlns="4873beb7-5857-4685-be1f-d57550cc96cc">false</IntlLangReview>
+    <OutputCachingOn xmlns="4873beb7-5857-4685-be1f-d57550cc96cc">false</OutputCachingOn>
+    <AverageRating xmlns="4873beb7-5857-4685-be1f-d57550cc96cc" xsi:nil="true"/>
+    <APAuthor xmlns="4873beb7-5857-4685-be1f-d57550cc96cc">
+      <UserInfo>
+        <DisplayName>REDMOND\v-anij</DisplayName>
+        <AccountId>2469</AccountId>
+        <AccountType/>
+      </UserInfo>
+    </APAuthor>
+    <LocManualTestRequired xmlns="4873beb7-5857-4685-be1f-d57550cc96cc">false</LocManualTestRequired>
+    <TPCommandLine xmlns="4873beb7-5857-4685-be1f-d57550cc96cc" xsi:nil="true"/>
+    <TPAppVersion xmlns="4873beb7-5857-4685-be1f-d57550cc96cc" xsi:nil="true"/>
+    <EditorialStatus xmlns="4873beb7-5857-4685-be1f-d57550cc96cc">Complete</EditorialStatus>
+    <LastModifiedDateTime xmlns="4873beb7-5857-4685-be1f-d57550cc96cc" xsi:nil="true"/>
+    <ScenarioTagsTaxHTField0 xmlns="4873beb7-5857-4685-be1f-d57550cc96cc">
+      <Terms xmlns="http://schemas.microsoft.com/office/infopath/2007/PartnerControls"/>
+    </ScenarioTagsTaxHTField0>
+    <OriginalRelease xmlns="4873beb7-5857-4685-be1f-d57550cc96cc">15</OriginalRelease>
+    <TPLaunchHelpLinkType xmlns="4873beb7-5857-4685-be1f-d57550cc96cc">Template</TPLaunchHelpLinkType>
+    <LocalizationTagsTaxHTField0 xmlns="4873beb7-5857-4685-be1f-d57550cc96cc">
+      <Terms xmlns="http://schemas.microsoft.com/office/infopath/2007/PartnerControls"/>
+    </LocalizationTagsTaxHTField0>
+    <LocMarketGroupTiers2 xmlns="4873beb7-5857-4685-be1f-d57550cc96cc" xsi:nil="true"/>
+  </documentManagement>
+</p:properties>
 </file>
 
-<file path=customXml/itemProps3.xml><?xml version="1.0" encoding="utf-8"?>
+<file path=customXml/itemProps1.xml><?xml version="1.0" encoding="utf-8"?>
 <ds:datastoreItem xmlns:ds="http://schemas.openxmlformats.org/officeDocument/2006/customXml" ds:itemID="{0B5C6E15-39DC-470B-9445-F754B9458020}">
   <ds:schemaRefs>
     <ds:schemaRef ds:uri="http://schemas.microsoft.com/office/2006/metadata/contentType"/>
@@ -9107,4 +9137,28 @@
     <ds:schemaRef ds:uri="http://schemas.microsoft.com/internal/obd"/>
   </ds:schemaRefs>
 </ds:datastoreItem>
+</file>
+
+<file path=customXml/itemProps2.xml><?xml version="1.0" encoding="utf-8"?>
+<ds:datastoreItem xmlns:ds="http://schemas.openxmlformats.org/officeDocument/2006/customXml" ds:itemID="{746CFF6F-D9AA-4BC0-911A-0A1356771912}">
+  <ds:schemaRefs>
+    <ds:schemaRef ds:uri="http://schemas.microsoft.com/sharepoint/v3/contenttype/forms"/>
+  </ds:schemaRefs>
+</ds:datastoreItem>
+</file>
+
+<file path=customXml/itemProps3.xml><?xml version="1.0" encoding="utf-8"?>
+<ds:datastoreItem xmlns:ds="http://schemas.openxmlformats.org/officeDocument/2006/customXml" ds:itemID="{04098515-0C12-46CF-BC7C-69B4A13CD5FA}">
+  <ds:schemaRefs>
+    <ds:schemaRef ds:uri="http://schemas.microsoft.com/office/infopath/2007/PartnerControls"/>
+    <ds:schemaRef ds:uri="http://schemas.microsoft.com/office/2006/metadata/properties"/>
+    <ds:schemaRef ds:uri="http://schemas.microsoft.com/office/2006/documentManagement/types"/>
+    <ds:schemaRef ds:uri="http://purl.org/dc/terms/"/>
+    <ds:schemaRef ds:uri="http://purl.org/dc/dcmitype/"/>
+    <ds:schemaRef ds:uri="http://schemas.openxmlformats.org/package/2006/metadata/core-properties"/>
+    <ds:schemaRef ds:uri="http://purl.org/dc/elements/1.1/"/>
+    <ds:schemaRef ds:uri="4873beb7-5857-4685-be1f-d57550cc96cc"/>
+    <ds:schemaRef ds:uri="http://www.w3.org/XML/1998/namespace"/>
+  </ds:schemaRefs>
+</ds:datastoreItem>
 </file>
--- a/Presentation.pptx
+++ b/Presentation.pptx
@@ -5,22 +5,20 @@
     <p:sldMasterId id="2147483648" r:id="rId4"/>
   </p:sldMasterIdLst>
   <p:notesMasterIdLst>
-    <p:notesMasterId r:id="rId15"/>
+    <p:notesMasterId r:id="rId13"/>
   </p:notesMasterIdLst>
   <p:handoutMasterIdLst>
-    <p:handoutMasterId r:id="rId16"/>
+    <p:handoutMasterId r:id="rId14"/>
   </p:handoutMasterIdLst>
   <p:sldIdLst>
     <p:sldId id="256" r:id="rId5"/>
     <p:sldId id="265" r:id="rId6"/>
     <p:sldId id="266" r:id="rId7"/>
-    <p:sldId id="267" r:id="rId8"/>
-    <p:sldId id="269" r:id="rId9"/>
-    <p:sldId id="270" r:id="rId10"/>
-    <p:sldId id="271" r:id="rId11"/>
-    <p:sldId id="272" r:id="rId12"/>
-    <p:sldId id="274" r:id="rId13"/>
-    <p:sldId id="275" r:id="rId14"/>
+    <p:sldId id="276" r:id="rId8"/>
+    <p:sldId id="267" r:id="rId9"/>
+    <p:sldId id="277" r:id="rId10"/>
+    <p:sldId id="269" r:id="rId11"/>
+    <p:sldId id="278" r:id="rId12"/>
   </p:sldIdLst>
   <p:sldSz cx="12192000" cy="6858000"/>
   <p:notesSz cx="6858000" cy="9144000"/>
@@ -663,91 +661,6 @@
     </a:lvl9pPr>
   </p:notesStyle>
 </p:notesMaster>
-</file>
-
-<file path=ppt/notesSlides/notesSlide1.xml><?xml version="1.0" encoding="utf-8"?>
-<p:notes xmlns:a="http://schemas.openxmlformats.org/drawingml/2006/main" xmlns:r="http://schemas.openxmlformats.org/officeDocument/2006/relationships" xmlns:p="http://schemas.openxmlformats.org/presentationml/2006/main">
-  <p:cSld>
-    <p:spTree>
-      <p:nvGrpSpPr>
-        <p:cNvPr id="1" name=""/>
-        <p:cNvGrpSpPr/>
-        <p:nvPr/>
-      </p:nvGrpSpPr>
-      <p:grpSpPr>
-        <a:xfrm>
-          <a:off x="0" y="0"/>
-          <a:ext cx="0" cy="0"/>
-          <a:chOff x="0" y="0"/>
-          <a:chExt cx="0" cy="0"/>
-        </a:xfrm>
-      </p:grpSpPr>
-      <p:sp>
-        <p:nvSpPr>
-          <p:cNvPr id="2" name="Espace réservé de l'image des diapositives 1"/>
-          <p:cNvSpPr>
-            <a:spLocks noGrp="1" noRot="1" noChangeAspect="1"/>
-          </p:cNvSpPr>
-          <p:nvPr>
-            <p:ph type="sldImg"/>
-          </p:nvPr>
-        </p:nvSpPr>
-        <p:spPr/>
-      </p:sp>
-      <p:sp>
-        <p:nvSpPr>
-          <p:cNvPr id="3" name="Espace réservé des notes 2"/>
-          <p:cNvSpPr>
-            <a:spLocks noGrp="1"/>
-          </p:cNvSpPr>
-          <p:nvPr>
-            <p:ph type="body" idx="1"/>
-          </p:nvPr>
-        </p:nvSpPr>
-        <p:spPr/>
-        <p:txBody>
-          <a:bodyPr/>
-          <a:lstStyle/>
-          <a:p>
-            <a:endParaRPr lang="fr-FR"/>
-          </a:p>
-        </p:txBody>
-      </p:sp>
-      <p:sp>
-        <p:nvSpPr>
-          <p:cNvPr id="4" name="Espace réservé du numéro de diapositive 3"/>
-          <p:cNvSpPr>
-            <a:spLocks noGrp="1"/>
-          </p:cNvSpPr>
-          <p:nvPr>
-            <p:ph type="sldNum" sz="quarter" idx="10"/>
-          </p:nvPr>
-        </p:nvSpPr>
-        <p:spPr/>
-        <p:txBody>
-          <a:bodyPr/>
-          <a:lstStyle/>
-          <a:p>
-            <a:fld id="{5EE2CF44-2B13-41B4-A334-1CDF534EEBBF}" type="slidenum">
-              <a:rPr lang="fr-FR" smtClean="0"/>
-              <a:pPr/>
-              <a:t>10</a:t>
-            </a:fld>
-            <a:endParaRPr lang="fr-FR" dirty="0"/>
-          </a:p>
-        </p:txBody>
-      </p:sp>
-    </p:spTree>
-    <p:extLst>
-      <p:ext uri="{BB962C8B-B14F-4D97-AF65-F5344CB8AC3E}">
-        <p14:creationId xmlns:p14="http://schemas.microsoft.com/office/powerpoint/2010/main" val="3459061200"/>
-      </p:ext>
-    </p:extLst>
-  </p:cSld>
-  <p:clrMapOvr>
-    <a:masterClrMapping/>
-  </p:clrMapOvr>
-</p:notes>
 </file>
 
 <file path=ppt/slideLayouts/slideLayout1.xml><?xml version="1.0" encoding="utf-8"?>
@@ -3979,9 +3892,21 @@
         </p:nvSpPr>
         <p:spPr/>
         <p:txBody>
-          <a:bodyPr rtlCol="0"/>
+          <a:bodyPr rtlCol="0">
+            <a:normAutofit/>
+          </a:bodyPr>
           <a:lstStyle/>
           <a:p>
+            <a:r>
+              <a:rPr lang="en-US" dirty="0"/>
+              <a:t>Team: Int1-8</a:t>
+            </a:r>
+          </a:p>
+          <a:p>
+            <a:r>
+              <a:rPr lang="en-US" dirty="0"/>
+              <a:t>Names: </a:t>
+            </a:r>
             <a:r>
               <a:rPr lang="en-US" dirty="0" err="1"/>
               <a:t>Kiesgen</a:t>
@@ -4003,12 +3928,6 @@
               <a:t>Vaio</a:t>
             </a:r>
             <a:endParaRPr lang="en-US" dirty="0"/>
-          </a:p>
-          <a:p>
-            <a:r>
-              <a:rPr lang="en-US" dirty="0"/>
-              <a:t>Team: Int1-8</a:t>
-            </a:r>
           </a:p>
         </p:txBody>
       </p:sp>
@@ -4034,88 +3953,6 @@
       </p:transition>
     </mc:Fallback>
   </mc:AlternateContent>
-</p:sld>
-</file>
-
-<file path=ppt/slides/slide10.xml><?xml version="1.0" encoding="utf-8"?>
-<p:sld xmlns:a="http://schemas.openxmlformats.org/drawingml/2006/main" xmlns:r="http://schemas.openxmlformats.org/officeDocument/2006/relationships" xmlns:p="http://schemas.openxmlformats.org/presentationml/2006/main">
-  <p:cSld>
-    <p:spTree>
-      <p:nvGrpSpPr>
-        <p:cNvPr id="1" name=""/>
-        <p:cNvGrpSpPr/>
-        <p:nvPr/>
-      </p:nvGrpSpPr>
-      <p:grpSpPr>
-        <a:xfrm>
-          <a:off x="0" y="0"/>
-          <a:ext cx="0" cy="0"/>
-          <a:chOff x="0" y="0"/>
-          <a:chExt cx="0" cy="0"/>
-        </a:xfrm>
-      </p:grpSpPr>
-      <p:sp>
-        <p:nvSpPr>
-          <p:cNvPr id="2" name="Titre 1"/>
-          <p:cNvSpPr>
-            <a:spLocks noGrp="1"/>
-          </p:cNvSpPr>
-          <p:nvPr>
-            <p:ph type="title"/>
-          </p:nvPr>
-        </p:nvSpPr>
-        <p:spPr/>
-        <p:txBody>
-          <a:bodyPr rtlCol="0"/>
-          <a:lstStyle/>
-          <a:p>
-            <a:pPr rtl="0"/>
-            <a:endParaRPr lang="fr-FR" dirty="0"/>
-          </a:p>
-        </p:txBody>
-      </p:sp>
-      <p:sp>
-        <p:nvSpPr>
-          <p:cNvPr id="3" name="Espace réservé d’image 2"/>
-          <p:cNvSpPr>
-            <a:spLocks noGrp="1"/>
-          </p:cNvSpPr>
-          <p:nvPr>
-            <p:ph type="pic" idx="1"/>
-          </p:nvPr>
-        </p:nvSpPr>
-        <p:spPr/>
-      </p:sp>
-      <p:sp>
-        <p:nvSpPr>
-          <p:cNvPr id="4" name="Espace réservé du texte 3"/>
-          <p:cNvSpPr>
-            <a:spLocks noGrp="1"/>
-          </p:cNvSpPr>
-          <p:nvPr>
-            <p:ph type="body" sz="half" idx="2"/>
-          </p:nvPr>
-        </p:nvSpPr>
-        <p:spPr/>
-        <p:txBody>
-          <a:bodyPr rtlCol="0"/>
-          <a:lstStyle/>
-          <a:p>
-            <a:pPr rtl="0"/>
-            <a:endParaRPr lang="fr-FR" dirty="0"/>
-          </a:p>
-        </p:txBody>
-      </p:sp>
-    </p:spTree>
-    <p:extLst>
-      <p:ext uri="{BB962C8B-B14F-4D97-AF65-F5344CB8AC3E}">
-        <p14:creationId xmlns:p14="http://schemas.microsoft.com/office/powerpoint/2010/main" val="1857640680"/>
-      </p:ext>
-    </p:extLst>
-  </p:cSld>
-  <p:clrMapOvr>
-    <a:masterClrMapping/>
-  </p:clrMapOvr>
 </p:sld>
 </file>
 
@@ -4183,11 +4020,19 @@
             <a:pPr rtl="0"/>
             <a:r>
               <a:rPr lang="fr-FR" dirty="0"/>
-              <a:t>Data structures and </a:t>
+              <a:t>Data structures, </a:t>
             </a:r>
             <a:r>
               <a:rPr lang="fr-FR" dirty="0" err="1"/>
               <a:t>reading</a:t>
+            </a:r>
+            <a:r>
+              <a:rPr lang="fr-FR" dirty="0"/>
+              <a:t> and </a:t>
+            </a:r>
+            <a:r>
+              <a:rPr lang="fr-FR" dirty="0" err="1"/>
+              <a:t>displaying</a:t>
             </a:r>
             <a:endParaRPr lang="fr-FR" dirty="0"/>
           </a:p>
@@ -5555,6 +5400,517 @@
 </file>
 
 <file path=ppt/slides/slide4.xml><?xml version="1.0" encoding="utf-8"?>
+<p:sld xmlns:a="http://schemas.openxmlformats.org/drawingml/2006/main" xmlns:r="http://schemas.openxmlformats.org/officeDocument/2006/relationships" xmlns:p="http://schemas.openxmlformats.org/presentationml/2006/main">
+  <p:cSld>
+    <p:spTree>
+      <p:nvGrpSpPr>
+        <p:cNvPr id="1" name=""/>
+        <p:cNvGrpSpPr/>
+        <p:nvPr/>
+      </p:nvGrpSpPr>
+      <p:grpSpPr>
+        <a:xfrm>
+          <a:off x="0" y="0"/>
+          <a:ext cx="0" cy="0"/>
+          <a:chOff x="0" y="0"/>
+          <a:chExt cx="0" cy="0"/>
+        </a:xfrm>
+      </p:grpSpPr>
+      <p:sp>
+        <p:nvSpPr>
+          <p:cNvPr id="2" name="Titre 1">
+            <a:extLst>
+              <a:ext uri="{FF2B5EF4-FFF2-40B4-BE49-F238E27FC236}">
+                <a16:creationId xmlns:a16="http://schemas.microsoft.com/office/drawing/2014/main" id="{61F8A613-1D45-415F-8D29-817557064024}"/>
+              </a:ext>
+            </a:extLst>
+          </p:cNvPr>
+          <p:cNvSpPr>
+            <a:spLocks noGrp="1"/>
+          </p:cNvSpPr>
+          <p:nvPr>
+            <p:ph type="title"/>
+          </p:nvPr>
+        </p:nvSpPr>
+        <p:spPr/>
+        <p:txBody>
+          <a:bodyPr/>
+          <a:lstStyle/>
+          <a:p>
+            <a:r>
+              <a:rPr lang="fr-FR" dirty="0"/>
+              <a:t>Reading and </a:t>
+            </a:r>
+            <a:r>
+              <a:rPr lang="fr-FR" dirty="0" err="1"/>
+              <a:t>displaying</a:t>
+            </a:r>
+            <a:endParaRPr lang="fr-FR" dirty="0"/>
+          </a:p>
+        </p:txBody>
+      </p:sp>
+      <p:pic>
+        <p:nvPicPr>
+          <p:cNvPr id="4" name="Image 3">
+            <a:extLst>
+              <a:ext uri="{FF2B5EF4-FFF2-40B4-BE49-F238E27FC236}">
+                <a16:creationId xmlns:a16="http://schemas.microsoft.com/office/drawing/2014/main" id="{3E555792-23F3-4AFC-BC31-E93BB5C73454}"/>
+              </a:ext>
+            </a:extLst>
+          </p:cNvPr>
+          <p:cNvPicPr>
+            <a:picLocks noChangeAspect="1"/>
+          </p:cNvPicPr>
+          <p:nvPr/>
+        </p:nvPicPr>
+        <p:blipFill>
+          <a:blip r:embed="rId2"/>
+          <a:stretch>
+            <a:fillRect/>
+          </a:stretch>
+        </p:blipFill>
+        <p:spPr>
+          <a:xfrm>
+            <a:off x="513910" y="2164233"/>
+            <a:ext cx="4515452" cy="3305188"/>
+          </a:xfrm>
+          <a:prstGeom prst="rect">
+            <a:avLst/>
+          </a:prstGeom>
+        </p:spPr>
+      </p:pic>
+      <p:pic>
+        <p:nvPicPr>
+          <p:cNvPr id="5" name="Image 4">
+            <a:extLst>
+              <a:ext uri="{FF2B5EF4-FFF2-40B4-BE49-F238E27FC236}">
+                <a16:creationId xmlns:a16="http://schemas.microsoft.com/office/drawing/2014/main" id="{A9E84CA0-7247-48B5-9812-1F39027CD6A4}"/>
+              </a:ext>
+            </a:extLst>
+          </p:cNvPr>
+          <p:cNvPicPr>
+            <a:picLocks noChangeAspect="1"/>
+          </p:cNvPicPr>
+          <p:nvPr/>
+        </p:nvPicPr>
+        <p:blipFill>
+          <a:blip r:embed="rId3"/>
+          <a:stretch>
+            <a:fillRect/>
+          </a:stretch>
+        </p:blipFill>
+        <p:spPr>
+          <a:xfrm>
+            <a:off x="6834970" y="1712615"/>
+            <a:ext cx="4843120" cy="2160240"/>
+          </a:xfrm>
+          <a:prstGeom prst="rect">
+            <a:avLst/>
+          </a:prstGeom>
+        </p:spPr>
+      </p:pic>
+      <p:pic>
+        <p:nvPicPr>
+          <p:cNvPr id="6" name="Image 5">
+            <a:extLst>
+              <a:ext uri="{FF2B5EF4-FFF2-40B4-BE49-F238E27FC236}">
+                <a16:creationId xmlns:a16="http://schemas.microsoft.com/office/drawing/2014/main" id="{5019874F-1FF9-42C9-AE4A-35CEE7F4AB36}"/>
+              </a:ext>
+            </a:extLst>
+          </p:cNvPr>
+          <p:cNvPicPr>
+            <a:picLocks noChangeAspect="1"/>
+          </p:cNvPicPr>
+          <p:nvPr/>
+        </p:nvPicPr>
+        <p:blipFill>
+          <a:blip r:embed="rId4"/>
+          <a:stretch>
+            <a:fillRect/>
+          </a:stretch>
+        </p:blipFill>
+        <p:spPr>
+          <a:xfrm>
+            <a:off x="5837904" y="4194612"/>
+            <a:ext cx="516191" cy="2206188"/>
+          </a:xfrm>
+          <a:prstGeom prst="rect">
+            <a:avLst/>
+          </a:prstGeom>
+        </p:spPr>
+      </p:pic>
+      <p:graphicFrame>
+        <p:nvGraphicFramePr>
+          <p:cNvPr id="7" name="Tableau 6">
+            <a:extLst>
+              <a:ext uri="{FF2B5EF4-FFF2-40B4-BE49-F238E27FC236}">
+                <a16:creationId xmlns:a16="http://schemas.microsoft.com/office/drawing/2014/main" id="{AEC0A171-24B8-4F35-8476-93352C920243}"/>
+              </a:ext>
+            </a:extLst>
+          </p:cNvPr>
+          <p:cNvGraphicFramePr>
+            <a:graphicFrameLocks noGrp="1"/>
+          </p:cNvGraphicFramePr>
+          <p:nvPr>
+            <p:extLst>
+              <p:ext uri="{D42A27DB-BD31-4B8C-83A1-F6EECF244321}">
+                <p14:modId xmlns:p14="http://schemas.microsoft.com/office/powerpoint/2010/main" val="972165476"/>
+              </p:ext>
+            </p:extLst>
+          </p:nvPr>
+        </p:nvGraphicFramePr>
+        <p:xfrm>
+          <a:off x="8400256" y="4082209"/>
+          <a:ext cx="2440959" cy="1478280"/>
+        </p:xfrm>
+        <a:graphic>
+          <a:graphicData uri="http://schemas.openxmlformats.org/drawingml/2006/table">
+            <a:tbl>
+              <a:tblPr firstRow="1" firstCol="1" bandRow="1">
+                <a:tableStyleId>{5C22544A-7EE6-4342-B048-85BDC9FD1C3A}</a:tableStyleId>
+              </a:tblPr>
+              <a:tblGrid>
+                <a:gridCol w="813653">
+                  <a:extLst>
+                    <a:ext uri="{9D8B030D-6E8A-4147-A177-3AD203B41FA5}">
+                      <a16:colId xmlns:a16="http://schemas.microsoft.com/office/drawing/2014/main" val="1924676122"/>
+                    </a:ext>
+                  </a:extLst>
+                </a:gridCol>
+                <a:gridCol w="813653">
+                  <a:extLst>
+                    <a:ext uri="{9D8B030D-6E8A-4147-A177-3AD203B41FA5}">
+                      <a16:colId xmlns:a16="http://schemas.microsoft.com/office/drawing/2014/main" val="4115003734"/>
+                    </a:ext>
+                  </a:extLst>
+                </a:gridCol>
+                <a:gridCol w="813653">
+                  <a:extLst>
+                    <a:ext uri="{9D8B030D-6E8A-4147-A177-3AD203B41FA5}">
+                      <a16:colId xmlns:a16="http://schemas.microsoft.com/office/drawing/2014/main" val="2380286523"/>
+                    </a:ext>
+                  </a:extLst>
+                </a:gridCol>
+              </a:tblGrid>
+              <a:tr h="0">
+                <a:tc>
+                  <a:txBody>
+                    <a:bodyPr/>
+                    <a:lstStyle/>
+                    <a:p>
+                      <a:r>
+                        <a:rPr lang="fr-FR" dirty="0"/>
+                        <a:t>[0]</a:t>
+                      </a:r>
+                    </a:p>
+                  </a:txBody>
+                  <a:tcPr/>
+                </a:tc>
+                <a:tc>
+                  <a:txBody>
+                    <a:bodyPr/>
+                    <a:lstStyle/>
+                    <a:p>
+                      <a:r>
+                        <a:rPr lang="fr-FR" dirty="0"/>
+                        <a:t>[a]</a:t>
+                      </a:r>
+                    </a:p>
+                  </a:txBody>
+                  <a:tcPr/>
+                </a:tc>
+                <a:tc>
+                  <a:txBody>
+                    <a:bodyPr/>
+                    <a:lstStyle/>
+                    <a:p>
+                      <a:r>
+                        <a:rPr lang="fr-FR" dirty="0"/>
+                        <a:t>[b]</a:t>
+                      </a:r>
+                    </a:p>
+                  </a:txBody>
+                  <a:tcPr/>
+                </a:tc>
+                <a:extLst>
+                  <a:ext uri="{0D108BD9-81ED-4DB2-BD59-A6C34878D82A}">
+                    <a16:rowId xmlns:a16="http://schemas.microsoft.com/office/drawing/2014/main" val="3778072159"/>
+                  </a:ext>
+                </a:extLst>
+              </a:tr>
+              <a:tr h="370840">
+                <a:tc>
+                  <a:txBody>
+                    <a:bodyPr/>
+                    <a:lstStyle/>
+                    <a:p>
+                      <a:r>
+                        <a:rPr lang="fr-FR" dirty="0"/>
+                        <a:t>[1,0]</a:t>
+                      </a:r>
+                    </a:p>
+                  </a:txBody>
+                  <a:tcPr/>
+                </a:tc>
+                <a:tc>
+                  <a:txBody>
+                    <a:bodyPr/>
+                    <a:lstStyle/>
+                    <a:p>
+                      <a:r>
+                        <a:rPr lang="fr-FR" dirty="0"/>
+                        <a:t>[1,1]</a:t>
+                      </a:r>
+                    </a:p>
+                  </a:txBody>
+                  <a:tcPr/>
+                </a:tc>
+                <a:tc>
+                  <a:txBody>
+                    <a:bodyPr/>
+                    <a:lstStyle/>
+                    <a:p>
+                      <a:r>
+                        <a:rPr lang="fr-FR" dirty="0"/>
+                        <a:t>[2,1,2]</a:t>
+                      </a:r>
+                    </a:p>
+                  </a:txBody>
+                  <a:tcPr/>
+                </a:tc>
+                <a:extLst>
+                  <a:ext uri="{0D108BD9-81ED-4DB2-BD59-A6C34878D82A}">
+                    <a16:rowId xmlns:a16="http://schemas.microsoft.com/office/drawing/2014/main" val="2682948552"/>
+                  </a:ext>
+                </a:extLst>
+              </a:tr>
+              <a:tr h="370840">
+                <a:tc>
+                  <a:txBody>
+                    <a:bodyPr/>
+                    <a:lstStyle/>
+                    <a:p>
+                      <a:r>
+                        <a:rPr lang="fr-FR" dirty="0"/>
+                        <a:t>[1,1]</a:t>
+                      </a:r>
+                    </a:p>
+                  </a:txBody>
+                  <a:tcPr/>
+                </a:tc>
+                <a:tc>
+                  <a:txBody>
+                    <a:bodyPr/>
+                    <a:lstStyle/>
+                    <a:p>
+                      <a:r>
+                        <a:rPr lang="fr-FR" dirty="0"/>
+                        <a:t>[0]</a:t>
+                      </a:r>
+                    </a:p>
+                  </a:txBody>
+                  <a:tcPr/>
+                </a:tc>
+                <a:tc>
+                  <a:txBody>
+                    <a:bodyPr/>
+                    <a:lstStyle/>
+                    <a:p>
+                      <a:r>
+                        <a:rPr lang="fr-FR" dirty="0"/>
+                        <a:t>[2,0,2]</a:t>
+                      </a:r>
+                    </a:p>
+                  </a:txBody>
+                  <a:tcPr/>
+                </a:tc>
+                <a:extLst>
+                  <a:ext uri="{0D108BD9-81ED-4DB2-BD59-A6C34878D82A}">
+                    <a16:rowId xmlns:a16="http://schemas.microsoft.com/office/drawing/2014/main" val="2949040926"/>
+                  </a:ext>
+                </a:extLst>
+              </a:tr>
+              <a:tr h="370840">
+                <a:tc>
+                  <a:txBody>
+                    <a:bodyPr/>
+                    <a:lstStyle/>
+                    <a:p>
+                      <a:r>
+                        <a:rPr lang="fr-FR" dirty="0"/>
+                        <a:t>[1,2]</a:t>
+                      </a:r>
+                    </a:p>
+                  </a:txBody>
+                  <a:tcPr/>
+                </a:tc>
+                <a:tc>
+                  <a:txBody>
+                    <a:bodyPr/>
+                    <a:lstStyle/>
+                    <a:p>
+                      <a:r>
+                        <a:rPr lang="fr-FR" dirty="0"/>
+                        <a:t>[2,0,1]</a:t>
+                      </a:r>
+                    </a:p>
+                  </a:txBody>
+                  <a:tcPr/>
+                </a:tc>
+                <a:tc>
+                  <a:txBody>
+                    <a:bodyPr/>
+                    <a:lstStyle/>
+                    <a:p>
+                      <a:r>
+                        <a:rPr lang="fr-FR" dirty="0"/>
+                        <a:t>[0]</a:t>
+                      </a:r>
+                    </a:p>
+                  </a:txBody>
+                  <a:tcPr/>
+                </a:tc>
+                <a:extLst>
+                  <a:ext uri="{0D108BD9-81ED-4DB2-BD59-A6C34878D82A}">
+                    <a16:rowId xmlns:a16="http://schemas.microsoft.com/office/drawing/2014/main" val="693849637"/>
+                  </a:ext>
+                </a:extLst>
+              </a:tr>
+            </a:tbl>
+          </a:graphicData>
+        </a:graphic>
+      </p:graphicFrame>
+      <p:sp>
+        <p:nvSpPr>
+          <p:cNvPr id="8" name="Flèche : droite 7">
+            <a:extLst>
+              <a:ext uri="{FF2B5EF4-FFF2-40B4-BE49-F238E27FC236}">
+                <a16:creationId xmlns:a16="http://schemas.microsoft.com/office/drawing/2014/main" id="{9BDA9B7D-1FB7-4A90-937A-C0D4CBBACED0}"/>
+              </a:ext>
+            </a:extLst>
+          </p:cNvPr>
+          <p:cNvSpPr/>
+          <p:nvPr/>
+        </p:nvSpPr>
+        <p:spPr>
+          <a:xfrm>
+            <a:off x="6675990" y="4821349"/>
+            <a:ext cx="1207288" cy="648072"/>
+          </a:xfrm>
+          <a:prstGeom prst="rightArrow">
+            <a:avLst/>
+          </a:prstGeom>
+        </p:spPr>
+        <p:style>
+          <a:lnRef idx="2">
+            <a:schemeClr val="accent1">
+              <a:shade val="50000"/>
+            </a:schemeClr>
+          </a:lnRef>
+          <a:fillRef idx="1">
+            <a:schemeClr val="accent1"/>
+          </a:fillRef>
+          <a:effectRef idx="0">
+            <a:schemeClr val="accent1"/>
+          </a:effectRef>
+          <a:fontRef idx="minor">
+            <a:schemeClr val="lt1"/>
+          </a:fontRef>
+        </p:style>
+        <p:txBody>
+          <a:bodyPr rtlCol="0" anchor="ctr"/>
+          <a:lstStyle/>
+          <a:p>
+            <a:pPr algn="ctr"/>
+            <a:endParaRPr lang="fr-FR"/>
+          </a:p>
+        </p:txBody>
+      </p:sp>
+      <p:sp>
+        <p:nvSpPr>
+          <p:cNvPr id="9" name="ZoneTexte 8">
+            <a:extLst>
+              <a:ext uri="{FF2B5EF4-FFF2-40B4-BE49-F238E27FC236}">
+                <a16:creationId xmlns:a16="http://schemas.microsoft.com/office/drawing/2014/main" id="{E91CDF31-4784-4373-8029-62CFCD8247D9}"/>
+              </a:ext>
+            </a:extLst>
+          </p:cNvPr>
+          <p:cNvSpPr txBox="1"/>
+          <p:nvPr/>
+        </p:nvSpPr>
+        <p:spPr>
+          <a:xfrm>
+            <a:off x="8184232" y="5756640"/>
+            <a:ext cx="3133818" cy="1000274"/>
+          </a:xfrm>
+          <a:prstGeom prst="rect">
+            <a:avLst/>
+          </a:prstGeom>
+          <a:noFill/>
+        </p:spPr>
+        <p:txBody>
+          <a:bodyPr wrap="square" rtlCol="0">
+            <a:spAutoFit/>
+          </a:bodyPr>
+          <a:lstStyle/>
+          <a:p>
+            <a:pPr>
+              <a:spcBef>
+                <a:spcPts val="600"/>
+              </a:spcBef>
+            </a:pPr>
+            <a:r>
+              <a:rPr lang="en-US" dirty="0" err="1"/>
+              <a:t>nbStates</a:t>
+            </a:r>
+            <a:r>
+              <a:rPr lang="en-US" dirty="0"/>
+              <a:t> = 3        </a:t>
+            </a:r>
+            <a:r>
+              <a:rPr lang="en-US" dirty="0" err="1"/>
+              <a:t>nbAlpha</a:t>
+            </a:r>
+            <a:r>
+              <a:rPr lang="en-US" dirty="0"/>
+              <a:t> = 2</a:t>
+            </a:r>
+          </a:p>
+          <a:p>
+            <a:pPr>
+              <a:spcBef>
+                <a:spcPts val="600"/>
+              </a:spcBef>
+            </a:pPr>
+            <a:r>
+              <a:rPr lang="en-US" dirty="0" err="1"/>
+              <a:t>init</a:t>
+            </a:r>
+            <a:r>
+              <a:rPr lang="en-US" dirty="0"/>
+              <a:t> = [2,1,3]          term = [2,2,3]</a:t>
+            </a:r>
+            <a:endParaRPr lang="fr-FR" dirty="0"/>
+          </a:p>
+          <a:p>
+            <a:endParaRPr lang="fr-FR" dirty="0"/>
+          </a:p>
+        </p:txBody>
+      </p:sp>
+    </p:spTree>
+    <p:extLst>
+      <p:ext uri="{BB962C8B-B14F-4D97-AF65-F5344CB8AC3E}">
+        <p14:creationId xmlns:p14="http://schemas.microsoft.com/office/powerpoint/2010/main" val="1575268221"/>
+      </p:ext>
+    </p:extLst>
+  </p:cSld>
+  <p:clrMapOvr>
+    <a:masterClrMapping/>
+  </p:clrMapOvr>
+</p:sld>
+</file>
+
+<file path=ppt/slides/slide5.xml><?xml version="1.0" encoding="utf-8"?>
 <p:sld xmlns:a="http://schemas.openxmlformats.org/drawingml/2006/main" xmlns:r="http://schemas.openxmlformats.org/officeDocument/2006/relationships" xmlns:p="http://schemas.openxmlformats.org/presentationml/2006/main">
   <p:cSld>
     <p:spTree>
@@ -6360,10 +6716,10 @@
       </p:sp>
       <p:pic>
         <p:nvPicPr>
-          <p:cNvPr id="4" name="Image 3">
+          <p:cNvPr id="6" name="Image 5">
             <a:extLst>
               <a:ext uri="{FF2B5EF4-FFF2-40B4-BE49-F238E27FC236}">
-                <a16:creationId xmlns:a16="http://schemas.microsoft.com/office/drawing/2014/main" id="{A5C2C840-59FA-43C4-99B2-65B63E4F4B30}"/>
+                <a16:creationId xmlns:a16="http://schemas.microsoft.com/office/drawing/2014/main" id="{14CB790D-DBB1-4ED6-8973-30E5CBA5EB51}"/>
               </a:ext>
             </a:extLst>
           </p:cNvPr>
@@ -6380,8 +6736,38 @@
         </p:blipFill>
         <p:spPr>
           <a:xfrm>
-            <a:off x="420423" y="2276872"/>
-            <a:ext cx="5421887" cy="2836572"/>
+            <a:off x="386081" y="2169730"/>
+            <a:ext cx="5421888" cy="2868895"/>
+          </a:xfrm>
+          <a:prstGeom prst="rect">
+            <a:avLst/>
+          </a:prstGeom>
+        </p:spPr>
+      </p:pic>
+      <p:pic>
+        <p:nvPicPr>
+          <p:cNvPr id="7" name="Image 6">
+            <a:extLst>
+              <a:ext uri="{FF2B5EF4-FFF2-40B4-BE49-F238E27FC236}">
+                <a16:creationId xmlns:a16="http://schemas.microsoft.com/office/drawing/2014/main" id="{4A66AEB5-0E83-4A13-B351-9B9ED7B4F632}"/>
+              </a:ext>
+            </a:extLst>
+          </p:cNvPr>
+          <p:cNvPicPr>
+            <a:picLocks noChangeAspect="1"/>
+          </p:cNvPicPr>
+          <p:nvPr/>
+        </p:nvPicPr>
+        <p:blipFill>
+          <a:blip r:embed="rId3"/>
+          <a:stretch>
+            <a:fillRect/>
+          </a:stretch>
+        </p:blipFill>
+        <p:spPr>
+          <a:xfrm>
+            <a:off x="767408" y="5243182"/>
+            <a:ext cx="3914996" cy="1264004"/>
           </a:xfrm>
           <a:prstGeom prst="rect">
             <a:avLst/>
@@ -6401,7 +6787,342 @@
 </p:sld>
 </file>
 
-<file path=ppt/slides/slide5.xml><?xml version="1.0" encoding="utf-8"?>
+<file path=ppt/slides/slide6.xml><?xml version="1.0" encoding="utf-8"?>
+<p:sld xmlns:a="http://schemas.openxmlformats.org/drawingml/2006/main" xmlns:r="http://schemas.openxmlformats.org/officeDocument/2006/relationships" xmlns:p="http://schemas.openxmlformats.org/presentationml/2006/main">
+  <p:cSld>
+    <p:spTree>
+      <p:nvGrpSpPr>
+        <p:cNvPr id="1" name=""/>
+        <p:cNvGrpSpPr/>
+        <p:nvPr/>
+      </p:nvGrpSpPr>
+      <p:grpSpPr>
+        <a:xfrm>
+          <a:off x="0" y="0"/>
+          <a:ext cx="0" cy="0"/>
+          <a:chOff x="0" y="0"/>
+          <a:chExt cx="0" cy="0"/>
+        </a:xfrm>
+      </p:grpSpPr>
+      <p:sp>
+        <p:nvSpPr>
+          <p:cNvPr id="2" name="Titre 1">
+            <a:extLst>
+              <a:ext uri="{FF2B5EF4-FFF2-40B4-BE49-F238E27FC236}">
+                <a16:creationId xmlns:a16="http://schemas.microsoft.com/office/drawing/2014/main" id="{3DFF6629-F8E7-431D-9232-1E996F4D9CC7}"/>
+              </a:ext>
+            </a:extLst>
+          </p:cNvPr>
+          <p:cNvSpPr>
+            <a:spLocks noGrp="1"/>
+          </p:cNvSpPr>
+          <p:nvPr>
+            <p:ph type="title"/>
+          </p:nvPr>
+        </p:nvSpPr>
+        <p:spPr/>
+        <p:txBody>
+          <a:bodyPr/>
+          <a:lstStyle/>
+          <a:p>
+            <a:r>
+              <a:rPr lang="fr-FR" dirty="0" err="1"/>
+              <a:t>Asynchronous</a:t>
+            </a:r>
+            <a:r>
+              <a:rPr lang="fr-FR" dirty="0"/>
+              <a:t> </a:t>
+            </a:r>
+            <a:r>
+              <a:rPr lang="fr-FR" dirty="0" err="1"/>
+              <a:t>automaton</a:t>
+            </a:r>
+            <a:endParaRPr lang="fr-FR" dirty="0"/>
+          </a:p>
+        </p:txBody>
+      </p:sp>
+      <p:pic>
+        <p:nvPicPr>
+          <p:cNvPr id="6" name="Image 5">
+            <a:extLst>
+              <a:ext uri="{FF2B5EF4-FFF2-40B4-BE49-F238E27FC236}">
+                <a16:creationId xmlns:a16="http://schemas.microsoft.com/office/drawing/2014/main" id="{33D2F5E6-FB3A-4C41-8403-C3A8A9531815}"/>
+              </a:ext>
+            </a:extLst>
+          </p:cNvPr>
+          <p:cNvPicPr>
+            <a:picLocks noChangeAspect="1"/>
+          </p:cNvPicPr>
+          <p:nvPr/>
+        </p:nvPicPr>
+        <p:blipFill>
+          <a:blip r:embed="rId2"/>
+          <a:stretch>
+            <a:fillRect/>
+          </a:stretch>
+        </p:blipFill>
+        <p:spPr>
+          <a:xfrm>
+            <a:off x="551384" y="2276872"/>
+            <a:ext cx="7000019" cy="3231222"/>
+          </a:xfrm>
+          <a:prstGeom prst="rect">
+            <a:avLst/>
+          </a:prstGeom>
+        </p:spPr>
+      </p:pic>
+      <p:sp>
+        <p:nvSpPr>
+          <p:cNvPr id="7" name="ZoneTexte 6">
+            <a:extLst>
+              <a:ext uri="{FF2B5EF4-FFF2-40B4-BE49-F238E27FC236}">
+                <a16:creationId xmlns:a16="http://schemas.microsoft.com/office/drawing/2014/main" id="{464F6472-7014-457E-BDCD-A2FE1E0E465D}"/>
+              </a:ext>
+            </a:extLst>
+          </p:cNvPr>
+          <p:cNvSpPr txBox="1"/>
+          <p:nvPr/>
+        </p:nvSpPr>
+        <p:spPr>
+          <a:xfrm>
+            <a:off x="9480376" y="2492896"/>
+            <a:ext cx="1654620" cy="2308324"/>
+          </a:xfrm>
+          <a:prstGeom prst="rect">
+            <a:avLst/>
+          </a:prstGeom>
+          <a:noFill/>
+        </p:spPr>
+        <p:txBody>
+          <a:bodyPr wrap="none" rtlCol="0">
+            <a:spAutoFit/>
+          </a:bodyPr>
+          <a:lstStyle/>
+          <a:p>
+            <a:r>
+              <a:rPr lang="fr-FR" dirty="0" err="1"/>
+              <a:t>synchStates</a:t>
+            </a:r>
+            <a:r>
+              <a:rPr lang="fr-FR" dirty="0"/>
+              <a:t> =</a:t>
+            </a:r>
+          </a:p>
+          <a:p>
+            <a:r>
+              <a:rPr lang="fr-FR" dirty="0"/>
+              <a:t>[[0],</a:t>
+            </a:r>
+          </a:p>
+          <a:p>
+            <a:r>
+              <a:rPr lang="fr-FR" dirty="0"/>
+              <a:t>[1,2,4,5,6,9,13],</a:t>
+            </a:r>
+          </a:p>
+          <a:p>
+            <a:r>
+              <a:rPr lang="fr-FR" dirty="0"/>
+              <a:t>[3,2,4,5,6,9,13],</a:t>
+            </a:r>
+          </a:p>
+          <a:p>
+            <a:r>
+              <a:rPr lang="fr-FR" dirty="0"/>
+              <a:t>[7],</a:t>
+            </a:r>
+          </a:p>
+          <a:p>
+            <a:r>
+              <a:rPr lang="fr-FR" dirty="0"/>
+              <a:t>[8,5,6,9,12,13],</a:t>
+            </a:r>
+          </a:p>
+          <a:p>
+            <a:r>
+              <a:rPr lang="fr-FR" dirty="0"/>
+              <a:t>[10],</a:t>
+            </a:r>
+          </a:p>
+          <a:p>
+            <a:r>
+              <a:rPr lang="fr-FR" dirty="0"/>
+              <a:t>[11,5,6,9,12,13]]</a:t>
+            </a:r>
+          </a:p>
+        </p:txBody>
+      </p:sp>
+      <p:cxnSp>
+        <p:nvCxnSpPr>
+          <p:cNvPr id="9" name="Connecteur droit avec flèche 8">
+            <a:extLst>
+              <a:ext uri="{FF2B5EF4-FFF2-40B4-BE49-F238E27FC236}">
+                <a16:creationId xmlns:a16="http://schemas.microsoft.com/office/drawing/2014/main" id="{50EE1A82-1D72-4A6B-932B-E468667022C6}"/>
+              </a:ext>
+            </a:extLst>
+          </p:cNvPr>
+          <p:cNvCxnSpPr>
+            <a:cxnSpLocks/>
+          </p:cNvCxnSpPr>
+          <p:nvPr/>
+        </p:nvCxnSpPr>
+        <p:spPr>
+          <a:xfrm>
+            <a:off x="8616280" y="3573016"/>
+            <a:ext cx="1008112" cy="1008112"/>
+          </a:xfrm>
+          <a:prstGeom prst="straightConnector1">
+            <a:avLst/>
+          </a:prstGeom>
+          <a:ln>
+            <a:tailEnd type="triangle"/>
+          </a:ln>
+        </p:spPr>
+        <p:style>
+          <a:lnRef idx="1">
+            <a:schemeClr val="accent1"/>
+          </a:lnRef>
+          <a:fillRef idx="0">
+            <a:schemeClr val="accent1"/>
+          </a:fillRef>
+          <a:effectRef idx="0">
+            <a:schemeClr val="accent1"/>
+          </a:effectRef>
+          <a:fontRef idx="minor">
+            <a:schemeClr val="tx1"/>
+          </a:fontRef>
+        </p:style>
+      </p:cxnSp>
+      <p:sp>
+        <p:nvSpPr>
+          <p:cNvPr id="10" name="ZoneTexte 9">
+            <a:extLst>
+              <a:ext uri="{FF2B5EF4-FFF2-40B4-BE49-F238E27FC236}">
+                <a16:creationId xmlns:a16="http://schemas.microsoft.com/office/drawing/2014/main" id="{8A4A346E-B43F-40F9-B620-003579311AD3}"/>
+              </a:ext>
+            </a:extLst>
+          </p:cNvPr>
+          <p:cNvSpPr txBox="1"/>
+          <p:nvPr/>
+        </p:nvSpPr>
+        <p:spPr>
+          <a:xfrm>
+            <a:off x="7965690" y="3203684"/>
+            <a:ext cx="1260281" cy="369332"/>
+          </a:xfrm>
+          <a:prstGeom prst="rect">
+            <a:avLst/>
+          </a:prstGeom>
+          <a:noFill/>
+        </p:spPr>
+        <p:txBody>
+          <a:bodyPr wrap="none" rtlCol="0">
+            <a:spAutoFit/>
+          </a:bodyPr>
+          <a:lstStyle/>
+          <a:p>
+            <a:r>
+              <a:rPr lang="fr-FR" dirty="0" err="1"/>
+              <a:t>synchState</a:t>
+            </a:r>
+            <a:endParaRPr lang="fr-FR" dirty="0"/>
+          </a:p>
+        </p:txBody>
+      </p:sp>
+      <p:sp>
+        <p:nvSpPr>
+          <p:cNvPr id="12" name="Accolade fermante 11">
+            <a:extLst>
+              <a:ext uri="{FF2B5EF4-FFF2-40B4-BE49-F238E27FC236}">
+                <a16:creationId xmlns:a16="http://schemas.microsoft.com/office/drawing/2014/main" id="{C09F6EF3-9E35-4600-AEE2-12D2557913C7}"/>
+              </a:ext>
+            </a:extLst>
+          </p:cNvPr>
+          <p:cNvSpPr/>
+          <p:nvPr/>
+        </p:nvSpPr>
+        <p:spPr>
+          <a:xfrm rot="5400000">
+            <a:off x="10193680" y="4467691"/>
+            <a:ext cx="323528" cy="986167"/>
+          </a:xfrm>
+          <a:prstGeom prst="rightBrace">
+            <a:avLst/>
+          </a:prstGeom>
+        </p:spPr>
+        <p:style>
+          <a:lnRef idx="1">
+            <a:schemeClr val="accent1"/>
+          </a:lnRef>
+          <a:fillRef idx="0">
+            <a:schemeClr val="accent1"/>
+          </a:fillRef>
+          <a:effectRef idx="0">
+            <a:schemeClr val="accent1"/>
+          </a:effectRef>
+          <a:fontRef idx="minor">
+            <a:schemeClr val="tx1"/>
+          </a:fontRef>
+        </p:style>
+        <p:txBody>
+          <a:bodyPr rtlCol="0" anchor="ctr"/>
+          <a:lstStyle/>
+          <a:p>
+            <a:pPr algn="ctr"/>
+            <a:endParaRPr lang="fr-FR"/>
+          </a:p>
+        </p:txBody>
+      </p:sp>
+      <p:sp>
+        <p:nvSpPr>
+          <p:cNvPr id="13" name="ZoneTexte 12">
+            <a:extLst>
+              <a:ext uri="{FF2B5EF4-FFF2-40B4-BE49-F238E27FC236}">
+                <a16:creationId xmlns:a16="http://schemas.microsoft.com/office/drawing/2014/main" id="{490CB093-0C5E-4A9C-9CCD-278252350D1F}"/>
+              </a:ext>
+            </a:extLst>
+          </p:cNvPr>
+          <p:cNvSpPr txBox="1"/>
+          <p:nvPr/>
+        </p:nvSpPr>
+        <p:spPr>
+          <a:xfrm>
+            <a:off x="9862361" y="5193724"/>
+            <a:ext cx="986167" cy="369332"/>
+          </a:xfrm>
+          <a:prstGeom prst="rect">
+            <a:avLst/>
+          </a:prstGeom>
+          <a:noFill/>
+        </p:spPr>
+        <p:txBody>
+          <a:bodyPr wrap="none" rtlCol="0">
+            <a:spAutoFit/>
+          </a:bodyPr>
+          <a:lstStyle/>
+          <a:p>
+            <a:r>
+              <a:rPr lang="fr-FR" dirty="0" err="1"/>
+              <a:t>closures</a:t>
+            </a:r>
+            <a:endParaRPr lang="fr-FR" dirty="0"/>
+          </a:p>
+        </p:txBody>
+      </p:sp>
+    </p:spTree>
+    <p:extLst>
+      <p:ext uri="{BB962C8B-B14F-4D97-AF65-F5344CB8AC3E}">
+        <p14:creationId xmlns:p14="http://schemas.microsoft.com/office/powerpoint/2010/main" val="1754050570"/>
+      </p:ext>
+    </p:extLst>
+  </p:cSld>
+  <p:clrMapOvr>
+    <a:masterClrMapping/>
+  </p:clrMapOvr>
+</p:sld>
+</file>
+
+<file path=ppt/slides/slide7.xml><?xml version="1.0" encoding="utf-8"?>
 <p:sld xmlns:a="http://schemas.openxmlformats.org/drawingml/2006/main" xmlns:r="http://schemas.openxmlformats.org/officeDocument/2006/relationships" xmlns:p="http://schemas.openxmlformats.org/presentationml/2006/main">
   <p:cSld>
     <p:spTree>
@@ -6457,19 +7178,19 @@
           <p:nvPr>
             <p:extLst>
               <p:ext uri="{D42A27DB-BD31-4B8C-83A1-F6EECF244321}">
-                <p14:modId xmlns:p14="http://schemas.microsoft.com/office/powerpoint/2010/main" val="1357866860"/>
+                <p14:modId xmlns:p14="http://schemas.microsoft.com/office/powerpoint/2010/main" val="608636446"/>
               </p:ext>
             </p:extLst>
           </p:nvPr>
         </p:nvGraphicFramePr>
         <p:xfrm>
-          <a:off x="7320136" y="3573016"/>
+          <a:off x="9051155" y="4365104"/>
           <a:ext cx="2952327" cy="1851392"/>
         </p:xfrm>
         <a:graphic>
           <a:graphicData uri="http://schemas.openxmlformats.org/drawingml/2006/table">
             <a:tbl>
-              <a:tblPr firstRow="1" bandRow="1">
+              <a:tblPr firstRow="1" firstCol="1" bandRow="1">
                 <a:tableStyleId>{5C22544A-7EE6-4342-B048-85BDC9FD1C3A}</a:tableStyleId>
               </a:tblPr>
               <a:tblGrid>
@@ -6782,10 +7503,10 @@
       </p:graphicFrame>
       <p:pic>
         <p:nvPicPr>
-          <p:cNvPr id="3" name="Image 2">
+          <p:cNvPr id="5" name="Image 4">
             <a:extLst>
               <a:ext uri="{FF2B5EF4-FFF2-40B4-BE49-F238E27FC236}">
-                <a16:creationId xmlns:a16="http://schemas.microsoft.com/office/drawing/2014/main" id="{021B1F1B-3ED9-4FBF-AC4C-0BD834B4AF9C}"/>
+                <a16:creationId xmlns:a16="http://schemas.microsoft.com/office/drawing/2014/main" id="{E2549CAC-31E7-4897-B49C-E6562ED60489}"/>
               </a:ext>
             </a:extLst>
           </p:cNvPr>
@@ -6802,218 +7523,541 @@
         </p:blipFill>
         <p:spPr>
           <a:xfrm>
-            <a:off x="479376" y="2492896"/>
-            <a:ext cx="5285620" cy="3061033"/>
+            <a:off x="407368" y="2060848"/>
+            <a:ext cx="6025387" cy="3816424"/>
           </a:xfrm>
           <a:prstGeom prst="rect">
             <a:avLst/>
           </a:prstGeom>
         </p:spPr>
       </p:pic>
-    </p:spTree>
-    <p:extLst>
-      <p:ext uri="{BB962C8B-B14F-4D97-AF65-F5344CB8AC3E}">
-        <p14:creationId xmlns:p14="http://schemas.microsoft.com/office/powerpoint/2010/main" val="1153027685"/>
-      </p:ext>
-    </p:extLst>
-  </p:cSld>
-  <p:clrMapOvr>
-    <a:masterClrMapping/>
-  </p:clrMapOvr>
-</p:sld>
-</file>
-
-<file path=ppt/slides/slide6.xml><?xml version="1.0" encoding="utf-8"?>
-<p:sld xmlns:a="http://schemas.openxmlformats.org/drawingml/2006/main" xmlns:r="http://schemas.openxmlformats.org/officeDocument/2006/relationships" xmlns:p="http://schemas.openxmlformats.org/presentationml/2006/main">
-  <p:cSld>
-    <p:spTree>
-      <p:nvGrpSpPr>
-        <p:cNvPr id="1" name=""/>
-        <p:cNvGrpSpPr/>
-        <p:nvPr/>
-      </p:nvGrpSpPr>
-      <p:grpSpPr>
-        <a:xfrm>
-          <a:off x="0" y="0"/>
-          <a:ext cx="0" cy="0"/>
-          <a:chOff x="0" y="0"/>
-          <a:chExt cx="0" cy="0"/>
-        </a:xfrm>
-      </p:grpSpPr>
+      <p:pic>
+        <p:nvPicPr>
+          <p:cNvPr id="6" name="Image 5">
+            <a:extLst>
+              <a:ext uri="{FF2B5EF4-FFF2-40B4-BE49-F238E27FC236}">
+                <a16:creationId xmlns:a16="http://schemas.microsoft.com/office/drawing/2014/main" id="{557A8B96-BE41-43FB-915C-E97A999111F1}"/>
+              </a:ext>
+            </a:extLst>
+          </p:cNvPr>
+          <p:cNvPicPr>
+            <a:picLocks noChangeAspect="1"/>
+          </p:cNvPicPr>
+          <p:nvPr/>
+        </p:nvPicPr>
+        <p:blipFill>
+          <a:blip r:embed="rId3"/>
+          <a:stretch>
+            <a:fillRect/>
+          </a:stretch>
+        </p:blipFill>
+        <p:spPr>
+          <a:xfrm>
+            <a:off x="6648533" y="971005"/>
+            <a:ext cx="2136124" cy="4598699"/>
+          </a:xfrm>
+          <a:prstGeom prst="rect">
+            <a:avLst/>
+          </a:prstGeom>
+        </p:spPr>
+      </p:pic>
+      <p:graphicFrame>
+        <p:nvGraphicFramePr>
+          <p:cNvPr id="7" name="Tableau 6">
+            <a:extLst>
+              <a:ext uri="{FF2B5EF4-FFF2-40B4-BE49-F238E27FC236}">
+                <a16:creationId xmlns:a16="http://schemas.microsoft.com/office/drawing/2014/main" id="{F58F79FB-5AC4-4A76-9B9B-EAF982994180}"/>
+              </a:ext>
+            </a:extLst>
+          </p:cNvPr>
+          <p:cNvGraphicFramePr>
+            <a:graphicFrameLocks noGrp="1"/>
+          </p:cNvGraphicFramePr>
+          <p:nvPr>
+            <p:extLst>
+              <p:ext uri="{D42A27DB-BD31-4B8C-83A1-F6EECF244321}">
+                <p14:modId xmlns:p14="http://schemas.microsoft.com/office/powerpoint/2010/main" val="936204760"/>
+              </p:ext>
+            </p:extLst>
+          </p:nvPr>
+        </p:nvGraphicFramePr>
+        <p:xfrm>
+          <a:off x="9051155" y="332656"/>
+          <a:ext cx="2901607" cy="2595880"/>
+        </p:xfrm>
+        <a:graphic>
+          <a:graphicData uri="http://schemas.openxmlformats.org/drawingml/2006/table">
+            <a:tbl>
+              <a:tblPr firstRow="1" firstCol="1" bandRow="1">
+                <a:tableStyleId>{5C22544A-7EE6-4342-B048-85BDC9FD1C3A}</a:tableStyleId>
+              </a:tblPr>
+              <a:tblGrid>
+                <a:gridCol w="981393">
+                  <a:extLst>
+                    <a:ext uri="{9D8B030D-6E8A-4147-A177-3AD203B41FA5}">
+                      <a16:colId xmlns:a16="http://schemas.microsoft.com/office/drawing/2014/main" val="3514960263"/>
+                    </a:ext>
+                  </a:extLst>
+                </a:gridCol>
+                <a:gridCol w="960107">
+                  <a:extLst>
+                    <a:ext uri="{9D8B030D-6E8A-4147-A177-3AD203B41FA5}">
+                      <a16:colId xmlns:a16="http://schemas.microsoft.com/office/drawing/2014/main" val="1223596756"/>
+                    </a:ext>
+                  </a:extLst>
+                </a:gridCol>
+                <a:gridCol w="960107">
+                  <a:extLst>
+                    <a:ext uri="{9D8B030D-6E8A-4147-A177-3AD203B41FA5}">
+                      <a16:colId xmlns:a16="http://schemas.microsoft.com/office/drawing/2014/main" val="3262531055"/>
+                    </a:ext>
+                  </a:extLst>
+                </a:gridCol>
+              </a:tblGrid>
+              <a:tr h="370840">
+                <a:tc>
+                  <a:txBody>
+                    <a:bodyPr/>
+                    <a:lstStyle/>
+                    <a:p>
+                      <a:r>
+                        <a:rPr lang="fr-FR" dirty="0"/>
+                        <a:t>[0]</a:t>
+                      </a:r>
+                    </a:p>
+                  </a:txBody>
+                  <a:tcPr/>
+                </a:tc>
+                <a:tc>
+                  <a:txBody>
+                    <a:bodyPr/>
+                    <a:lstStyle/>
+                    <a:p>
+                      <a:r>
+                        <a:rPr lang="fr-FR" dirty="0"/>
+                        <a:t>[a]</a:t>
+                      </a:r>
+                    </a:p>
+                  </a:txBody>
+                  <a:tcPr/>
+                </a:tc>
+                <a:tc>
+                  <a:txBody>
+                    <a:bodyPr/>
+                    <a:lstStyle/>
+                    <a:p>
+                      <a:r>
+                        <a:rPr lang="fr-FR" dirty="0"/>
+                        <a:t>[b]</a:t>
+                      </a:r>
+                    </a:p>
+                  </a:txBody>
+                  <a:tcPr/>
+                </a:tc>
+                <a:extLst>
+                  <a:ext uri="{0D108BD9-81ED-4DB2-BD59-A6C34878D82A}">
+                    <a16:rowId xmlns:a16="http://schemas.microsoft.com/office/drawing/2014/main" val="105007858"/>
+                  </a:ext>
+                </a:extLst>
+              </a:tr>
+              <a:tr h="370840">
+                <a:tc>
+                  <a:txBody>
+                    <a:bodyPr/>
+                    <a:lstStyle/>
+                    <a:p>
+                      <a:r>
+                        <a:rPr lang="fr-FR" dirty="0"/>
+                        <a:t>[2,0,2]</a:t>
+                      </a:r>
+                    </a:p>
+                  </a:txBody>
+                  <a:tcPr/>
+                </a:tc>
+                <a:tc>
+                  <a:txBody>
+                    <a:bodyPr/>
+                    <a:lstStyle/>
+                    <a:p>
+                      <a:r>
+                        <a:rPr lang="fr-FR" dirty="0"/>
+                        <a:t>[2,0,1]</a:t>
+                      </a:r>
+                    </a:p>
+                  </a:txBody>
+                  <a:tcPr/>
+                </a:tc>
+                <a:tc>
+                  <a:txBody>
+                    <a:bodyPr/>
+                    <a:lstStyle/>
+                    <a:p>
+                      <a:r>
+                        <a:rPr lang="fr-FR" dirty="0"/>
+                        <a:t>[2,1,2]</a:t>
+                      </a:r>
+                    </a:p>
+                  </a:txBody>
+                  <a:tcPr/>
+                </a:tc>
+                <a:extLst>
+                  <a:ext uri="{0D108BD9-81ED-4DB2-BD59-A6C34878D82A}">
+                    <a16:rowId xmlns:a16="http://schemas.microsoft.com/office/drawing/2014/main" val="1638923421"/>
+                  </a:ext>
+                </a:extLst>
+              </a:tr>
+              <a:tr h="370840">
+                <a:tc>
+                  <a:txBody>
+                    <a:bodyPr/>
+                    <a:lstStyle/>
+                    <a:p>
+                      <a:r>
+                        <a:rPr lang="fr-FR" dirty="0"/>
+                        <a:t>[2,0,1]</a:t>
+                      </a:r>
+                    </a:p>
+                  </a:txBody>
+                  <a:tcPr/>
+                </a:tc>
+                <a:tc>
+                  <a:txBody>
+                    <a:bodyPr/>
+                    <a:lstStyle/>
+                    <a:p>
+                      <a:r>
+                        <a:rPr lang="fr-FR" dirty="0"/>
+                        <a:t>[1,1]</a:t>
+                      </a:r>
+                    </a:p>
+                  </a:txBody>
+                  <a:tcPr/>
+                </a:tc>
+                <a:tc>
+                  <a:txBody>
+                    <a:bodyPr/>
+                    <a:lstStyle/>
+                    <a:p>
+                      <a:r>
+                        <a:rPr lang="fr-FR" dirty="0"/>
+                        <a:t>[3,0,1,2]</a:t>
+                      </a:r>
+                    </a:p>
+                  </a:txBody>
+                  <a:tcPr/>
+                </a:tc>
+                <a:extLst>
+                  <a:ext uri="{0D108BD9-81ED-4DB2-BD59-A6C34878D82A}">
+                    <a16:rowId xmlns:a16="http://schemas.microsoft.com/office/drawing/2014/main" val="2112326632"/>
+                  </a:ext>
+                </a:extLst>
+              </a:tr>
+              <a:tr h="370840">
+                <a:tc>
+                  <a:txBody>
+                    <a:bodyPr/>
+                    <a:lstStyle/>
+                    <a:p>
+                      <a:r>
+                        <a:rPr lang="fr-FR" dirty="0"/>
+                        <a:t>[2,1,2]</a:t>
+                      </a:r>
+                    </a:p>
+                  </a:txBody>
+                  <a:tcPr/>
+                </a:tc>
+                <a:tc>
+                  <a:txBody>
+                    <a:bodyPr/>
+                    <a:lstStyle/>
+                    <a:p>
+                      <a:r>
+                        <a:rPr lang="fr-FR" dirty="0"/>
+                        <a:t>[2,0,1]</a:t>
+                      </a:r>
+                    </a:p>
+                  </a:txBody>
+                  <a:tcPr/>
+                </a:tc>
+                <a:tc>
+                  <a:txBody>
+                    <a:bodyPr/>
+                    <a:lstStyle/>
+                    <a:p>
+                      <a:r>
+                        <a:rPr lang="fr-FR" dirty="0"/>
+                        <a:t>[2,0,2]</a:t>
+                      </a:r>
+                    </a:p>
+                  </a:txBody>
+                  <a:tcPr/>
+                </a:tc>
+                <a:extLst>
+                  <a:ext uri="{0D108BD9-81ED-4DB2-BD59-A6C34878D82A}">
+                    <a16:rowId xmlns:a16="http://schemas.microsoft.com/office/drawing/2014/main" val="729924890"/>
+                  </a:ext>
+                </a:extLst>
+              </a:tr>
+              <a:tr h="370840">
+                <a:tc>
+                  <a:txBody>
+                    <a:bodyPr/>
+                    <a:lstStyle/>
+                    <a:p>
+                      <a:r>
+                        <a:rPr lang="fr-FR" dirty="0"/>
+                        <a:t>[1,1]</a:t>
+                      </a:r>
+                    </a:p>
+                  </a:txBody>
+                  <a:tcPr/>
+                </a:tc>
+                <a:tc>
+                  <a:txBody>
+                    <a:bodyPr/>
+                    <a:lstStyle/>
+                    <a:p>
+                      <a:r>
+                        <a:rPr lang="fr-FR" dirty="0"/>
+                        <a:t>[1,-1]</a:t>
+                      </a:r>
+                    </a:p>
+                  </a:txBody>
+                  <a:tcPr/>
+                </a:tc>
+                <a:tc>
+                  <a:txBody>
+                    <a:bodyPr/>
+                    <a:lstStyle/>
+                    <a:p>
+                      <a:r>
+                        <a:rPr lang="fr-FR" dirty="0"/>
+                        <a:t>[2,0,2]</a:t>
+                      </a:r>
+                    </a:p>
+                  </a:txBody>
+                  <a:tcPr/>
+                </a:tc>
+                <a:extLst>
+                  <a:ext uri="{0D108BD9-81ED-4DB2-BD59-A6C34878D82A}">
+                    <a16:rowId xmlns:a16="http://schemas.microsoft.com/office/drawing/2014/main" val="3077984825"/>
+                  </a:ext>
+                </a:extLst>
+              </a:tr>
+              <a:tr h="370840">
+                <a:tc>
+                  <a:txBody>
+                    <a:bodyPr/>
+                    <a:lstStyle/>
+                    <a:p>
+                      <a:r>
+                        <a:rPr lang="fr-FR" dirty="0"/>
+                        <a:t>[3,0,1,2]</a:t>
+                      </a:r>
+                    </a:p>
+                  </a:txBody>
+                  <a:tcPr/>
+                </a:tc>
+                <a:tc>
+                  <a:txBody>
+                    <a:bodyPr/>
+                    <a:lstStyle/>
+                    <a:p>
+                      <a:r>
+                        <a:rPr lang="fr-FR" dirty="0"/>
+                        <a:t>[2,0,1]</a:t>
+                      </a:r>
+                    </a:p>
+                  </a:txBody>
+                  <a:tcPr/>
+                </a:tc>
+                <a:tc>
+                  <a:txBody>
+                    <a:bodyPr/>
+                    <a:lstStyle/>
+                    <a:p>
+                      <a:pPr marL="0" marR="0" lvl="0" indent="0" algn="l" defTabSz="914400" rtl="0" eaLnBrk="1" fontAlgn="auto" latinLnBrk="0" hangingPunct="1">
+                        <a:lnSpc>
+                          <a:spcPct val="100000"/>
+                        </a:lnSpc>
+                        <a:spcBef>
+                          <a:spcPts val="0"/>
+                        </a:spcBef>
+                        <a:spcAft>
+                          <a:spcPts val="0"/>
+                        </a:spcAft>
+                        <a:buClrTx/>
+                        <a:buSzTx/>
+                        <a:buFontTx/>
+                        <a:buNone/>
+                        <a:tabLst/>
+                        <a:defRPr/>
+                      </a:pPr>
+                      <a:r>
+                        <a:rPr lang="fr-FR" dirty="0"/>
+                        <a:t>[3,0,1,2]</a:t>
+                      </a:r>
+                    </a:p>
+                  </a:txBody>
+                  <a:tcPr/>
+                </a:tc>
+                <a:extLst>
+                  <a:ext uri="{0D108BD9-81ED-4DB2-BD59-A6C34878D82A}">
+                    <a16:rowId xmlns:a16="http://schemas.microsoft.com/office/drawing/2014/main" val="3473133727"/>
+                  </a:ext>
+                </a:extLst>
+              </a:tr>
+              <a:tr h="370840">
+                <a:tc>
+                  <a:txBody>
+                    <a:bodyPr/>
+                    <a:lstStyle/>
+                    <a:p>
+                      <a:pPr marL="0" marR="0" lvl="0" indent="0" algn="l" defTabSz="914400" rtl="0" eaLnBrk="1" fontAlgn="auto" latinLnBrk="0" hangingPunct="1">
+                        <a:lnSpc>
+                          <a:spcPct val="100000"/>
+                        </a:lnSpc>
+                        <a:spcBef>
+                          <a:spcPts val="0"/>
+                        </a:spcBef>
+                        <a:spcAft>
+                          <a:spcPts val="0"/>
+                        </a:spcAft>
+                        <a:buClrTx/>
+                        <a:buSzTx/>
+                        <a:buFontTx/>
+                        <a:buNone/>
+                        <a:tabLst/>
+                        <a:defRPr/>
+                      </a:pPr>
+                      <a:r>
+                        <a:rPr lang="fr-FR" dirty="0"/>
+                        <a:t>[1,-1]</a:t>
+                      </a:r>
+                    </a:p>
+                  </a:txBody>
+                  <a:tcPr/>
+                </a:tc>
+                <a:tc>
+                  <a:txBody>
+                    <a:bodyPr/>
+                    <a:lstStyle/>
+                    <a:p>
+                      <a:pPr marL="0" marR="0" lvl="0" indent="0" algn="l" defTabSz="914400" rtl="0" eaLnBrk="1" fontAlgn="auto" latinLnBrk="0" hangingPunct="1">
+                        <a:lnSpc>
+                          <a:spcPct val="100000"/>
+                        </a:lnSpc>
+                        <a:spcBef>
+                          <a:spcPts val="0"/>
+                        </a:spcBef>
+                        <a:spcAft>
+                          <a:spcPts val="0"/>
+                        </a:spcAft>
+                        <a:buClrTx/>
+                        <a:buSzTx/>
+                        <a:buFontTx/>
+                        <a:buNone/>
+                        <a:tabLst/>
+                        <a:defRPr/>
+                      </a:pPr>
+                      <a:r>
+                        <a:rPr lang="fr-FR" dirty="0"/>
+                        <a:t>[1,-1]</a:t>
+                      </a:r>
+                    </a:p>
+                  </a:txBody>
+                  <a:tcPr/>
+                </a:tc>
+                <a:tc>
+                  <a:txBody>
+                    <a:bodyPr/>
+                    <a:lstStyle/>
+                    <a:p>
+                      <a:pPr marL="0" marR="0" lvl="0" indent="0" algn="l" defTabSz="914400" rtl="0" eaLnBrk="1" fontAlgn="auto" latinLnBrk="0" hangingPunct="1">
+                        <a:lnSpc>
+                          <a:spcPct val="100000"/>
+                        </a:lnSpc>
+                        <a:spcBef>
+                          <a:spcPts val="0"/>
+                        </a:spcBef>
+                        <a:spcAft>
+                          <a:spcPts val="0"/>
+                        </a:spcAft>
+                        <a:buClrTx/>
+                        <a:buSzTx/>
+                        <a:buFontTx/>
+                        <a:buNone/>
+                        <a:tabLst/>
+                        <a:defRPr/>
+                      </a:pPr>
+                      <a:r>
+                        <a:rPr lang="fr-FR" dirty="0"/>
+                        <a:t>[1,-1]</a:t>
+                      </a:r>
+                    </a:p>
+                  </a:txBody>
+                  <a:tcPr/>
+                </a:tc>
+                <a:extLst>
+                  <a:ext uri="{0D108BD9-81ED-4DB2-BD59-A6C34878D82A}">
+                    <a16:rowId xmlns:a16="http://schemas.microsoft.com/office/drawing/2014/main" val="4287525256"/>
+                  </a:ext>
+                </a:extLst>
+              </a:tr>
+            </a:tbl>
+          </a:graphicData>
+        </a:graphic>
+      </p:graphicFrame>
       <p:sp>
         <p:nvSpPr>
-          <p:cNvPr id="2" name="Titre 1"/>
-          <p:cNvSpPr>
-            <a:spLocks noGrp="1"/>
-          </p:cNvSpPr>
-          <p:nvPr>
-            <p:ph type="title"/>
-          </p:nvPr>
+          <p:cNvPr id="8" name="Flèche : bas 7">
+            <a:extLst>
+              <a:ext uri="{FF2B5EF4-FFF2-40B4-BE49-F238E27FC236}">
+                <a16:creationId xmlns:a16="http://schemas.microsoft.com/office/drawing/2014/main" id="{0B052D49-F934-4506-B34C-0DB020D92129}"/>
+              </a:ext>
+            </a:extLst>
+          </p:cNvPr>
+          <p:cNvSpPr/>
+          <p:nvPr/>
         </p:nvSpPr>
-        <p:spPr/>
+        <p:spPr>
+          <a:xfrm>
+            <a:off x="10141918" y="3270354"/>
+            <a:ext cx="720080" cy="878726"/>
+          </a:xfrm>
+          <a:prstGeom prst="downArrow">
+            <a:avLst/>
+          </a:prstGeom>
+        </p:spPr>
+        <p:style>
+          <a:lnRef idx="2">
+            <a:schemeClr val="accent1">
+              <a:shade val="50000"/>
+            </a:schemeClr>
+          </a:lnRef>
+          <a:fillRef idx="1">
+            <a:schemeClr val="accent1"/>
+          </a:fillRef>
+          <a:effectRef idx="0">
+            <a:schemeClr val="accent1"/>
+          </a:effectRef>
+          <a:fontRef idx="minor">
+            <a:schemeClr val="lt1"/>
+          </a:fontRef>
+        </p:style>
         <p:txBody>
-          <a:bodyPr rtlCol="0"/>
+          <a:bodyPr rtlCol="0" anchor="ctr"/>
           <a:lstStyle/>
           <a:p>
-            <a:pPr rtl="0"/>
-            <a:endParaRPr lang="fr-FR" dirty="0"/>
-          </a:p>
-        </p:txBody>
-      </p:sp>
-      <p:sp>
-        <p:nvSpPr>
-          <p:cNvPr id="3" name="Espace réservé du texte 2"/>
-          <p:cNvSpPr>
-            <a:spLocks noGrp="1"/>
-          </p:cNvSpPr>
-          <p:nvPr>
-            <p:ph type="body" idx="1"/>
-          </p:nvPr>
-        </p:nvSpPr>
-        <p:spPr/>
-        <p:txBody>
-          <a:bodyPr rtlCol="0"/>
-          <a:lstStyle/>
-          <a:p>
-            <a:pPr rtl="0"/>
-            <a:endParaRPr lang="fr-FR" dirty="0"/>
+            <a:pPr algn="ctr"/>
+            <a:endParaRPr lang="fr-FR"/>
           </a:p>
         </p:txBody>
       </p:sp>
     </p:spTree>
     <p:extLst>
       <p:ext uri="{BB962C8B-B14F-4D97-AF65-F5344CB8AC3E}">
-        <p14:creationId xmlns:p14="http://schemas.microsoft.com/office/powerpoint/2010/main" val="3444435236"/>
-      </p:ext>
-    </p:extLst>
-  </p:cSld>
-  <p:clrMapOvr>
-    <a:masterClrMapping/>
-  </p:clrMapOvr>
-</p:sld>
-</file>
-
-<file path=ppt/slides/slide7.xml><?xml version="1.0" encoding="utf-8"?>
-<p:sld xmlns:a="http://schemas.openxmlformats.org/drawingml/2006/main" xmlns:r="http://schemas.openxmlformats.org/officeDocument/2006/relationships" xmlns:p="http://schemas.openxmlformats.org/presentationml/2006/main">
-  <p:cSld>
-    <p:spTree>
-      <p:nvGrpSpPr>
-        <p:cNvPr id="1" name=""/>
-        <p:cNvGrpSpPr/>
-        <p:nvPr/>
-      </p:nvGrpSpPr>
-      <p:grpSpPr>
-        <a:xfrm>
-          <a:off x="0" y="0"/>
-          <a:ext cx="0" cy="0"/>
-          <a:chOff x="0" y="0"/>
-          <a:chExt cx="0" cy="0"/>
-        </a:xfrm>
-      </p:grpSpPr>
-      <p:sp>
-        <p:nvSpPr>
-          <p:cNvPr id="2" name="Titre 1"/>
-          <p:cNvSpPr>
-            <a:spLocks noGrp="1"/>
-          </p:cNvSpPr>
-          <p:nvPr>
-            <p:ph type="title"/>
-          </p:nvPr>
-        </p:nvSpPr>
-        <p:spPr/>
-        <p:txBody>
-          <a:bodyPr rtlCol="0"/>
-          <a:lstStyle/>
-          <a:p>
-            <a:pPr rtl="0"/>
-            <a:endParaRPr lang="fr-FR" dirty="0"/>
-          </a:p>
-        </p:txBody>
-      </p:sp>
-      <p:sp>
-        <p:nvSpPr>
-          <p:cNvPr id="3" name="Espace réservé du texte 2"/>
-          <p:cNvSpPr>
-            <a:spLocks noGrp="1"/>
-          </p:cNvSpPr>
-          <p:nvPr>
-            <p:ph type="body" idx="1"/>
-          </p:nvPr>
-        </p:nvSpPr>
-        <p:spPr/>
-        <p:txBody>
-          <a:bodyPr rtlCol="0"/>
-          <a:lstStyle/>
-          <a:p>
-            <a:pPr rtl="0"/>
-            <a:endParaRPr lang="fr-FR" dirty="0"/>
-          </a:p>
-        </p:txBody>
-      </p:sp>
-      <p:sp>
-        <p:nvSpPr>
-          <p:cNvPr id="4" name="Espace réservé du contenu 3"/>
-          <p:cNvSpPr>
-            <a:spLocks noGrp="1"/>
-          </p:cNvSpPr>
-          <p:nvPr>
-            <p:ph sz="half" idx="2"/>
-          </p:nvPr>
-        </p:nvSpPr>
-        <p:spPr/>
-        <p:txBody>
-          <a:bodyPr rtlCol="0"/>
-          <a:lstStyle/>
-          <a:p>
-            <a:pPr rtl="0"/>
-            <a:endParaRPr lang="fr-FR" dirty="0"/>
-          </a:p>
-        </p:txBody>
-      </p:sp>
-      <p:sp>
-        <p:nvSpPr>
-          <p:cNvPr id="5" name="Espace réservé du texte 4"/>
-          <p:cNvSpPr>
-            <a:spLocks noGrp="1"/>
-          </p:cNvSpPr>
-          <p:nvPr>
-            <p:ph type="body" sz="quarter" idx="3"/>
-          </p:nvPr>
-        </p:nvSpPr>
-        <p:spPr/>
-        <p:txBody>
-          <a:bodyPr rtlCol="0"/>
-          <a:lstStyle/>
-          <a:p>
-            <a:pPr rtl="0"/>
-            <a:endParaRPr lang="fr-FR" dirty="0"/>
-          </a:p>
-        </p:txBody>
-      </p:sp>
-      <p:sp>
-        <p:nvSpPr>
-          <p:cNvPr id="6" name="Espace réservé du contenu 5"/>
-          <p:cNvSpPr>
-            <a:spLocks noGrp="1"/>
-          </p:cNvSpPr>
-          <p:nvPr>
-            <p:ph sz="quarter" idx="4"/>
-          </p:nvPr>
-        </p:nvSpPr>
-        <p:spPr/>
-        <p:txBody>
-          <a:bodyPr rtlCol="0"/>
-          <a:lstStyle/>
-          <a:p>
-            <a:pPr rtl="0"/>
-            <a:endParaRPr lang="fr-FR" dirty="0"/>
-          </a:p>
-        </p:txBody>
-      </p:sp>
-    </p:spTree>
-    <p:extLst>
-      <p:ext uri="{BB962C8B-B14F-4D97-AF65-F5344CB8AC3E}">
-        <p14:creationId xmlns:p14="http://schemas.microsoft.com/office/powerpoint/2010/main" val="1475842300"/>
+        <p14:creationId xmlns:p14="http://schemas.microsoft.com/office/powerpoint/2010/main" val="1153027685"/>
       </p:ext>
     </p:extLst>
   </p:cSld>
@@ -7042,7 +8086,13 @@
       </p:grpSpPr>
       <p:sp>
         <p:nvSpPr>
-          <p:cNvPr id="2" name="Titre 1"/>
+          <p:cNvPr id="2" name="Titre 1">
+            <a:extLst>
+              <a:ext uri="{FF2B5EF4-FFF2-40B4-BE49-F238E27FC236}">
+                <a16:creationId xmlns:a16="http://schemas.microsoft.com/office/drawing/2014/main" id="{E28BBCD0-CB00-488D-A67F-BBA92B74F225}"/>
+              </a:ext>
+            </a:extLst>
+          </p:cNvPr>
           <p:cNvSpPr>
             <a:spLocks noGrp="1"/>
           </p:cNvSpPr>
@@ -7052,108 +8102,138 @@
         </p:nvSpPr>
         <p:spPr/>
         <p:txBody>
-          <a:bodyPr rtlCol="0"/>
+          <a:bodyPr/>
           <a:lstStyle/>
           <a:p>
-            <a:pPr rtl="0"/>
-            <a:endParaRPr lang="fr-FR" dirty="0"/>
+            <a:r>
+              <a:rPr lang="fr-FR" dirty="0" err="1"/>
+              <a:t>Complementary</a:t>
+            </a:r>
+            <a:r>
+              <a:rPr lang="fr-FR" dirty="0"/>
+              <a:t> </a:t>
+            </a:r>
+            <a:r>
+              <a:rPr lang="fr-FR" dirty="0" err="1"/>
+              <a:t>language</a:t>
+            </a:r>
+            <a:r>
+              <a:rPr lang="fr-FR" dirty="0"/>
+              <a:t>, </a:t>
+            </a:r>
+            <a:r>
+              <a:rPr lang="fr-FR" dirty="0" err="1"/>
+              <a:t>standardization</a:t>
+            </a:r>
+            <a:r>
+              <a:rPr lang="fr-FR" dirty="0"/>
+              <a:t> and </a:t>
+            </a:r>
+            <a:r>
+              <a:rPr lang="fr-FR" dirty="0" err="1"/>
+              <a:t>word</a:t>
+            </a:r>
+            <a:r>
+              <a:rPr lang="fr-FR" dirty="0"/>
+              <a:t> recognition</a:t>
+            </a:r>
           </a:p>
         </p:txBody>
       </p:sp>
+      <p:pic>
+        <p:nvPicPr>
+          <p:cNvPr id="5" name="Image 4">
+            <a:extLst>
+              <a:ext uri="{FF2B5EF4-FFF2-40B4-BE49-F238E27FC236}">
+                <a16:creationId xmlns:a16="http://schemas.microsoft.com/office/drawing/2014/main" id="{E59408CF-4EBA-4961-9975-58BB54956302}"/>
+              </a:ext>
+            </a:extLst>
+          </p:cNvPr>
+          <p:cNvPicPr>
+            <a:picLocks noChangeAspect="1"/>
+          </p:cNvPicPr>
+          <p:nvPr/>
+        </p:nvPicPr>
+        <p:blipFill>
+          <a:blip r:embed="rId2"/>
+          <a:stretch>
+            <a:fillRect/>
+          </a:stretch>
+        </p:blipFill>
+        <p:spPr>
+          <a:xfrm>
+            <a:off x="623392" y="2175398"/>
+            <a:ext cx="3753374" cy="1790950"/>
+          </a:xfrm>
+          <a:prstGeom prst="rect">
+            <a:avLst/>
+          </a:prstGeom>
+        </p:spPr>
+      </p:pic>
+      <p:pic>
+        <p:nvPicPr>
+          <p:cNvPr id="6" name="Image 5">
+            <a:extLst>
+              <a:ext uri="{FF2B5EF4-FFF2-40B4-BE49-F238E27FC236}">
+                <a16:creationId xmlns:a16="http://schemas.microsoft.com/office/drawing/2014/main" id="{21DE1875-22A1-479F-AB52-15740F2BF04F}"/>
+              </a:ext>
+            </a:extLst>
+          </p:cNvPr>
+          <p:cNvPicPr>
+            <a:picLocks noChangeAspect="1"/>
+          </p:cNvPicPr>
+          <p:nvPr/>
+        </p:nvPicPr>
+        <p:blipFill>
+          <a:blip r:embed="rId3"/>
+          <a:stretch>
+            <a:fillRect/>
+          </a:stretch>
+        </p:blipFill>
+        <p:spPr>
+          <a:xfrm>
+            <a:off x="5087888" y="2107237"/>
+            <a:ext cx="6552728" cy="1927273"/>
+          </a:xfrm>
+          <a:prstGeom prst="rect">
+            <a:avLst/>
+          </a:prstGeom>
+        </p:spPr>
+      </p:pic>
+      <p:pic>
+        <p:nvPicPr>
+          <p:cNvPr id="7" name="Image 6">
+            <a:extLst>
+              <a:ext uri="{FF2B5EF4-FFF2-40B4-BE49-F238E27FC236}">
+                <a16:creationId xmlns:a16="http://schemas.microsoft.com/office/drawing/2014/main" id="{818EC6C4-9C97-4574-A93F-9E2C517922B8}"/>
+              </a:ext>
+            </a:extLst>
+          </p:cNvPr>
+          <p:cNvPicPr>
+            <a:picLocks noChangeAspect="1"/>
+          </p:cNvPicPr>
+          <p:nvPr/>
+        </p:nvPicPr>
+        <p:blipFill>
+          <a:blip r:embed="rId4"/>
+          <a:stretch>
+            <a:fillRect/>
+          </a:stretch>
+        </p:blipFill>
+        <p:spPr>
+          <a:xfrm>
+            <a:off x="3215680" y="4541547"/>
+            <a:ext cx="4795110" cy="2066482"/>
+          </a:xfrm>
+          <a:prstGeom prst="rect">
+            <a:avLst/>
+          </a:prstGeom>
+        </p:spPr>
+      </p:pic>
     </p:spTree>
     <p:extLst>
       <p:ext uri="{BB962C8B-B14F-4D97-AF65-F5344CB8AC3E}">
-        <p14:creationId xmlns:p14="http://schemas.microsoft.com/office/powerpoint/2010/main" val="215988672"/>
-      </p:ext>
-    </p:extLst>
-  </p:cSld>
-  <p:clrMapOvr>
-    <a:masterClrMapping/>
-  </p:clrMapOvr>
-</p:sld>
-</file>
-
-<file path=ppt/slides/slide9.xml><?xml version="1.0" encoding="utf-8"?>
-<p:sld xmlns:a="http://schemas.openxmlformats.org/drawingml/2006/main" xmlns:r="http://schemas.openxmlformats.org/officeDocument/2006/relationships" xmlns:p="http://schemas.openxmlformats.org/presentationml/2006/main">
-  <p:cSld>
-    <p:spTree>
-      <p:nvGrpSpPr>
-        <p:cNvPr id="1" name=""/>
-        <p:cNvGrpSpPr/>
-        <p:nvPr/>
-      </p:nvGrpSpPr>
-      <p:grpSpPr>
-        <a:xfrm>
-          <a:off x="0" y="0"/>
-          <a:ext cx="0" cy="0"/>
-          <a:chOff x="0" y="0"/>
-          <a:chExt cx="0" cy="0"/>
-        </a:xfrm>
-      </p:grpSpPr>
-      <p:sp>
-        <p:nvSpPr>
-          <p:cNvPr id="2" name="Titre 1"/>
-          <p:cNvSpPr>
-            <a:spLocks noGrp="1"/>
-          </p:cNvSpPr>
-          <p:nvPr>
-            <p:ph type="title"/>
-          </p:nvPr>
-        </p:nvSpPr>
-        <p:spPr/>
-        <p:txBody>
-          <a:bodyPr rtlCol="0"/>
-          <a:lstStyle/>
-          <a:p>
-            <a:pPr rtl="0"/>
-            <a:endParaRPr lang="fr-FR" dirty="0"/>
-          </a:p>
-        </p:txBody>
-      </p:sp>
-      <p:sp>
-        <p:nvSpPr>
-          <p:cNvPr id="3" name="Espace réservé du contenu 2"/>
-          <p:cNvSpPr>
-            <a:spLocks noGrp="1"/>
-          </p:cNvSpPr>
-          <p:nvPr>
-            <p:ph idx="1"/>
-          </p:nvPr>
-        </p:nvSpPr>
-        <p:spPr/>
-        <p:txBody>
-          <a:bodyPr rtlCol="0"/>
-          <a:lstStyle/>
-          <a:p>
-            <a:pPr rtl="0"/>
-            <a:endParaRPr lang="fr-FR" dirty="0"/>
-          </a:p>
-        </p:txBody>
-      </p:sp>
-      <p:sp>
-        <p:nvSpPr>
-          <p:cNvPr id="4" name="Espace réservé du texte 3"/>
-          <p:cNvSpPr>
-            <a:spLocks noGrp="1"/>
-          </p:cNvSpPr>
-          <p:nvPr>
-            <p:ph type="body" sz="half" idx="2"/>
-          </p:nvPr>
-        </p:nvSpPr>
-        <p:spPr/>
-        <p:txBody>
-          <a:bodyPr rtlCol="0"/>
-          <a:lstStyle/>
-          <a:p>
-            <a:pPr rtl="0"/>
-            <a:endParaRPr lang="fr-FR" dirty="0"/>
-          </a:p>
-        </p:txBody>
-      </p:sp>
-    </p:spTree>
-    <p:extLst>
-      <p:ext uri="{BB962C8B-B14F-4D97-AF65-F5344CB8AC3E}">
-        <p14:creationId xmlns:p14="http://schemas.microsoft.com/office/powerpoint/2010/main" val="3232560146"/>
+        <p14:creationId xmlns:p14="http://schemas.microsoft.com/office/powerpoint/2010/main" val="1487969470"/>
       </p:ext>
     </p:extLst>
   </p:cSld>

--- a/Presentation.pptx
+++ b/Presentation.pptx
@@ -5,10 +5,10 @@
     <p:sldMasterId id="2147483648" r:id="rId4"/>
   </p:sldMasterIdLst>
   <p:notesMasterIdLst>
-    <p:notesMasterId r:id="rId13"/>
+    <p:notesMasterId r:id="rId15"/>
   </p:notesMasterIdLst>
   <p:handoutMasterIdLst>
-    <p:handoutMasterId r:id="rId14"/>
+    <p:handoutMasterId r:id="rId16"/>
   </p:handoutMasterIdLst>
   <p:sldIdLst>
     <p:sldId id="256" r:id="rId5"/>
@@ -18,7 +18,9 @@
     <p:sldId id="267" r:id="rId9"/>
     <p:sldId id="277" r:id="rId10"/>
     <p:sldId id="269" r:id="rId11"/>
-    <p:sldId id="278" r:id="rId12"/>
+    <p:sldId id="279" r:id="rId12"/>
+    <p:sldId id="278" r:id="rId13"/>
+    <p:sldId id="280" r:id="rId14"/>
   </p:sldIdLst>
   <p:sldSz cx="12192000" cy="6858000"/>
   <p:notesSz cx="6858000" cy="9144000"/>
@@ -223,7 +225,7 @@
             <a:pPr algn="r" rtl="0"/>
             <a:fld id="{85FB9A08-40BC-47B5-8130-616BDCF09507}" type="datetime1">
               <a:rPr lang="fr-FR" smtClean="0"/>
-              <a:t>16/05/2019</a:t>
+              <a:t>17/05/2019</a:t>
             </a:fld>
             <a:endParaRPr lang="fr-FR" dirty="0"/>
           </a:p>
@@ -393,7 +395,7 @@
             <a:fld id="{082B9BC8-1895-4EB7-B2E1-D3911C69AD0C}" type="datetime1">
               <a:rPr lang="fr-FR" smtClean="0"/>
               <a:pPr/>
-              <a:t>16/05/2019</a:t>
+              <a:t>17/05/2019</a:t>
             </a:fld>
             <a:endParaRPr lang="fr-FR" dirty="0"/>
           </a:p>
@@ -918,6 +920,18 @@
   <p:clrMapOvr>
     <a:masterClrMapping/>
   </p:clrMapOvr>
+  <mc:AlternateContent xmlns:mc="http://schemas.openxmlformats.org/markup-compatibility/2006">
+    <mc:Choice xmlns:p14="http://schemas.microsoft.com/office/powerpoint/2010/main" Requires="p14">
+      <p:transition spd="slow">
+        <p14:pan dir="u"/>
+      </p:transition>
+    </mc:Choice>
+    <mc:Fallback>
+      <p:transition spd="slow">
+        <p:fade/>
+      </p:transition>
+    </mc:Fallback>
+  </mc:AlternateContent>
 </p:sldLayout>
 </file>
 
@@ -1036,7 +1050,7 @@
             <a:fld id="{B0AE1499-D871-4B5A-815F-37F8E0C46F8C}" type="datetime1">
               <a:rPr lang="fr-FR" smtClean="0"/>
               <a:pPr/>
-              <a:t>16/05/2019</a:t>
+              <a:t>17/05/2019</a:t>
             </a:fld>
             <a:endParaRPr lang="fr-FR" dirty="0"/>
           </a:p>
@@ -1100,6 +1114,18 @@
   <p:clrMapOvr>
     <a:masterClrMapping/>
   </p:clrMapOvr>
+  <mc:AlternateContent xmlns:mc="http://schemas.openxmlformats.org/markup-compatibility/2006">
+    <mc:Choice xmlns:p14="http://schemas.microsoft.com/office/powerpoint/2010/main" Requires="p14">
+      <p:transition spd="slow">
+        <p14:pan dir="u"/>
+      </p:transition>
+    </mc:Choice>
+    <mc:Fallback>
+      <p:transition spd="slow">
+        <p:fade/>
+      </p:transition>
+    </mc:Fallback>
+  </mc:AlternateContent>
 </p:sldLayout>
 </file>
 
@@ -1228,7 +1254,7 @@
             <a:fld id="{7CFD53AE-A1A9-4971-B817-D6F393C7FE35}" type="datetime1">
               <a:rPr lang="fr-FR" smtClean="0"/>
               <a:pPr/>
-              <a:t>16/05/2019</a:t>
+              <a:t>17/05/2019</a:t>
             </a:fld>
             <a:endParaRPr lang="fr-FR" dirty="0"/>
           </a:p>
@@ -1292,6 +1318,18 @@
   <p:clrMapOvr>
     <a:masterClrMapping/>
   </p:clrMapOvr>
+  <mc:AlternateContent xmlns:mc="http://schemas.openxmlformats.org/markup-compatibility/2006">
+    <mc:Choice xmlns:p14="http://schemas.microsoft.com/office/powerpoint/2010/main" Requires="p14">
+      <p:transition spd="slow">
+        <p14:pan dir="u"/>
+      </p:transition>
+    </mc:Choice>
+    <mc:Fallback>
+      <p:transition spd="slow">
+        <p:fade/>
+      </p:transition>
+    </mc:Fallback>
+  </mc:AlternateContent>
 </p:sldLayout>
 </file>
 
@@ -1414,7 +1452,7 @@
             <a:fld id="{B4EA85BC-BD2B-458E-8340-8D31B4F152AE}" type="datetime1">
               <a:rPr lang="fr-FR" smtClean="0"/>
               <a:pPr/>
-              <a:t>16/05/2019</a:t>
+              <a:t>17/05/2019</a:t>
             </a:fld>
             <a:endParaRPr lang="fr-FR" dirty="0"/>
           </a:p>
@@ -1478,6 +1516,18 @@
   <p:clrMapOvr>
     <a:masterClrMapping/>
   </p:clrMapOvr>
+  <mc:AlternateContent xmlns:mc="http://schemas.openxmlformats.org/markup-compatibility/2006">
+    <mc:Choice xmlns:p14="http://schemas.microsoft.com/office/powerpoint/2010/main" Requires="p14">
+      <p:transition spd="slow">
+        <p14:pan dir="u"/>
+      </p:transition>
+    </mc:Choice>
+    <mc:Fallback>
+      <p:transition spd="slow">
+        <p:fade/>
+      </p:transition>
+    </mc:Fallback>
+  </mc:AlternateContent>
 </p:sldLayout>
 </file>
 
@@ -1622,6 +1672,18 @@
   <p:clrMapOvr>
     <a:masterClrMapping/>
   </p:clrMapOvr>
+  <mc:AlternateContent xmlns:mc="http://schemas.openxmlformats.org/markup-compatibility/2006">
+    <mc:Choice xmlns:p14="http://schemas.microsoft.com/office/powerpoint/2010/main" Requires="p14">
+      <p:transition spd="slow">
+        <p14:pan dir="u"/>
+      </p:transition>
+    </mc:Choice>
+    <mc:Fallback>
+      <p:transition spd="slow">
+        <p:fade/>
+      </p:transition>
+    </mc:Fallback>
+  </mc:AlternateContent>
 </p:sldLayout>
 </file>
 
@@ -1862,7 +1924,7 @@
             <a:fld id="{2C9DB741-A3C2-4C75-A4D1-97F129BE9491}" type="datetime1">
               <a:rPr lang="fr-FR" smtClean="0"/>
               <a:pPr/>
-              <a:t>16/05/2019</a:t>
+              <a:t>17/05/2019</a:t>
             </a:fld>
             <a:endParaRPr lang="fr-FR" dirty="0"/>
           </a:p>
@@ -1926,6 +1988,18 @@
   <p:clrMapOvr>
     <a:masterClrMapping/>
   </p:clrMapOvr>
+  <mc:AlternateContent xmlns:mc="http://schemas.openxmlformats.org/markup-compatibility/2006">
+    <mc:Choice xmlns:p14="http://schemas.microsoft.com/office/powerpoint/2010/main" Requires="p14">
+      <p:transition spd="slow">
+        <p14:pan dir="u"/>
+      </p:transition>
+    </mc:Choice>
+    <mc:Fallback>
+      <p:transition spd="slow">
+        <p:fade/>
+      </p:transition>
+    </mc:Fallback>
+  </mc:AlternateContent>
 </p:sldLayout>
 </file>
 
@@ -2314,7 +2388,7 @@
             <a:fld id="{11B59C61-65A8-4FB6-8060-9ACE25B631CB}" type="datetime1">
               <a:rPr lang="fr-FR" noProof="0" smtClean="0"/>
               <a:pPr/>
-              <a:t>16/05/2019</a:t>
+              <a:t>17/05/2019</a:t>
             </a:fld>
             <a:endParaRPr lang="fr-FR" noProof="0" dirty="0"/>
           </a:p>
@@ -2378,6 +2452,18 @@
   <p:clrMapOvr>
     <a:masterClrMapping/>
   </p:clrMapOvr>
+  <mc:AlternateContent xmlns:mc="http://schemas.openxmlformats.org/markup-compatibility/2006">
+    <mc:Choice xmlns:p14="http://schemas.microsoft.com/office/powerpoint/2010/main" Requires="p14">
+      <p:transition spd="slow">
+        <p14:pan dir="u"/>
+      </p:transition>
+    </mc:Choice>
+    <mc:Fallback>
+      <p:transition spd="slow">
+        <p:fade/>
+      </p:transition>
+    </mc:Fallback>
+  </mc:AlternateContent>
 </p:sldLayout>
 </file>
 
@@ -2444,7 +2530,7 @@
             <a:fld id="{B19C7B91-9FE1-44A2-8FAA-E998ADCC26EE}" type="datetime1">
               <a:rPr lang="fr-FR" smtClean="0"/>
               <a:pPr/>
-              <a:t>16/05/2019</a:t>
+              <a:t>17/05/2019</a:t>
             </a:fld>
             <a:endParaRPr lang="fr-FR" dirty="0"/>
           </a:p>
@@ -2508,6 +2594,18 @@
   <p:clrMapOvr>
     <a:masterClrMapping/>
   </p:clrMapOvr>
+  <mc:AlternateContent xmlns:mc="http://schemas.openxmlformats.org/markup-compatibility/2006">
+    <mc:Choice xmlns:p14="http://schemas.microsoft.com/office/powerpoint/2010/main" Requires="p14">
+      <p:transition spd="slow">
+        <p14:pan dir="u"/>
+      </p:transition>
+    </mc:Choice>
+    <mc:Fallback>
+      <p:transition spd="slow">
+        <p:fade/>
+      </p:transition>
+    </mc:Fallback>
+  </mc:AlternateContent>
 </p:sldLayout>
 </file>
 
@@ -2550,7 +2648,7 @@
             <a:fld id="{24294901-3B67-4101-8D94-E7F6C7A7004D}" type="datetime1">
               <a:rPr lang="fr-FR" smtClean="0"/>
               <a:pPr/>
-              <a:t>16/05/2019</a:t>
+              <a:t>17/05/2019</a:t>
             </a:fld>
             <a:endParaRPr lang="fr-FR" dirty="0"/>
           </a:p>
@@ -2614,6 +2712,18 @@
   <p:clrMapOvr>
     <a:masterClrMapping/>
   </p:clrMapOvr>
+  <mc:AlternateContent xmlns:mc="http://schemas.openxmlformats.org/markup-compatibility/2006">
+    <mc:Choice xmlns:p14="http://schemas.microsoft.com/office/powerpoint/2010/main" Requires="p14">
+      <p:transition spd="slow">
+        <p14:pan dir="u"/>
+      </p:transition>
+    </mc:Choice>
+    <mc:Fallback>
+      <p:transition spd="slow">
+        <p:fade/>
+      </p:transition>
+    </mc:Fallback>
+  </mc:AlternateContent>
 </p:sldLayout>
 </file>
 
@@ -2846,7 +2956,7 @@
             <a:fld id="{36311718-BEC8-4DB8-9B0A-52986EABC5C9}" type="datetime1">
               <a:rPr lang="fr-FR" smtClean="0"/>
               <a:pPr/>
-              <a:t>16/05/2019</a:t>
+              <a:t>17/05/2019</a:t>
             </a:fld>
             <a:endParaRPr lang="fr-FR" dirty="0"/>
           </a:p>
@@ -2910,6 +3020,18 @@
   <p:clrMapOvr>
     <a:masterClrMapping/>
   </p:clrMapOvr>
+  <mc:AlternateContent xmlns:mc="http://schemas.openxmlformats.org/markup-compatibility/2006">
+    <mc:Choice xmlns:p14="http://schemas.microsoft.com/office/powerpoint/2010/main" Requires="p14">
+      <p:transition spd="slow">
+        <p14:pan dir="u"/>
+      </p:transition>
+    </mc:Choice>
+    <mc:Fallback>
+      <p:transition spd="slow">
+        <p:fade/>
+      </p:transition>
+    </mc:Fallback>
+  </mc:AlternateContent>
 </p:sldLayout>
 </file>
 
@@ -3172,7 +3294,7 @@
             <a:fld id="{E883871E-5D80-4EDF-9E01-94E184402302}" type="datetime1">
               <a:rPr lang="fr-FR" smtClean="0"/>
               <a:pPr/>
-              <a:t>16/05/2019</a:t>
+              <a:t>17/05/2019</a:t>
             </a:fld>
             <a:endParaRPr lang="fr-FR" dirty="0"/>
           </a:p>
@@ -3236,6 +3358,18 @@
   <p:clrMapOvr>
     <a:masterClrMapping/>
   </p:clrMapOvr>
+  <mc:AlternateContent xmlns:mc="http://schemas.openxmlformats.org/markup-compatibility/2006">
+    <mc:Choice xmlns:p14="http://schemas.microsoft.com/office/powerpoint/2010/main" Requires="p14">
+      <p:transition spd="slow">
+        <p14:pan dir="u"/>
+      </p:transition>
+    </mc:Choice>
+    <mc:Fallback>
+      <p:transition spd="slow">
+        <p:fade/>
+      </p:transition>
+    </mc:Fallback>
+  </mc:AlternateContent>
 </p:sldLayout>
 </file>
 
@@ -3391,7 +3525,7 @@
             <a:fld id="{A9F01D7A-F2CA-4D89-BC48-D8C829AA64E1}" type="datetime1">
               <a:rPr lang="fr-FR" smtClean="0"/>
               <a:pPr/>
-              <a:t>16/05/2019</a:t>
+              <a:t>17/05/2019</a:t>
             </a:fld>
             <a:endParaRPr lang="fr-FR" dirty="0"/>
           </a:p>
@@ -3499,6 +3633,18 @@
     <p:sldLayoutId id="2147483658" r:id="rId10"/>
     <p:sldLayoutId id="2147483659" r:id="rId11"/>
   </p:sldLayoutIdLst>
+  <mc:AlternateContent xmlns:mc="http://schemas.openxmlformats.org/markup-compatibility/2006">
+    <mc:Choice xmlns:p14="http://schemas.microsoft.com/office/powerpoint/2010/main" Requires="p14">
+      <p:transition spd="slow">
+        <p14:pan dir="u"/>
+      </p:transition>
+    </mc:Choice>
+    <mc:Fallback>
+      <p:transition spd="slow">
+        <p:fade/>
+      </p:transition>
+    </mc:Fallback>
+  </mc:AlternateContent>
   <p:txStyles>
     <p:titleStyle>
       <a:lvl1pPr algn="l" defTabSz="914400" rtl="0" eaLnBrk="1" latinLnBrk="0" hangingPunct="1">
@@ -3941,18 +4087,224 @@
   <p:clrMapOvr>
     <a:masterClrMapping/>
   </p:clrMapOvr>
-  <mc:AlternateContent xmlns:mc="http://schemas.openxmlformats.org/markup-compatibility/2006" xmlns:p14="http://schemas.microsoft.com/office/powerpoint/2010/main">
-    <mc:Choice Requires="p14">
-      <p:transition spd="med" p14:dur="700">
-        <p:fade/>
+  <mc:AlternateContent xmlns:mc="http://schemas.openxmlformats.org/markup-compatibility/2006">
+    <mc:Choice xmlns:p14="http://schemas.microsoft.com/office/powerpoint/2010/main" Requires="p14">
+      <p:transition spd="slow">
+        <p14:pan dir="u"/>
       </p:transition>
     </mc:Choice>
-    <mc:Fallback xmlns="">
-      <p:transition spd="med">
+    <mc:Fallback>
+      <p:transition spd="slow">
         <p:fade/>
       </p:transition>
     </mc:Fallback>
   </mc:AlternateContent>
+</p:sld>
+</file>
+
+<file path=ppt/slides/slide10.xml><?xml version="1.0" encoding="utf-8"?>
+<p:sld xmlns:a="http://schemas.openxmlformats.org/drawingml/2006/main" xmlns:r="http://schemas.openxmlformats.org/officeDocument/2006/relationships" xmlns:p="http://schemas.openxmlformats.org/presentationml/2006/main">
+  <p:cSld>
+    <p:spTree>
+      <p:nvGrpSpPr>
+        <p:cNvPr id="1" name=""/>
+        <p:cNvGrpSpPr/>
+        <p:nvPr/>
+      </p:nvGrpSpPr>
+      <p:grpSpPr>
+        <a:xfrm>
+          <a:off x="0" y="0"/>
+          <a:ext cx="0" cy="0"/>
+          <a:chOff x="0" y="0"/>
+          <a:chExt cx="0" cy="0"/>
+        </a:xfrm>
+      </p:grpSpPr>
+      <p:sp>
+        <p:nvSpPr>
+          <p:cNvPr id="2" name="Titre 1">
+            <a:extLst>
+              <a:ext uri="{FF2B5EF4-FFF2-40B4-BE49-F238E27FC236}">
+                <a16:creationId xmlns:a16="http://schemas.microsoft.com/office/drawing/2014/main" id="{59FF8DDA-FDA3-444D-8D40-8820963F2438}"/>
+              </a:ext>
+            </a:extLst>
+          </p:cNvPr>
+          <p:cNvSpPr>
+            <a:spLocks noGrp="1"/>
+          </p:cNvSpPr>
+          <p:nvPr>
+            <p:ph type="title"/>
+          </p:nvPr>
+        </p:nvSpPr>
+        <p:spPr/>
+        <p:txBody>
+          <a:bodyPr/>
+          <a:lstStyle/>
+          <a:p>
+            <a:r>
+              <a:rPr lang="fr-FR" dirty="0"/>
+              <a:t>Word recognition</a:t>
+            </a:r>
+          </a:p>
+        </p:txBody>
+      </p:sp>
+      <p:pic>
+        <p:nvPicPr>
+          <p:cNvPr id="4" name="Espace réservé du contenu 3">
+            <a:extLst>
+              <a:ext uri="{FF2B5EF4-FFF2-40B4-BE49-F238E27FC236}">
+                <a16:creationId xmlns:a16="http://schemas.microsoft.com/office/drawing/2014/main" id="{F9993401-64A0-4265-8F65-B8075B12C3E7}"/>
+              </a:ext>
+            </a:extLst>
+          </p:cNvPr>
+          <p:cNvPicPr>
+            <a:picLocks noGrp="1" noChangeAspect="1"/>
+          </p:cNvPicPr>
+          <p:nvPr>
+            <p:ph idx="1"/>
+          </p:nvPr>
+        </p:nvPicPr>
+        <p:blipFill>
+          <a:blip r:embed="rId2"/>
+          <a:stretch>
+            <a:fillRect/>
+          </a:stretch>
+        </p:blipFill>
+        <p:spPr>
+          <a:xfrm>
+            <a:off x="2135560" y="2420888"/>
+            <a:ext cx="7582237" cy="3267611"/>
+          </a:xfrm>
+          <a:prstGeom prst="rect">
+            <a:avLst/>
+          </a:prstGeom>
+          <a:solidFill>
+            <a:srgbClr val="FFFFFF">
+              <a:shade val="85000"/>
+            </a:srgbClr>
+          </a:solidFill>
+          <a:ln w="88900" cap="sq">
+            <a:solidFill>
+              <a:schemeClr val="accent1"/>
+            </a:solidFill>
+            <a:miter lim="800000"/>
+          </a:ln>
+          <a:effectLst>
+            <a:outerShdw blurRad="55000" dist="18000" dir="5400000" algn="tl" rotWithShape="0">
+              <a:srgbClr val="000000">
+                <a:alpha val="40000"/>
+              </a:srgbClr>
+            </a:outerShdw>
+          </a:effectLst>
+        </p:spPr>
+      </p:pic>
+    </p:spTree>
+    <p:extLst>
+      <p:ext uri="{BB962C8B-B14F-4D97-AF65-F5344CB8AC3E}">
+        <p14:creationId xmlns:p14="http://schemas.microsoft.com/office/powerpoint/2010/main" val="4245510229"/>
+      </p:ext>
+    </p:extLst>
+  </p:cSld>
+  <p:clrMapOvr>
+    <a:masterClrMapping/>
+  </p:clrMapOvr>
+  <mc:AlternateContent xmlns:mc="http://schemas.openxmlformats.org/markup-compatibility/2006">
+    <mc:Choice xmlns:p14="http://schemas.microsoft.com/office/powerpoint/2010/main" Requires="p14">
+      <p:transition spd="slow">
+        <p14:pan dir="u"/>
+      </p:transition>
+    </mc:Choice>
+    <mc:Fallback>
+      <p:transition spd="slow">
+        <p:fade/>
+      </p:transition>
+    </mc:Fallback>
+  </mc:AlternateContent>
+  <p:timing>
+    <p:tnLst>
+      <p:par>
+        <p:cTn id="1" dur="indefinite" restart="never" nodeType="tmRoot">
+          <p:childTnLst>
+            <p:seq concurrent="1" nextAc="seek">
+              <p:cTn id="2" dur="indefinite" nodeType="mainSeq">
+                <p:childTnLst>
+                  <p:par>
+                    <p:cTn id="3" fill="hold">
+                      <p:stCondLst>
+                        <p:cond delay="indefinite"/>
+                        <p:cond evt="onBegin" delay="0">
+                          <p:tn val="2"/>
+                        </p:cond>
+                      </p:stCondLst>
+                      <p:childTnLst>
+                        <p:par>
+                          <p:cTn id="4" fill="hold">
+                            <p:stCondLst>
+                              <p:cond delay="0"/>
+                            </p:stCondLst>
+                            <p:childTnLst>
+                              <p:par>
+                                <p:cTn id="5" presetID="10" presetClass="entr" presetSubtype="0" fill="hold" nodeType="withEffect">
+                                  <p:stCondLst>
+                                    <p:cond delay="0"/>
+                                  </p:stCondLst>
+                                  <p:childTnLst>
+                                    <p:set>
+                                      <p:cBhvr>
+                                        <p:cTn id="6" dur="1" fill="hold">
+                                          <p:stCondLst>
+                                            <p:cond delay="0"/>
+                                          </p:stCondLst>
+                                        </p:cTn>
+                                        <p:tgtEl>
+                                          <p:spTgt spid="4"/>
+                                        </p:tgtEl>
+                                        <p:attrNameLst>
+                                          <p:attrName>style.visibility</p:attrName>
+                                        </p:attrNameLst>
+                                      </p:cBhvr>
+                                      <p:to>
+                                        <p:strVal val="visible"/>
+                                      </p:to>
+                                    </p:set>
+                                    <p:animEffect transition="in" filter="fade">
+                                      <p:cBhvr>
+                                        <p:cTn id="7" dur="500"/>
+                                        <p:tgtEl>
+                                          <p:spTgt spid="4"/>
+                                        </p:tgtEl>
+                                      </p:cBhvr>
+                                    </p:animEffect>
+                                  </p:childTnLst>
+                                </p:cTn>
+                              </p:par>
+                            </p:childTnLst>
+                          </p:cTn>
+                        </p:par>
+                      </p:childTnLst>
+                    </p:cTn>
+                  </p:par>
+                </p:childTnLst>
+              </p:cTn>
+              <p:prevCondLst>
+                <p:cond evt="onPrev" delay="0">
+                  <p:tgtEl>
+                    <p:sldTgt/>
+                  </p:tgtEl>
+                </p:cond>
+              </p:prevCondLst>
+              <p:nextCondLst>
+                <p:cond evt="onNext" delay="0">
+                  <p:tgtEl>
+                    <p:sldTgt/>
+                  </p:tgtEl>
+                </p:cond>
+              </p:nextCondLst>
+            </p:seq>
+          </p:childTnLst>
+        </p:cTn>
+      </p:par>
+    </p:tnLst>
+  </p:timing>
 </p:sld>
 </file>
 
@@ -4107,6 +4459,298 @@
   <p:clrMapOvr>
     <a:masterClrMapping/>
   </p:clrMapOvr>
+  <mc:AlternateContent xmlns:mc="http://schemas.openxmlformats.org/markup-compatibility/2006">
+    <mc:Choice xmlns:p14="http://schemas.microsoft.com/office/powerpoint/2010/main" Requires="p14">
+      <p:transition spd="slow">
+        <p14:pan dir="u"/>
+      </p:transition>
+    </mc:Choice>
+    <mc:Fallback>
+      <p:transition spd="slow">
+        <p:fade/>
+      </p:transition>
+    </mc:Fallback>
+  </mc:AlternateContent>
+  <p:timing>
+    <p:tnLst>
+      <p:par>
+        <p:cTn id="1" dur="indefinite" restart="never" nodeType="tmRoot">
+          <p:childTnLst>
+            <p:seq concurrent="1" nextAc="seek">
+              <p:cTn id="2" dur="indefinite" nodeType="mainSeq">
+                <p:childTnLst>
+                  <p:par>
+                    <p:cTn id="3" fill="hold">
+                      <p:stCondLst>
+                        <p:cond delay="indefinite"/>
+                        <p:cond evt="onBegin" delay="0">
+                          <p:tn val="2"/>
+                        </p:cond>
+                      </p:stCondLst>
+                      <p:childTnLst>
+                        <p:par>
+                          <p:cTn id="4" fill="hold">
+                            <p:stCondLst>
+                              <p:cond delay="0"/>
+                            </p:stCondLst>
+                            <p:childTnLst>
+                              <p:par>
+                                <p:cTn id="5" presetID="10" presetClass="entr" presetSubtype="0" fill="hold" grpId="0" nodeType="withEffect">
+                                  <p:stCondLst>
+                                    <p:cond delay="0"/>
+                                  </p:stCondLst>
+                                  <p:childTnLst>
+                                    <p:set>
+                                      <p:cBhvr>
+                                        <p:cTn id="6" dur="1" fill="hold">
+                                          <p:stCondLst>
+                                            <p:cond delay="0"/>
+                                          </p:stCondLst>
+                                        </p:cTn>
+                                        <p:tgtEl>
+                                          <p:spTgt spid="14">
+                                            <p:txEl>
+                                              <p:pRg st="0" end="0"/>
+                                            </p:txEl>
+                                          </p:spTgt>
+                                        </p:tgtEl>
+                                        <p:attrNameLst>
+                                          <p:attrName>style.visibility</p:attrName>
+                                        </p:attrNameLst>
+                                      </p:cBhvr>
+                                      <p:to>
+                                        <p:strVal val="visible"/>
+                                      </p:to>
+                                    </p:set>
+                                    <p:animEffect transition="in" filter="fade">
+                                      <p:cBhvr>
+                                        <p:cTn id="7" dur="500"/>
+                                        <p:tgtEl>
+                                          <p:spTgt spid="14">
+                                            <p:txEl>
+                                              <p:pRg st="0" end="0"/>
+                                            </p:txEl>
+                                          </p:spTgt>
+                                        </p:tgtEl>
+                                      </p:cBhvr>
+                                    </p:animEffect>
+                                  </p:childTnLst>
+                                </p:cTn>
+                              </p:par>
+                            </p:childTnLst>
+                          </p:cTn>
+                        </p:par>
+                      </p:childTnLst>
+                    </p:cTn>
+                  </p:par>
+                  <p:par>
+                    <p:cTn id="8" fill="hold">
+                      <p:stCondLst>
+                        <p:cond delay="indefinite"/>
+                      </p:stCondLst>
+                      <p:childTnLst>
+                        <p:par>
+                          <p:cTn id="9" fill="hold">
+                            <p:stCondLst>
+                              <p:cond delay="0"/>
+                            </p:stCondLst>
+                            <p:childTnLst>
+                              <p:par>
+                                <p:cTn id="10" presetID="10" presetClass="entr" presetSubtype="0" fill="hold" grpId="0" nodeType="clickEffect">
+                                  <p:stCondLst>
+                                    <p:cond delay="0"/>
+                                  </p:stCondLst>
+                                  <p:childTnLst>
+                                    <p:set>
+                                      <p:cBhvr>
+                                        <p:cTn id="11" dur="1" fill="hold">
+                                          <p:stCondLst>
+                                            <p:cond delay="0"/>
+                                          </p:stCondLst>
+                                        </p:cTn>
+                                        <p:tgtEl>
+                                          <p:spTgt spid="14">
+                                            <p:txEl>
+                                              <p:pRg st="1" end="1"/>
+                                            </p:txEl>
+                                          </p:spTgt>
+                                        </p:tgtEl>
+                                        <p:attrNameLst>
+                                          <p:attrName>style.visibility</p:attrName>
+                                        </p:attrNameLst>
+                                      </p:cBhvr>
+                                      <p:to>
+                                        <p:strVal val="visible"/>
+                                      </p:to>
+                                    </p:set>
+                                    <p:animEffect transition="in" filter="fade">
+                                      <p:cBhvr>
+                                        <p:cTn id="12" dur="500"/>
+                                        <p:tgtEl>
+                                          <p:spTgt spid="14">
+                                            <p:txEl>
+                                              <p:pRg st="1" end="1"/>
+                                            </p:txEl>
+                                          </p:spTgt>
+                                        </p:tgtEl>
+                                      </p:cBhvr>
+                                    </p:animEffect>
+                                  </p:childTnLst>
+                                </p:cTn>
+                              </p:par>
+                            </p:childTnLst>
+                          </p:cTn>
+                        </p:par>
+                      </p:childTnLst>
+                    </p:cTn>
+                  </p:par>
+                  <p:par>
+                    <p:cTn id="13" fill="hold">
+                      <p:stCondLst>
+                        <p:cond delay="indefinite"/>
+                      </p:stCondLst>
+                      <p:childTnLst>
+                        <p:par>
+                          <p:cTn id="14" fill="hold">
+                            <p:stCondLst>
+                              <p:cond delay="0"/>
+                            </p:stCondLst>
+                            <p:childTnLst>
+                              <p:par>
+                                <p:cTn id="15" presetID="10" presetClass="entr" presetSubtype="0" fill="hold" grpId="0" nodeType="clickEffect">
+                                  <p:stCondLst>
+                                    <p:cond delay="0"/>
+                                  </p:stCondLst>
+                                  <p:childTnLst>
+                                    <p:set>
+                                      <p:cBhvr>
+                                        <p:cTn id="16" dur="1" fill="hold">
+                                          <p:stCondLst>
+                                            <p:cond delay="0"/>
+                                          </p:stCondLst>
+                                        </p:cTn>
+                                        <p:tgtEl>
+                                          <p:spTgt spid="14">
+                                            <p:txEl>
+                                              <p:pRg st="2" end="2"/>
+                                            </p:txEl>
+                                          </p:spTgt>
+                                        </p:tgtEl>
+                                        <p:attrNameLst>
+                                          <p:attrName>style.visibility</p:attrName>
+                                        </p:attrNameLst>
+                                      </p:cBhvr>
+                                      <p:to>
+                                        <p:strVal val="visible"/>
+                                      </p:to>
+                                    </p:set>
+                                    <p:animEffect transition="in" filter="fade">
+                                      <p:cBhvr>
+                                        <p:cTn id="17" dur="500"/>
+                                        <p:tgtEl>
+                                          <p:spTgt spid="14">
+                                            <p:txEl>
+                                              <p:pRg st="2" end="2"/>
+                                            </p:txEl>
+                                          </p:spTgt>
+                                        </p:tgtEl>
+                                      </p:cBhvr>
+                                    </p:animEffect>
+                                  </p:childTnLst>
+                                </p:cTn>
+                              </p:par>
+                            </p:childTnLst>
+                          </p:cTn>
+                        </p:par>
+                      </p:childTnLst>
+                    </p:cTn>
+                  </p:par>
+                  <p:par>
+                    <p:cTn id="18" fill="hold">
+                      <p:stCondLst>
+                        <p:cond delay="indefinite"/>
+                      </p:stCondLst>
+                      <p:childTnLst>
+                        <p:par>
+                          <p:cTn id="19" fill="hold">
+                            <p:stCondLst>
+                              <p:cond delay="0"/>
+                            </p:stCondLst>
+                            <p:childTnLst>
+                              <p:par>
+                                <p:cTn id="20" presetID="10" presetClass="entr" presetSubtype="0" fill="hold" grpId="0" nodeType="clickEffect">
+                                  <p:stCondLst>
+                                    <p:cond delay="0"/>
+                                  </p:stCondLst>
+                                  <p:childTnLst>
+                                    <p:set>
+                                      <p:cBhvr>
+                                        <p:cTn id="21" dur="1" fill="hold">
+                                          <p:stCondLst>
+                                            <p:cond delay="0"/>
+                                          </p:stCondLst>
+                                        </p:cTn>
+                                        <p:tgtEl>
+                                          <p:spTgt spid="14">
+                                            <p:txEl>
+                                              <p:pRg st="3" end="3"/>
+                                            </p:txEl>
+                                          </p:spTgt>
+                                        </p:tgtEl>
+                                        <p:attrNameLst>
+                                          <p:attrName>style.visibility</p:attrName>
+                                        </p:attrNameLst>
+                                      </p:cBhvr>
+                                      <p:to>
+                                        <p:strVal val="visible"/>
+                                      </p:to>
+                                    </p:set>
+                                    <p:animEffect transition="in" filter="fade">
+                                      <p:cBhvr>
+                                        <p:cTn id="22" dur="500"/>
+                                        <p:tgtEl>
+                                          <p:spTgt spid="14">
+                                            <p:txEl>
+                                              <p:pRg st="3" end="3"/>
+                                            </p:txEl>
+                                          </p:spTgt>
+                                        </p:tgtEl>
+                                      </p:cBhvr>
+                                    </p:animEffect>
+                                  </p:childTnLst>
+                                </p:cTn>
+                              </p:par>
+                            </p:childTnLst>
+                          </p:cTn>
+                        </p:par>
+                      </p:childTnLst>
+                    </p:cTn>
+                  </p:par>
+                </p:childTnLst>
+              </p:cTn>
+              <p:prevCondLst>
+                <p:cond evt="onPrev" delay="0">
+                  <p:tgtEl>
+                    <p:sldTgt/>
+                  </p:tgtEl>
+                </p:cond>
+              </p:prevCondLst>
+              <p:nextCondLst>
+                <p:cond evt="onNext" delay="0">
+                  <p:tgtEl>
+                    <p:sldTgt/>
+                  </p:tgtEl>
+                </p:cond>
+              </p:nextCondLst>
+            </p:seq>
+          </p:childTnLst>
+        </p:cTn>
+      </p:par>
+    </p:tnLst>
+    <p:bldLst>
+      <p:bldP spid="14" grpId="0" uiExpand="1" build="p"/>
+    </p:bldLst>
+  </p:timing>
 </p:sld>
 </file>
 
@@ -4168,7 +4812,7 @@
         </p:nvSpPr>
         <p:spPr>
           <a:xfrm>
-            <a:off x="1422181" y="2169730"/>
+            <a:off x="1402244" y="2183489"/>
             <a:ext cx="4355976" cy="3635534"/>
           </a:xfrm>
         </p:spPr>
@@ -5396,6 +6040,865 @@
   <p:clrMapOvr>
     <a:masterClrMapping/>
   </p:clrMapOvr>
+  <mc:AlternateContent xmlns:mc="http://schemas.openxmlformats.org/markup-compatibility/2006">
+    <mc:Choice xmlns:p14="http://schemas.microsoft.com/office/powerpoint/2010/main" Requires="p14">
+      <p:transition spd="slow">
+        <p14:pan dir="u"/>
+      </p:transition>
+    </mc:Choice>
+    <mc:Fallback>
+      <p:transition spd="slow">
+        <p:fade/>
+      </p:transition>
+    </mc:Fallback>
+  </mc:AlternateContent>
+  <p:timing>
+    <p:tnLst>
+      <p:par>
+        <p:cTn id="1" dur="indefinite" restart="never" nodeType="tmRoot">
+          <p:childTnLst>
+            <p:seq concurrent="1" nextAc="seek">
+              <p:cTn id="2" dur="indefinite" nodeType="mainSeq">
+                <p:childTnLst>
+                  <p:par>
+                    <p:cTn id="3" fill="hold">
+                      <p:stCondLst>
+                        <p:cond delay="indefinite"/>
+                        <p:cond evt="onBegin" delay="0">
+                          <p:tn val="2"/>
+                        </p:cond>
+                      </p:stCondLst>
+                      <p:childTnLst>
+                        <p:par>
+                          <p:cTn id="4" fill="hold">
+                            <p:stCondLst>
+                              <p:cond delay="0"/>
+                            </p:stCondLst>
+                            <p:childTnLst>
+                              <p:par>
+                                <p:cTn id="5" presetID="10" presetClass="entr" presetSubtype="0" fill="hold" grpId="0" nodeType="withEffect">
+                                  <p:stCondLst>
+                                    <p:cond delay="0"/>
+                                  </p:stCondLst>
+                                  <p:childTnLst>
+                                    <p:set>
+                                      <p:cBhvr>
+                                        <p:cTn id="6" dur="1" fill="hold">
+                                          <p:stCondLst>
+                                            <p:cond delay="0"/>
+                                          </p:stCondLst>
+                                        </p:cTn>
+                                        <p:tgtEl>
+                                          <p:spTgt spid="5">
+                                            <p:txEl>
+                                              <p:pRg st="0" end="0"/>
+                                            </p:txEl>
+                                          </p:spTgt>
+                                        </p:tgtEl>
+                                        <p:attrNameLst>
+                                          <p:attrName>style.visibility</p:attrName>
+                                        </p:attrNameLst>
+                                      </p:cBhvr>
+                                      <p:to>
+                                        <p:strVal val="visible"/>
+                                      </p:to>
+                                    </p:set>
+                                    <p:animEffect transition="in" filter="fade">
+                                      <p:cBhvr>
+                                        <p:cTn id="7" dur="500"/>
+                                        <p:tgtEl>
+                                          <p:spTgt spid="5">
+                                            <p:txEl>
+                                              <p:pRg st="0" end="0"/>
+                                            </p:txEl>
+                                          </p:spTgt>
+                                        </p:tgtEl>
+                                      </p:cBhvr>
+                                    </p:animEffect>
+                                  </p:childTnLst>
+                                </p:cTn>
+                              </p:par>
+                              <p:par>
+                                <p:cTn id="8" presetID="10" presetClass="entr" presetSubtype="0" fill="hold" grpId="0" nodeType="withEffect">
+                                  <p:stCondLst>
+                                    <p:cond delay="0"/>
+                                  </p:stCondLst>
+                                  <p:childTnLst>
+                                    <p:set>
+                                      <p:cBhvr>
+                                        <p:cTn id="9" dur="1" fill="hold">
+                                          <p:stCondLst>
+                                            <p:cond delay="0"/>
+                                          </p:stCondLst>
+                                        </p:cTn>
+                                        <p:tgtEl>
+                                          <p:spTgt spid="5">
+                                            <p:txEl>
+                                              <p:pRg st="1" end="1"/>
+                                            </p:txEl>
+                                          </p:spTgt>
+                                        </p:tgtEl>
+                                        <p:attrNameLst>
+                                          <p:attrName>style.visibility</p:attrName>
+                                        </p:attrNameLst>
+                                      </p:cBhvr>
+                                      <p:to>
+                                        <p:strVal val="visible"/>
+                                      </p:to>
+                                    </p:set>
+                                    <p:animEffect transition="in" filter="fade">
+                                      <p:cBhvr>
+                                        <p:cTn id="10" dur="500"/>
+                                        <p:tgtEl>
+                                          <p:spTgt spid="5">
+                                            <p:txEl>
+                                              <p:pRg st="1" end="1"/>
+                                            </p:txEl>
+                                          </p:spTgt>
+                                        </p:tgtEl>
+                                      </p:cBhvr>
+                                    </p:animEffect>
+                                  </p:childTnLst>
+                                </p:cTn>
+                              </p:par>
+                              <p:par>
+                                <p:cTn id="11" presetID="10" presetClass="entr" presetSubtype="0" fill="hold" grpId="0" nodeType="withEffect">
+                                  <p:stCondLst>
+                                    <p:cond delay="0"/>
+                                  </p:stCondLst>
+                                  <p:childTnLst>
+                                    <p:set>
+                                      <p:cBhvr>
+                                        <p:cTn id="12" dur="1" fill="hold">
+                                          <p:stCondLst>
+                                            <p:cond delay="0"/>
+                                          </p:stCondLst>
+                                        </p:cTn>
+                                        <p:tgtEl>
+                                          <p:spTgt spid="5">
+                                            <p:txEl>
+                                              <p:pRg st="2" end="2"/>
+                                            </p:txEl>
+                                          </p:spTgt>
+                                        </p:tgtEl>
+                                        <p:attrNameLst>
+                                          <p:attrName>style.visibility</p:attrName>
+                                        </p:attrNameLst>
+                                      </p:cBhvr>
+                                      <p:to>
+                                        <p:strVal val="visible"/>
+                                      </p:to>
+                                    </p:set>
+                                    <p:animEffect transition="in" filter="fade">
+                                      <p:cBhvr>
+                                        <p:cTn id="13" dur="500"/>
+                                        <p:tgtEl>
+                                          <p:spTgt spid="5">
+                                            <p:txEl>
+                                              <p:pRg st="2" end="2"/>
+                                            </p:txEl>
+                                          </p:spTgt>
+                                        </p:tgtEl>
+                                      </p:cBhvr>
+                                    </p:animEffect>
+                                  </p:childTnLst>
+                                </p:cTn>
+                              </p:par>
+                              <p:par>
+                                <p:cTn id="14" presetID="10" presetClass="entr" presetSubtype="0" fill="hold" grpId="0" nodeType="withEffect">
+                                  <p:stCondLst>
+                                    <p:cond delay="0"/>
+                                  </p:stCondLst>
+                                  <p:childTnLst>
+                                    <p:set>
+                                      <p:cBhvr>
+                                        <p:cTn id="15" dur="1" fill="hold">
+                                          <p:stCondLst>
+                                            <p:cond delay="0"/>
+                                          </p:stCondLst>
+                                        </p:cTn>
+                                        <p:tgtEl>
+                                          <p:spTgt spid="5">
+                                            <p:txEl>
+                                              <p:pRg st="3" end="3"/>
+                                            </p:txEl>
+                                          </p:spTgt>
+                                        </p:tgtEl>
+                                        <p:attrNameLst>
+                                          <p:attrName>style.visibility</p:attrName>
+                                        </p:attrNameLst>
+                                      </p:cBhvr>
+                                      <p:to>
+                                        <p:strVal val="visible"/>
+                                      </p:to>
+                                    </p:set>
+                                    <p:animEffect transition="in" filter="fade">
+                                      <p:cBhvr>
+                                        <p:cTn id="16" dur="500"/>
+                                        <p:tgtEl>
+                                          <p:spTgt spid="5">
+                                            <p:txEl>
+                                              <p:pRg st="3" end="3"/>
+                                            </p:txEl>
+                                          </p:spTgt>
+                                        </p:tgtEl>
+                                      </p:cBhvr>
+                                    </p:animEffect>
+                                  </p:childTnLst>
+                                </p:cTn>
+                              </p:par>
+                              <p:par>
+                                <p:cTn id="17" presetID="10" presetClass="entr" presetSubtype="0" fill="hold" grpId="0" nodeType="withEffect">
+                                  <p:stCondLst>
+                                    <p:cond delay="0"/>
+                                  </p:stCondLst>
+                                  <p:childTnLst>
+                                    <p:set>
+                                      <p:cBhvr>
+                                        <p:cTn id="18" dur="1" fill="hold">
+                                          <p:stCondLst>
+                                            <p:cond delay="0"/>
+                                          </p:stCondLst>
+                                        </p:cTn>
+                                        <p:tgtEl>
+                                          <p:spTgt spid="5">
+                                            <p:txEl>
+                                              <p:pRg st="4" end="4"/>
+                                            </p:txEl>
+                                          </p:spTgt>
+                                        </p:tgtEl>
+                                        <p:attrNameLst>
+                                          <p:attrName>style.visibility</p:attrName>
+                                        </p:attrNameLst>
+                                      </p:cBhvr>
+                                      <p:to>
+                                        <p:strVal val="visible"/>
+                                      </p:to>
+                                    </p:set>
+                                    <p:animEffect transition="in" filter="fade">
+                                      <p:cBhvr>
+                                        <p:cTn id="19" dur="500"/>
+                                        <p:tgtEl>
+                                          <p:spTgt spid="5">
+                                            <p:txEl>
+                                              <p:pRg st="4" end="4"/>
+                                            </p:txEl>
+                                          </p:spTgt>
+                                        </p:tgtEl>
+                                      </p:cBhvr>
+                                    </p:animEffect>
+                                  </p:childTnLst>
+                                </p:cTn>
+                              </p:par>
+                              <p:par>
+                                <p:cTn id="20" presetID="10" presetClass="entr" presetSubtype="0" fill="hold" grpId="0" nodeType="withEffect">
+                                  <p:stCondLst>
+                                    <p:cond delay="0"/>
+                                  </p:stCondLst>
+                                  <p:childTnLst>
+                                    <p:set>
+                                      <p:cBhvr>
+                                        <p:cTn id="21" dur="1" fill="hold">
+                                          <p:stCondLst>
+                                            <p:cond delay="0"/>
+                                          </p:stCondLst>
+                                        </p:cTn>
+                                        <p:tgtEl>
+                                          <p:spTgt spid="5">
+                                            <p:txEl>
+                                              <p:pRg st="5" end="5"/>
+                                            </p:txEl>
+                                          </p:spTgt>
+                                        </p:tgtEl>
+                                        <p:attrNameLst>
+                                          <p:attrName>style.visibility</p:attrName>
+                                        </p:attrNameLst>
+                                      </p:cBhvr>
+                                      <p:to>
+                                        <p:strVal val="visible"/>
+                                      </p:to>
+                                    </p:set>
+                                    <p:animEffect transition="in" filter="fade">
+                                      <p:cBhvr>
+                                        <p:cTn id="22" dur="500"/>
+                                        <p:tgtEl>
+                                          <p:spTgt spid="5">
+                                            <p:txEl>
+                                              <p:pRg st="5" end="5"/>
+                                            </p:txEl>
+                                          </p:spTgt>
+                                        </p:tgtEl>
+                                      </p:cBhvr>
+                                    </p:animEffect>
+                                  </p:childTnLst>
+                                </p:cTn>
+                              </p:par>
+                            </p:childTnLst>
+                          </p:cTn>
+                        </p:par>
+                      </p:childTnLst>
+                    </p:cTn>
+                  </p:par>
+                  <p:par>
+                    <p:cTn id="23" fill="hold">
+                      <p:stCondLst>
+                        <p:cond delay="indefinite"/>
+                      </p:stCondLst>
+                      <p:childTnLst>
+                        <p:par>
+                          <p:cTn id="24" fill="hold">
+                            <p:stCondLst>
+                              <p:cond delay="0"/>
+                            </p:stCondLst>
+                            <p:childTnLst>
+                              <p:par>
+                                <p:cTn id="25" presetID="10" presetClass="entr" presetSubtype="0" fill="hold" grpId="0" nodeType="clickEffect">
+                                  <p:stCondLst>
+                                    <p:cond delay="0"/>
+                                  </p:stCondLst>
+                                  <p:childTnLst>
+                                    <p:set>
+                                      <p:cBhvr>
+                                        <p:cTn id="26" dur="1" fill="hold">
+                                          <p:stCondLst>
+                                            <p:cond delay="0"/>
+                                          </p:stCondLst>
+                                        </p:cTn>
+                                        <p:tgtEl>
+                                          <p:spTgt spid="7"/>
+                                        </p:tgtEl>
+                                        <p:attrNameLst>
+                                          <p:attrName>style.visibility</p:attrName>
+                                        </p:attrNameLst>
+                                      </p:cBhvr>
+                                      <p:to>
+                                        <p:strVal val="visible"/>
+                                      </p:to>
+                                    </p:set>
+                                    <p:animEffect transition="in" filter="fade">
+                                      <p:cBhvr>
+                                        <p:cTn id="27" dur="500"/>
+                                        <p:tgtEl>
+                                          <p:spTgt spid="7"/>
+                                        </p:tgtEl>
+                                      </p:cBhvr>
+                                    </p:animEffect>
+                                  </p:childTnLst>
+                                </p:cTn>
+                              </p:par>
+                              <p:par>
+                                <p:cTn id="28" presetID="10" presetClass="entr" presetSubtype="0" fill="hold" nodeType="withEffect">
+                                  <p:stCondLst>
+                                    <p:cond delay="0"/>
+                                  </p:stCondLst>
+                                  <p:childTnLst>
+                                    <p:set>
+                                      <p:cBhvr>
+                                        <p:cTn id="29" dur="1" fill="hold">
+                                          <p:stCondLst>
+                                            <p:cond delay="0"/>
+                                          </p:stCondLst>
+                                        </p:cTn>
+                                        <p:tgtEl>
+                                          <p:spTgt spid="34"/>
+                                        </p:tgtEl>
+                                        <p:attrNameLst>
+                                          <p:attrName>style.visibility</p:attrName>
+                                        </p:attrNameLst>
+                                      </p:cBhvr>
+                                      <p:to>
+                                        <p:strVal val="visible"/>
+                                      </p:to>
+                                    </p:set>
+                                    <p:animEffect transition="in" filter="fade">
+                                      <p:cBhvr>
+                                        <p:cTn id="30" dur="500"/>
+                                        <p:tgtEl>
+                                          <p:spTgt spid="34"/>
+                                        </p:tgtEl>
+                                      </p:cBhvr>
+                                    </p:animEffect>
+                                  </p:childTnLst>
+                                </p:cTn>
+                              </p:par>
+                            </p:childTnLst>
+                          </p:cTn>
+                        </p:par>
+                      </p:childTnLst>
+                    </p:cTn>
+                  </p:par>
+                  <p:par>
+                    <p:cTn id="31" fill="hold">
+                      <p:stCondLst>
+                        <p:cond delay="indefinite"/>
+                      </p:stCondLst>
+                      <p:childTnLst>
+                        <p:par>
+                          <p:cTn id="32" fill="hold">
+                            <p:stCondLst>
+                              <p:cond delay="0"/>
+                            </p:stCondLst>
+                            <p:childTnLst>
+                              <p:par>
+                                <p:cTn id="33" presetID="10" presetClass="entr" presetSubtype="0" fill="hold" grpId="0" nodeType="clickEffect">
+                                  <p:stCondLst>
+                                    <p:cond delay="0"/>
+                                  </p:stCondLst>
+                                  <p:childTnLst>
+                                    <p:set>
+                                      <p:cBhvr>
+                                        <p:cTn id="34" dur="1" fill="hold">
+                                          <p:stCondLst>
+                                            <p:cond delay="0"/>
+                                          </p:stCondLst>
+                                        </p:cTn>
+                                        <p:tgtEl>
+                                          <p:spTgt spid="26"/>
+                                        </p:tgtEl>
+                                        <p:attrNameLst>
+                                          <p:attrName>style.visibility</p:attrName>
+                                        </p:attrNameLst>
+                                      </p:cBhvr>
+                                      <p:to>
+                                        <p:strVal val="visible"/>
+                                      </p:to>
+                                    </p:set>
+                                    <p:animEffect transition="in" filter="fade">
+                                      <p:cBhvr>
+                                        <p:cTn id="35" dur="500"/>
+                                        <p:tgtEl>
+                                          <p:spTgt spid="26"/>
+                                        </p:tgtEl>
+                                      </p:cBhvr>
+                                    </p:animEffect>
+                                  </p:childTnLst>
+                                </p:cTn>
+                              </p:par>
+                              <p:par>
+                                <p:cTn id="36" presetID="10" presetClass="entr" presetSubtype="0" fill="hold" grpId="0" nodeType="withEffect">
+                                  <p:stCondLst>
+                                    <p:cond delay="0"/>
+                                  </p:stCondLst>
+                                  <p:childTnLst>
+                                    <p:set>
+                                      <p:cBhvr>
+                                        <p:cTn id="37" dur="1" fill="hold">
+                                          <p:stCondLst>
+                                            <p:cond delay="0"/>
+                                          </p:stCondLst>
+                                        </p:cTn>
+                                        <p:tgtEl>
+                                          <p:spTgt spid="25"/>
+                                        </p:tgtEl>
+                                        <p:attrNameLst>
+                                          <p:attrName>style.visibility</p:attrName>
+                                        </p:attrNameLst>
+                                      </p:cBhvr>
+                                      <p:to>
+                                        <p:strVal val="visible"/>
+                                      </p:to>
+                                    </p:set>
+                                    <p:animEffect transition="in" filter="fade">
+                                      <p:cBhvr>
+                                        <p:cTn id="38" dur="500"/>
+                                        <p:tgtEl>
+                                          <p:spTgt spid="25"/>
+                                        </p:tgtEl>
+                                      </p:cBhvr>
+                                    </p:animEffect>
+                                  </p:childTnLst>
+                                </p:cTn>
+                              </p:par>
+                            </p:childTnLst>
+                          </p:cTn>
+                        </p:par>
+                      </p:childTnLst>
+                    </p:cTn>
+                  </p:par>
+                  <p:par>
+                    <p:cTn id="39" fill="hold">
+                      <p:stCondLst>
+                        <p:cond delay="indefinite"/>
+                      </p:stCondLst>
+                      <p:childTnLst>
+                        <p:par>
+                          <p:cTn id="40" fill="hold">
+                            <p:stCondLst>
+                              <p:cond delay="0"/>
+                            </p:stCondLst>
+                            <p:childTnLst>
+                              <p:par>
+                                <p:cTn id="41" presetID="10" presetClass="entr" presetSubtype="0" fill="hold" grpId="0" nodeType="clickEffect">
+                                  <p:stCondLst>
+                                    <p:cond delay="0"/>
+                                  </p:stCondLst>
+                                  <p:childTnLst>
+                                    <p:set>
+                                      <p:cBhvr>
+                                        <p:cTn id="42" dur="1" fill="hold">
+                                          <p:stCondLst>
+                                            <p:cond delay="0"/>
+                                          </p:stCondLst>
+                                        </p:cTn>
+                                        <p:tgtEl>
+                                          <p:spTgt spid="37"/>
+                                        </p:tgtEl>
+                                        <p:attrNameLst>
+                                          <p:attrName>style.visibility</p:attrName>
+                                        </p:attrNameLst>
+                                      </p:cBhvr>
+                                      <p:to>
+                                        <p:strVal val="visible"/>
+                                      </p:to>
+                                    </p:set>
+                                    <p:animEffect transition="in" filter="fade">
+                                      <p:cBhvr>
+                                        <p:cTn id="43" dur="500"/>
+                                        <p:tgtEl>
+                                          <p:spTgt spid="37"/>
+                                        </p:tgtEl>
+                                      </p:cBhvr>
+                                    </p:animEffect>
+                                  </p:childTnLst>
+                                </p:cTn>
+                              </p:par>
+                              <p:par>
+                                <p:cTn id="44" presetID="10" presetClass="entr" presetSubtype="0" fill="hold" nodeType="withEffect">
+                                  <p:stCondLst>
+                                    <p:cond delay="0"/>
+                                  </p:stCondLst>
+                                  <p:childTnLst>
+                                    <p:set>
+                                      <p:cBhvr>
+                                        <p:cTn id="45" dur="1" fill="hold">
+                                          <p:stCondLst>
+                                            <p:cond delay="0"/>
+                                          </p:stCondLst>
+                                        </p:cTn>
+                                        <p:tgtEl>
+                                          <p:spTgt spid="36"/>
+                                        </p:tgtEl>
+                                        <p:attrNameLst>
+                                          <p:attrName>style.visibility</p:attrName>
+                                        </p:attrNameLst>
+                                      </p:cBhvr>
+                                      <p:to>
+                                        <p:strVal val="visible"/>
+                                      </p:to>
+                                    </p:set>
+                                    <p:animEffect transition="in" filter="fade">
+                                      <p:cBhvr>
+                                        <p:cTn id="46" dur="500"/>
+                                        <p:tgtEl>
+                                          <p:spTgt spid="36"/>
+                                        </p:tgtEl>
+                                      </p:cBhvr>
+                                    </p:animEffect>
+                                  </p:childTnLst>
+                                </p:cTn>
+                              </p:par>
+                            </p:childTnLst>
+                          </p:cTn>
+                        </p:par>
+                      </p:childTnLst>
+                    </p:cTn>
+                  </p:par>
+                  <p:par>
+                    <p:cTn id="47" fill="hold">
+                      <p:stCondLst>
+                        <p:cond delay="indefinite"/>
+                      </p:stCondLst>
+                      <p:childTnLst>
+                        <p:par>
+                          <p:cTn id="48" fill="hold">
+                            <p:stCondLst>
+                              <p:cond delay="0"/>
+                            </p:stCondLst>
+                            <p:childTnLst>
+                              <p:par>
+                                <p:cTn id="49" presetID="10" presetClass="entr" presetSubtype="0" fill="hold" grpId="0" nodeType="clickEffect">
+                                  <p:stCondLst>
+                                    <p:cond delay="0"/>
+                                  </p:stCondLst>
+                                  <p:childTnLst>
+                                    <p:set>
+                                      <p:cBhvr>
+                                        <p:cTn id="50" dur="1" fill="hold">
+                                          <p:stCondLst>
+                                            <p:cond delay="0"/>
+                                          </p:stCondLst>
+                                        </p:cTn>
+                                        <p:tgtEl>
+                                          <p:spTgt spid="23"/>
+                                        </p:tgtEl>
+                                        <p:attrNameLst>
+                                          <p:attrName>style.visibility</p:attrName>
+                                        </p:attrNameLst>
+                                      </p:cBhvr>
+                                      <p:to>
+                                        <p:strVal val="visible"/>
+                                      </p:to>
+                                    </p:set>
+                                    <p:animEffect transition="in" filter="fade">
+                                      <p:cBhvr>
+                                        <p:cTn id="51" dur="500"/>
+                                        <p:tgtEl>
+                                          <p:spTgt spid="23"/>
+                                        </p:tgtEl>
+                                      </p:cBhvr>
+                                    </p:animEffect>
+                                  </p:childTnLst>
+                                </p:cTn>
+                              </p:par>
+                              <p:par>
+                                <p:cTn id="52" presetID="10" presetClass="entr" presetSubtype="0" fill="hold" nodeType="withEffect">
+                                  <p:stCondLst>
+                                    <p:cond delay="0"/>
+                                  </p:stCondLst>
+                                  <p:childTnLst>
+                                    <p:set>
+                                      <p:cBhvr>
+                                        <p:cTn id="53" dur="1" fill="hold">
+                                          <p:stCondLst>
+                                            <p:cond delay="0"/>
+                                          </p:stCondLst>
+                                        </p:cTn>
+                                        <p:tgtEl>
+                                          <p:spTgt spid="22"/>
+                                        </p:tgtEl>
+                                        <p:attrNameLst>
+                                          <p:attrName>style.visibility</p:attrName>
+                                        </p:attrNameLst>
+                                      </p:cBhvr>
+                                      <p:to>
+                                        <p:strVal val="visible"/>
+                                      </p:to>
+                                    </p:set>
+                                    <p:animEffect transition="in" filter="fade">
+                                      <p:cBhvr>
+                                        <p:cTn id="54" dur="500"/>
+                                        <p:tgtEl>
+                                          <p:spTgt spid="22"/>
+                                        </p:tgtEl>
+                                      </p:cBhvr>
+                                    </p:animEffect>
+                                  </p:childTnLst>
+                                </p:cTn>
+                              </p:par>
+                            </p:childTnLst>
+                          </p:cTn>
+                        </p:par>
+                      </p:childTnLst>
+                    </p:cTn>
+                  </p:par>
+                  <p:par>
+                    <p:cTn id="55" fill="hold">
+                      <p:stCondLst>
+                        <p:cond delay="indefinite"/>
+                      </p:stCondLst>
+                      <p:childTnLst>
+                        <p:par>
+                          <p:cTn id="56" fill="hold">
+                            <p:stCondLst>
+                              <p:cond delay="0"/>
+                            </p:stCondLst>
+                            <p:childTnLst>
+                              <p:par>
+                                <p:cTn id="57" presetID="10" presetClass="entr" presetSubtype="0" fill="hold" grpId="0" nodeType="clickEffect">
+                                  <p:stCondLst>
+                                    <p:cond delay="0"/>
+                                  </p:stCondLst>
+                                  <p:childTnLst>
+                                    <p:set>
+                                      <p:cBhvr>
+                                        <p:cTn id="58" dur="1" fill="hold">
+                                          <p:stCondLst>
+                                            <p:cond delay="0"/>
+                                          </p:stCondLst>
+                                        </p:cTn>
+                                        <p:tgtEl>
+                                          <p:spTgt spid="20"/>
+                                        </p:tgtEl>
+                                        <p:attrNameLst>
+                                          <p:attrName>style.visibility</p:attrName>
+                                        </p:attrNameLst>
+                                      </p:cBhvr>
+                                      <p:to>
+                                        <p:strVal val="visible"/>
+                                      </p:to>
+                                    </p:set>
+                                    <p:animEffect transition="in" filter="fade">
+                                      <p:cBhvr>
+                                        <p:cTn id="59" dur="500"/>
+                                        <p:tgtEl>
+                                          <p:spTgt spid="20"/>
+                                        </p:tgtEl>
+                                      </p:cBhvr>
+                                    </p:animEffect>
+                                  </p:childTnLst>
+                                </p:cTn>
+                              </p:par>
+                              <p:par>
+                                <p:cTn id="60" presetID="10" presetClass="entr" presetSubtype="0" fill="hold" nodeType="withEffect">
+                                  <p:stCondLst>
+                                    <p:cond delay="0"/>
+                                  </p:stCondLst>
+                                  <p:childTnLst>
+                                    <p:set>
+                                      <p:cBhvr>
+                                        <p:cTn id="61" dur="1" fill="hold">
+                                          <p:stCondLst>
+                                            <p:cond delay="0"/>
+                                          </p:stCondLst>
+                                        </p:cTn>
+                                        <p:tgtEl>
+                                          <p:spTgt spid="19"/>
+                                        </p:tgtEl>
+                                        <p:attrNameLst>
+                                          <p:attrName>style.visibility</p:attrName>
+                                        </p:attrNameLst>
+                                      </p:cBhvr>
+                                      <p:to>
+                                        <p:strVal val="visible"/>
+                                      </p:to>
+                                    </p:set>
+                                    <p:animEffect transition="in" filter="fade">
+                                      <p:cBhvr>
+                                        <p:cTn id="62" dur="500"/>
+                                        <p:tgtEl>
+                                          <p:spTgt spid="19"/>
+                                        </p:tgtEl>
+                                      </p:cBhvr>
+                                    </p:animEffect>
+                                  </p:childTnLst>
+                                </p:cTn>
+                              </p:par>
+                            </p:childTnLst>
+                          </p:cTn>
+                        </p:par>
+                      </p:childTnLst>
+                    </p:cTn>
+                  </p:par>
+                  <p:par>
+                    <p:cTn id="63" fill="hold">
+                      <p:stCondLst>
+                        <p:cond delay="indefinite"/>
+                      </p:stCondLst>
+                      <p:childTnLst>
+                        <p:par>
+                          <p:cTn id="64" fill="hold">
+                            <p:stCondLst>
+                              <p:cond delay="0"/>
+                            </p:stCondLst>
+                            <p:childTnLst>
+                              <p:par>
+                                <p:cTn id="65" presetID="10" presetClass="entr" presetSubtype="0" fill="hold" grpId="0" nodeType="clickEffect">
+                                  <p:stCondLst>
+                                    <p:cond delay="0"/>
+                                  </p:stCondLst>
+                                  <p:childTnLst>
+                                    <p:set>
+                                      <p:cBhvr>
+                                        <p:cTn id="66" dur="1" fill="hold">
+                                          <p:stCondLst>
+                                            <p:cond delay="0"/>
+                                          </p:stCondLst>
+                                        </p:cTn>
+                                        <p:tgtEl>
+                                          <p:spTgt spid="15"/>
+                                        </p:tgtEl>
+                                        <p:attrNameLst>
+                                          <p:attrName>style.visibility</p:attrName>
+                                        </p:attrNameLst>
+                                      </p:cBhvr>
+                                      <p:to>
+                                        <p:strVal val="visible"/>
+                                      </p:to>
+                                    </p:set>
+                                    <p:animEffect transition="in" filter="fade">
+                                      <p:cBhvr>
+                                        <p:cTn id="67" dur="500"/>
+                                        <p:tgtEl>
+                                          <p:spTgt spid="15"/>
+                                        </p:tgtEl>
+                                      </p:cBhvr>
+                                    </p:animEffect>
+                                  </p:childTnLst>
+                                </p:cTn>
+                              </p:par>
+                              <p:par>
+                                <p:cTn id="68" presetID="10" presetClass="entr" presetSubtype="0" fill="hold" nodeType="withEffect">
+                                  <p:stCondLst>
+                                    <p:cond delay="0"/>
+                                  </p:stCondLst>
+                                  <p:childTnLst>
+                                    <p:set>
+                                      <p:cBhvr>
+                                        <p:cTn id="69" dur="1" fill="hold">
+                                          <p:stCondLst>
+                                            <p:cond delay="0"/>
+                                          </p:stCondLst>
+                                        </p:cTn>
+                                        <p:tgtEl>
+                                          <p:spTgt spid="14"/>
+                                        </p:tgtEl>
+                                        <p:attrNameLst>
+                                          <p:attrName>style.visibility</p:attrName>
+                                        </p:attrNameLst>
+                                      </p:cBhvr>
+                                      <p:to>
+                                        <p:strVal val="visible"/>
+                                      </p:to>
+                                    </p:set>
+                                    <p:animEffect transition="in" filter="fade">
+                                      <p:cBhvr>
+                                        <p:cTn id="70" dur="500"/>
+                                        <p:tgtEl>
+                                          <p:spTgt spid="14"/>
+                                        </p:tgtEl>
+                                      </p:cBhvr>
+                                    </p:animEffect>
+                                  </p:childTnLst>
+                                </p:cTn>
+                              </p:par>
+                            </p:childTnLst>
+                          </p:cTn>
+                        </p:par>
+                      </p:childTnLst>
+                    </p:cTn>
+                  </p:par>
+                </p:childTnLst>
+              </p:cTn>
+              <p:prevCondLst>
+                <p:cond evt="onPrev" delay="0">
+                  <p:tgtEl>
+                    <p:sldTgt/>
+                  </p:tgtEl>
+                </p:cond>
+              </p:prevCondLst>
+              <p:nextCondLst>
+                <p:cond evt="onNext" delay="0">
+                  <p:tgtEl>
+                    <p:sldTgt/>
+                  </p:tgtEl>
+                </p:cond>
+              </p:nextCondLst>
+            </p:seq>
+          </p:childTnLst>
+        </p:cTn>
+      </p:par>
+    </p:tnLst>
+    <p:bldLst>
+      <p:bldP spid="5" grpId="0" build="p"/>
+      <p:bldP spid="7" grpId="0"/>
+      <p:bldP spid="15" grpId="0"/>
+      <p:bldP spid="20" grpId="0"/>
+      <p:bldP spid="23" grpId="0"/>
+      <p:bldP spid="25" grpId="0" animBg="1"/>
+      <p:bldP spid="26" grpId="0"/>
+      <p:bldP spid="37" grpId="0"/>
+    </p:bldLst>
+  </p:timing>
 </p:sld>
 </file>
 
@@ -5471,12 +6974,30 @@
         </p:blipFill>
         <p:spPr>
           <a:xfrm>
-            <a:off x="513910" y="2164233"/>
-            <a:ext cx="4515452" cy="3305188"/>
+            <a:off x="198923" y="2048179"/>
+            <a:ext cx="5975545" cy="4373936"/>
           </a:xfrm>
           <a:prstGeom prst="rect">
             <a:avLst/>
           </a:prstGeom>
+          <a:solidFill>
+            <a:srgbClr val="FFFFFF">
+              <a:shade val="85000"/>
+            </a:srgbClr>
+          </a:solidFill>
+          <a:ln w="88900" cap="sq">
+            <a:solidFill>
+              <a:schemeClr val="accent1"/>
+            </a:solidFill>
+            <a:miter lim="800000"/>
+          </a:ln>
+          <a:effectLst>
+            <a:outerShdw blurRad="55000" dist="18000" dir="5400000" algn="tl" rotWithShape="0">
+              <a:srgbClr val="000000">
+                <a:alpha val="40000"/>
+              </a:srgbClr>
+            </a:outerShdw>
+          </a:effectLst>
         </p:spPr>
       </p:pic>
       <p:pic>
@@ -5501,12 +7022,30 @@
         </p:blipFill>
         <p:spPr>
           <a:xfrm>
-            <a:off x="6834970" y="1712615"/>
-            <a:ext cx="4843120" cy="2160240"/>
+            <a:off x="6462593" y="4035881"/>
+            <a:ext cx="5419780" cy="2417455"/>
           </a:xfrm>
           <a:prstGeom prst="rect">
             <a:avLst/>
           </a:prstGeom>
+          <a:solidFill>
+            <a:srgbClr val="FFFFFF">
+              <a:shade val="85000"/>
+            </a:srgbClr>
+          </a:solidFill>
+          <a:ln w="88900" cap="sq">
+            <a:solidFill>
+              <a:schemeClr val="accent1"/>
+            </a:solidFill>
+            <a:miter lim="800000"/>
+          </a:ln>
+          <a:effectLst>
+            <a:outerShdw blurRad="55000" dist="18000" dir="5400000" algn="tl" rotWithShape="0">
+              <a:srgbClr val="000000">
+                <a:alpha val="40000"/>
+              </a:srgbClr>
+            </a:outerShdw>
+          </a:effectLst>
         </p:spPr>
       </p:pic>
       <p:pic>
@@ -5531,7 +7070,7 @@
         </p:blipFill>
         <p:spPr>
           <a:xfrm>
-            <a:off x="5837904" y="4194612"/>
+            <a:off x="6406936" y="1641409"/>
             <a:ext cx="516191" cy="2206188"/>
           </a:xfrm>
           <a:prstGeom prst="rect">
@@ -5554,13 +7093,13 @@
           <p:nvPr>
             <p:extLst>
               <p:ext uri="{D42A27DB-BD31-4B8C-83A1-F6EECF244321}">
-                <p14:modId xmlns:p14="http://schemas.microsoft.com/office/powerpoint/2010/main" val="972165476"/>
+                <p14:modId xmlns:p14="http://schemas.microsoft.com/office/powerpoint/2010/main" val="634351601"/>
               </p:ext>
             </p:extLst>
           </p:nvPr>
         </p:nvGraphicFramePr>
         <p:xfrm>
-          <a:off x="8400256" y="4082209"/>
+          <a:off x="8609985" y="1451431"/>
           <a:ext cx="2440959" cy="1478280"/>
         </p:xfrm>
         <a:graphic>
@@ -5794,7 +7333,7 @@
         </p:nvSpPr>
         <p:spPr>
           <a:xfrm>
-            <a:off x="6675990" y="4821349"/>
+            <a:off x="7120960" y="2096431"/>
             <a:ext cx="1207288" cy="648072"/>
           </a:xfrm>
           <a:prstGeom prst="rightArrow">
@@ -5840,7 +7379,7 @@
         </p:nvSpPr>
         <p:spPr>
           <a:xfrm>
-            <a:off x="8184232" y="5756640"/>
+            <a:off x="8393961" y="3035607"/>
             <a:ext cx="3133818" cy="1000274"/>
           </a:xfrm>
           <a:prstGeom prst="rect">
@@ -5907,6 +7446,346 @@
   <p:clrMapOvr>
     <a:masterClrMapping/>
   </p:clrMapOvr>
+  <mc:AlternateContent xmlns:mc="http://schemas.openxmlformats.org/markup-compatibility/2006">
+    <mc:Choice xmlns:p14="http://schemas.microsoft.com/office/powerpoint/2010/main" Requires="p14">
+      <p:transition spd="slow">
+        <p14:pan dir="u"/>
+      </p:transition>
+    </mc:Choice>
+    <mc:Fallback>
+      <p:transition spd="slow">
+        <p:fade/>
+      </p:transition>
+    </mc:Fallback>
+  </mc:AlternateContent>
+  <p:timing>
+    <p:tnLst>
+      <p:par>
+        <p:cTn id="1" dur="indefinite" restart="never" nodeType="tmRoot">
+          <p:childTnLst>
+            <p:seq concurrent="1" nextAc="seek">
+              <p:cTn id="2" dur="indefinite" nodeType="mainSeq">
+                <p:childTnLst>
+                  <p:par>
+                    <p:cTn id="3" fill="hold">
+                      <p:stCondLst>
+                        <p:cond delay="indefinite"/>
+                        <p:cond evt="onBegin" delay="0">
+                          <p:tn val="2"/>
+                        </p:cond>
+                      </p:stCondLst>
+                      <p:childTnLst>
+                        <p:par>
+                          <p:cTn id="4" fill="hold">
+                            <p:stCondLst>
+                              <p:cond delay="0"/>
+                            </p:stCondLst>
+                            <p:childTnLst>
+                              <p:par>
+                                <p:cTn id="5" presetID="10" presetClass="entr" presetSubtype="0" fill="hold" nodeType="withEffect">
+                                  <p:stCondLst>
+                                    <p:cond delay="0"/>
+                                  </p:stCondLst>
+                                  <p:childTnLst>
+                                    <p:set>
+                                      <p:cBhvr>
+                                        <p:cTn id="6" dur="1" fill="hold">
+                                          <p:stCondLst>
+                                            <p:cond delay="0"/>
+                                          </p:stCondLst>
+                                        </p:cTn>
+                                        <p:tgtEl>
+                                          <p:spTgt spid="4"/>
+                                        </p:tgtEl>
+                                        <p:attrNameLst>
+                                          <p:attrName>style.visibility</p:attrName>
+                                        </p:attrNameLst>
+                                      </p:cBhvr>
+                                      <p:to>
+                                        <p:strVal val="visible"/>
+                                      </p:to>
+                                    </p:set>
+                                    <p:animEffect transition="in" filter="fade">
+                                      <p:cBhvr>
+                                        <p:cTn id="7" dur="500"/>
+                                        <p:tgtEl>
+                                          <p:spTgt spid="4"/>
+                                        </p:tgtEl>
+                                      </p:cBhvr>
+                                    </p:animEffect>
+                                  </p:childTnLst>
+                                </p:cTn>
+                              </p:par>
+                            </p:childTnLst>
+                          </p:cTn>
+                        </p:par>
+                      </p:childTnLst>
+                    </p:cTn>
+                  </p:par>
+                  <p:par>
+                    <p:cTn id="8" fill="hold">
+                      <p:stCondLst>
+                        <p:cond delay="indefinite"/>
+                      </p:stCondLst>
+                      <p:childTnLst>
+                        <p:par>
+                          <p:cTn id="9" fill="hold">
+                            <p:stCondLst>
+                              <p:cond delay="0"/>
+                            </p:stCondLst>
+                            <p:childTnLst>
+                              <p:par>
+                                <p:cTn id="10" presetID="10" presetClass="entr" presetSubtype="0" fill="hold" nodeType="clickEffect">
+                                  <p:stCondLst>
+                                    <p:cond delay="0"/>
+                                  </p:stCondLst>
+                                  <p:childTnLst>
+                                    <p:set>
+                                      <p:cBhvr>
+                                        <p:cTn id="11" dur="1" fill="hold">
+                                          <p:stCondLst>
+                                            <p:cond delay="0"/>
+                                          </p:stCondLst>
+                                        </p:cTn>
+                                        <p:tgtEl>
+                                          <p:spTgt spid="6"/>
+                                        </p:tgtEl>
+                                        <p:attrNameLst>
+                                          <p:attrName>style.visibility</p:attrName>
+                                        </p:attrNameLst>
+                                      </p:cBhvr>
+                                      <p:to>
+                                        <p:strVal val="visible"/>
+                                      </p:to>
+                                    </p:set>
+                                    <p:animEffect transition="in" filter="fade">
+                                      <p:cBhvr>
+                                        <p:cTn id="12" dur="500"/>
+                                        <p:tgtEl>
+                                          <p:spTgt spid="6"/>
+                                        </p:tgtEl>
+                                      </p:cBhvr>
+                                    </p:animEffect>
+                                  </p:childTnLst>
+                                </p:cTn>
+                              </p:par>
+                            </p:childTnLst>
+                          </p:cTn>
+                        </p:par>
+                        <p:par>
+                          <p:cTn id="13" fill="hold">
+                            <p:stCondLst>
+                              <p:cond delay="500"/>
+                            </p:stCondLst>
+                            <p:childTnLst>
+                              <p:par>
+                                <p:cTn id="14" presetID="10" presetClass="entr" presetSubtype="0" fill="hold" grpId="0" nodeType="afterEffect">
+                                  <p:stCondLst>
+                                    <p:cond delay="0"/>
+                                  </p:stCondLst>
+                                  <p:childTnLst>
+                                    <p:set>
+                                      <p:cBhvr>
+                                        <p:cTn id="15" dur="1" fill="hold">
+                                          <p:stCondLst>
+                                            <p:cond delay="0"/>
+                                          </p:stCondLst>
+                                        </p:cTn>
+                                        <p:tgtEl>
+                                          <p:spTgt spid="8"/>
+                                        </p:tgtEl>
+                                        <p:attrNameLst>
+                                          <p:attrName>style.visibility</p:attrName>
+                                        </p:attrNameLst>
+                                      </p:cBhvr>
+                                      <p:to>
+                                        <p:strVal val="visible"/>
+                                      </p:to>
+                                    </p:set>
+                                    <p:animEffect transition="in" filter="fade">
+                                      <p:cBhvr>
+                                        <p:cTn id="16" dur="500"/>
+                                        <p:tgtEl>
+                                          <p:spTgt spid="8"/>
+                                        </p:tgtEl>
+                                      </p:cBhvr>
+                                    </p:animEffect>
+                                  </p:childTnLst>
+                                </p:cTn>
+                              </p:par>
+                            </p:childTnLst>
+                          </p:cTn>
+                        </p:par>
+                        <p:par>
+                          <p:cTn id="17" fill="hold">
+                            <p:stCondLst>
+                              <p:cond delay="1000"/>
+                            </p:stCondLst>
+                            <p:childTnLst>
+                              <p:par>
+                                <p:cTn id="18" presetID="10" presetClass="entr" presetSubtype="0" fill="hold" nodeType="afterEffect">
+                                  <p:stCondLst>
+                                    <p:cond delay="0"/>
+                                  </p:stCondLst>
+                                  <p:childTnLst>
+                                    <p:set>
+                                      <p:cBhvr>
+                                        <p:cTn id="19" dur="1" fill="hold">
+                                          <p:stCondLst>
+                                            <p:cond delay="0"/>
+                                          </p:stCondLst>
+                                        </p:cTn>
+                                        <p:tgtEl>
+                                          <p:spTgt spid="7"/>
+                                        </p:tgtEl>
+                                        <p:attrNameLst>
+                                          <p:attrName>style.visibility</p:attrName>
+                                        </p:attrNameLst>
+                                      </p:cBhvr>
+                                      <p:to>
+                                        <p:strVal val="visible"/>
+                                      </p:to>
+                                    </p:set>
+                                    <p:animEffect transition="in" filter="fade">
+                                      <p:cBhvr>
+                                        <p:cTn id="20" dur="500"/>
+                                        <p:tgtEl>
+                                          <p:spTgt spid="7"/>
+                                        </p:tgtEl>
+                                      </p:cBhvr>
+                                    </p:animEffect>
+                                  </p:childTnLst>
+                                </p:cTn>
+                              </p:par>
+                            </p:childTnLst>
+                          </p:cTn>
+                        </p:par>
+                        <p:par>
+                          <p:cTn id="21" fill="hold">
+                            <p:stCondLst>
+                              <p:cond delay="1500"/>
+                            </p:stCondLst>
+                            <p:childTnLst>
+                              <p:par>
+                                <p:cTn id="22" presetID="10" presetClass="entr" presetSubtype="0" fill="hold" grpId="0" nodeType="afterEffect">
+                                  <p:stCondLst>
+                                    <p:cond delay="0"/>
+                                  </p:stCondLst>
+                                  <p:childTnLst>
+                                    <p:set>
+                                      <p:cBhvr>
+                                        <p:cTn id="23" dur="1" fill="hold">
+                                          <p:stCondLst>
+                                            <p:cond delay="0"/>
+                                          </p:stCondLst>
+                                        </p:cTn>
+                                        <p:tgtEl>
+                                          <p:spTgt spid="9"/>
+                                        </p:tgtEl>
+                                        <p:attrNameLst>
+                                          <p:attrName>style.visibility</p:attrName>
+                                        </p:attrNameLst>
+                                      </p:cBhvr>
+                                      <p:to>
+                                        <p:strVal val="visible"/>
+                                      </p:to>
+                                    </p:set>
+                                    <p:animEffect transition="in" filter="fade">
+                                      <p:cBhvr>
+                                        <p:cTn id="24" dur="500"/>
+                                        <p:tgtEl>
+                                          <p:spTgt spid="9"/>
+                                        </p:tgtEl>
+                                      </p:cBhvr>
+                                    </p:animEffect>
+                                  </p:childTnLst>
+                                </p:cTn>
+                              </p:par>
+                            </p:childTnLst>
+                          </p:cTn>
+                        </p:par>
+                      </p:childTnLst>
+                    </p:cTn>
+                  </p:par>
+                  <p:par>
+                    <p:cTn id="25" fill="hold">
+                      <p:stCondLst>
+                        <p:cond delay="indefinite"/>
+                      </p:stCondLst>
+                      <p:childTnLst>
+                        <p:par>
+                          <p:cTn id="26" fill="hold">
+                            <p:stCondLst>
+                              <p:cond delay="0"/>
+                            </p:stCondLst>
+                            <p:childTnLst>
+                              <p:par>
+                                <p:cTn id="27" presetID="10" presetClass="entr" presetSubtype="0" fill="hold" nodeType="clickEffect">
+                                  <p:stCondLst>
+                                    <p:cond delay="0"/>
+                                  </p:stCondLst>
+                                  <p:childTnLst>
+                                    <p:set>
+                                      <p:cBhvr>
+                                        <p:cTn id="28" dur="1" fill="hold">
+                                          <p:stCondLst>
+                                            <p:cond delay="0"/>
+                                          </p:stCondLst>
+                                        </p:cTn>
+                                        <p:tgtEl>
+                                          <p:spTgt spid="5"/>
+                                        </p:tgtEl>
+                                        <p:attrNameLst>
+                                          <p:attrName>style.visibility</p:attrName>
+                                        </p:attrNameLst>
+                                      </p:cBhvr>
+                                      <p:to>
+                                        <p:strVal val="visible"/>
+                                      </p:to>
+                                    </p:set>
+                                    <p:animEffect transition="in" filter="fade">
+                                      <p:cBhvr>
+                                        <p:cTn id="29" dur="500"/>
+                                        <p:tgtEl>
+                                          <p:spTgt spid="5"/>
+                                        </p:tgtEl>
+                                      </p:cBhvr>
+                                    </p:animEffect>
+                                  </p:childTnLst>
+                                </p:cTn>
+                              </p:par>
+                            </p:childTnLst>
+                          </p:cTn>
+                        </p:par>
+                      </p:childTnLst>
+                    </p:cTn>
+                  </p:par>
+                </p:childTnLst>
+              </p:cTn>
+              <p:prevCondLst>
+                <p:cond evt="onPrev" delay="0">
+                  <p:tgtEl>
+                    <p:sldTgt/>
+                  </p:tgtEl>
+                </p:cond>
+              </p:prevCondLst>
+              <p:nextCondLst>
+                <p:cond evt="onNext" delay="0">
+                  <p:tgtEl>
+                    <p:sldTgt/>
+                  </p:tgtEl>
+                </p:cond>
+              </p:nextCondLst>
+            </p:seq>
+          </p:childTnLst>
+        </p:cTn>
+      </p:par>
+    </p:tnLst>
+    <p:bldLst>
+      <p:bldP spid="8" grpId="0" animBg="1"/>
+      <p:bldP spid="9" grpId="0"/>
+    </p:bldLst>
+  </p:timing>
 </p:sld>
 </file>
 
@@ -6736,12 +8615,30 @@
         </p:blipFill>
         <p:spPr>
           <a:xfrm>
-            <a:off x="386081" y="2169730"/>
-            <a:ext cx="5421888" cy="2868895"/>
+            <a:off x="227013" y="1701682"/>
+            <a:ext cx="5712350" cy="3022588"/>
           </a:xfrm>
           <a:prstGeom prst="rect">
             <a:avLst/>
           </a:prstGeom>
+          <a:solidFill>
+            <a:srgbClr val="FFFFFF">
+              <a:shade val="85000"/>
+            </a:srgbClr>
+          </a:solidFill>
+          <a:ln w="88900" cap="sq">
+            <a:solidFill>
+              <a:schemeClr val="accent1"/>
+            </a:solidFill>
+            <a:miter lim="800000"/>
+          </a:ln>
+          <a:effectLst>
+            <a:outerShdw blurRad="55000" dist="18000" dir="5400000" algn="tl" rotWithShape="0">
+              <a:srgbClr val="000000">
+                <a:alpha val="40000"/>
+              </a:srgbClr>
+            </a:outerShdw>
+          </a:effectLst>
         </p:spPr>
       </p:pic>
       <p:pic>
@@ -6766,12 +8663,30 @@
         </p:blipFill>
         <p:spPr>
           <a:xfrm>
-            <a:off x="767408" y="5243182"/>
-            <a:ext cx="3914996" cy="1264004"/>
+            <a:off x="629632" y="5039801"/>
+            <a:ext cx="4906333" cy="1584069"/>
           </a:xfrm>
           <a:prstGeom prst="rect">
             <a:avLst/>
           </a:prstGeom>
+          <a:solidFill>
+            <a:srgbClr val="FFFFFF">
+              <a:shade val="85000"/>
+            </a:srgbClr>
+          </a:solidFill>
+          <a:ln w="88900" cap="sq">
+            <a:solidFill>
+              <a:schemeClr val="accent1"/>
+            </a:solidFill>
+            <a:miter lim="800000"/>
+          </a:ln>
+          <a:effectLst>
+            <a:outerShdw blurRad="55000" dist="18000" dir="5400000" algn="tl" rotWithShape="0">
+              <a:srgbClr val="000000">
+                <a:alpha val="40000"/>
+              </a:srgbClr>
+            </a:outerShdw>
+          </a:effectLst>
         </p:spPr>
       </p:pic>
     </p:spTree>
@@ -6784,6 +8699,505 @@
   <p:clrMapOvr>
     <a:masterClrMapping/>
   </p:clrMapOvr>
+  <mc:AlternateContent xmlns:mc="http://schemas.openxmlformats.org/markup-compatibility/2006">
+    <mc:Choice xmlns:p14="http://schemas.microsoft.com/office/powerpoint/2010/main" Requires="p14">
+      <p:transition spd="slow">
+        <p14:pan dir="u"/>
+      </p:transition>
+    </mc:Choice>
+    <mc:Fallback>
+      <p:transition spd="slow">
+        <p:fade/>
+      </p:transition>
+    </mc:Fallback>
+  </mc:AlternateContent>
+  <p:timing>
+    <p:tnLst>
+      <p:par>
+        <p:cTn id="1" dur="indefinite" restart="never" nodeType="tmRoot">
+          <p:childTnLst>
+            <p:seq concurrent="1" nextAc="seek">
+              <p:cTn id="2" dur="indefinite" nodeType="mainSeq">
+                <p:childTnLst>
+                  <p:par>
+                    <p:cTn id="3" fill="hold">
+                      <p:stCondLst>
+                        <p:cond delay="indefinite"/>
+                        <p:cond evt="onBegin" delay="0">
+                          <p:tn val="2"/>
+                        </p:cond>
+                      </p:stCondLst>
+                      <p:childTnLst>
+                        <p:par>
+                          <p:cTn id="4" fill="hold">
+                            <p:stCondLst>
+                              <p:cond delay="0"/>
+                            </p:stCondLst>
+                            <p:childTnLst>
+                              <p:par>
+                                <p:cTn id="5" presetID="10" presetClass="entr" presetSubtype="0" fill="hold" nodeType="withEffect">
+                                  <p:stCondLst>
+                                    <p:cond delay="0"/>
+                                  </p:stCondLst>
+                                  <p:childTnLst>
+                                    <p:set>
+                                      <p:cBhvr>
+                                        <p:cTn id="6" dur="1" fill="hold">
+                                          <p:stCondLst>
+                                            <p:cond delay="0"/>
+                                          </p:stCondLst>
+                                        </p:cTn>
+                                        <p:tgtEl>
+                                          <p:spTgt spid="6"/>
+                                        </p:tgtEl>
+                                        <p:attrNameLst>
+                                          <p:attrName>style.visibility</p:attrName>
+                                        </p:attrNameLst>
+                                      </p:cBhvr>
+                                      <p:to>
+                                        <p:strVal val="visible"/>
+                                      </p:to>
+                                    </p:set>
+                                    <p:animEffect transition="in" filter="fade">
+                                      <p:cBhvr>
+                                        <p:cTn id="7" dur="500"/>
+                                        <p:tgtEl>
+                                          <p:spTgt spid="6"/>
+                                        </p:tgtEl>
+                                      </p:cBhvr>
+                                    </p:animEffect>
+                                  </p:childTnLst>
+                                </p:cTn>
+                              </p:par>
+                            </p:childTnLst>
+                          </p:cTn>
+                        </p:par>
+                      </p:childTnLst>
+                    </p:cTn>
+                  </p:par>
+                  <p:par>
+                    <p:cTn id="8" fill="hold">
+                      <p:stCondLst>
+                        <p:cond delay="indefinite"/>
+                      </p:stCondLst>
+                      <p:childTnLst>
+                        <p:par>
+                          <p:cTn id="9" fill="hold">
+                            <p:stCondLst>
+                              <p:cond delay="0"/>
+                            </p:stCondLst>
+                            <p:childTnLst>
+                              <p:par>
+                                <p:cTn id="10" presetID="10" presetClass="entr" presetSubtype="0" fill="hold" nodeType="clickEffect">
+                                  <p:stCondLst>
+                                    <p:cond delay="0"/>
+                                  </p:stCondLst>
+                                  <p:childTnLst>
+                                    <p:set>
+                                      <p:cBhvr>
+                                        <p:cTn id="11" dur="1" fill="hold">
+                                          <p:stCondLst>
+                                            <p:cond delay="0"/>
+                                          </p:stCondLst>
+                                        </p:cTn>
+                                        <p:tgtEl>
+                                          <p:spTgt spid="5"/>
+                                        </p:tgtEl>
+                                        <p:attrNameLst>
+                                          <p:attrName>style.visibility</p:attrName>
+                                        </p:attrNameLst>
+                                      </p:cBhvr>
+                                      <p:to>
+                                        <p:strVal val="visible"/>
+                                      </p:to>
+                                    </p:set>
+                                    <p:animEffect transition="in" filter="fade">
+                                      <p:cBhvr>
+                                        <p:cTn id="12" dur="500"/>
+                                        <p:tgtEl>
+                                          <p:spTgt spid="5"/>
+                                        </p:tgtEl>
+                                      </p:cBhvr>
+                                    </p:animEffect>
+                                  </p:childTnLst>
+                                </p:cTn>
+                              </p:par>
+                            </p:childTnLst>
+                          </p:cTn>
+                        </p:par>
+                        <p:par>
+                          <p:cTn id="13" fill="hold">
+                            <p:stCondLst>
+                              <p:cond delay="500"/>
+                            </p:stCondLst>
+                            <p:childTnLst>
+                              <p:par>
+                                <p:cTn id="14" presetID="10" presetClass="entr" presetSubtype="0" fill="hold" grpId="0" nodeType="afterEffect">
+                                  <p:stCondLst>
+                                    <p:cond delay="0"/>
+                                  </p:stCondLst>
+                                  <p:childTnLst>
+                                    <p:set>
+                                      <p:cBhvr>
+                                        <p:cTn id="15" dur="1" fill="hold">
+                                          <p:stCondLst>
+                                            <p:cond delay="0"/>
+                                          </p:stCondLst>
+                                        </p:cTn>
+                                        <p:tgtEl>
+                                          <p:spTgt spid="13"/>
+                                        </p:tgtEl>
+                                        <p:attrNameLst>
+                                          <p:attrName>style.visibility</p:attrName>
+                                        </p:attrNameLst>
+                                      </p:cBhvr>
+                                      <p:to>
+                                        <p:strVal val="visible"/>
+                                      </p:to>
+                                    </p:set>
+                                    <p:animEffect transition="in" filter="fade">
+                                      <p:cBhvr>
+                                        <p:cTn id="16" dur="500"/>
+                                        <p:tgtEl>
+                                          <p:spTgt spid="13"/>
+                                        </p:tgtEl>
+                                      </p:cBhvr>
+                                    </p:animEffect>
+                                  </p:childTnLst>
+                                </p:cTn>
+                              </p:par>
+                              <p:par>
+                                <p:cTn id="17" presetID="10" presetClass="entr" presetSubtype="0" fill="hold" nodeType="withEffect">
+                                  <p:stCondLst>
+                                    <p:cond delay="0"/>
+                                  </p:stCondLst>
+                                  <p:childTnLst>
+                                    <p:set>
+                                      <p:cBhvr>
+                                        <p:cTn id="18" dur="1" fill="hold">
+                                          <p:stCondLst>
+                                            <p:cond delay="0"/>
+                                          </p:stCondLst>
+                                        </p:cTn>
+                                        <p:tgtEl>
+                                          <p:spTgt spid="12"/>
+                                        </p:tgtEl>
+                                        <p:attrNameLst>
+                                          <p:attrName>style.visibility</p:attrName>
+                                        </p:attrNameLst>
+                                      </p:cBhvr>
+                                      <p:to>
+                                        <p:strVal val="visible"/>
+                                      </p:to>
+                                    </p:set>
+                                    <p:animEffect transition="in" filter="fade">
+                                      <p:cBhvr>
+                                        <p:cTn id="19" dur="500"/>
+                                        <p:tgtEl>
+                                          <p:spTgt spid="12"/>
+                                        </p:tgtEl>
+                                      </p:cBhvr>
+                                    </p:animEffect>
+                                  </p:childTnLst>
+                                </p:cTn>
+                              </p:par>
+                            </p:childTnLst>
+                          </p:cTn>
+                        </p:par>
+                      </p:childTnLst>
+                    </p:cTn>
+                  </p:par>
+                  <p:par>
+                    <p:cTn id="20" fill="hold">
+                      <p:stCondLst>
+                        <p:cond delay="indefinite"/>
+                      </p:stCondLst>
+                      <p:childTnLst>
+                        <p:par>
+                          <p:cTn id="21" fill="hold">
+                            <p:stCondLst>
+                              <p:cond delay="0"/>
+                            </p:stCondLst>
+                            <p:childTnLst>
+                              <p:par>
+                                <p:cTn id="22" presetID="10" presetClass="entr" presetSubtype="0" fill="hold" grpId="0" nodeType="clickEffect">
+                                  <p:stCondLst>
+                                    <p:cond delay="0"/>
+                                  </p:stCondLst>
+                                  <p:childTnLst>
+                                    <p:set>
+                                      <p:cBhvr>
+                                        <p:cTn id="23" dur="1" fill="hold">
+                                          <p:stCondLst>
+                                            <p:cond delay="0"/>
+                                          </p:stCondLst>
+                                        </p:cTn>
+                                        <p:tgtEl>
+                                          <p:spTgt spid="19"/>
+                                        </p:tgtEl>
+                                        <p:attrNameLst>
+                                          <p:attrName>style.visibility</p:attrName>
+                                        </p:attrNameLst>
+                                      </p:cBhvr>
+                                      <p:to>
+                                        <p:strVal val="visible"/>
+                                      </p:to>
+                                    </p:set>
+                                    <p:animEffect transition="in" filter="fade">
+                                      <p:cBhvr>
+                                        <p:cTn id="24" dur="500"/>
+                                        <p:tgtEl>
+                                          <p:spTgt spid="19"/>
+                                        </p:tgtEl>
+                                      </p:cBhvr>
+                                    </p:animEffect>
+                                  </p:childTnLst>
+                                </p:cTn>
+                              </p:par>
+                              <p:par>
+                                <p:cTn id="25" presetID="10" presetClass="entr" presetSubtype="0" fill="hold" nodeType="withEffect">
+                                  <p:stCondLst>
+                                    <p:cond delay="0"/>
+                                  </p:stCondLst>
+                                  <p:childTnLst>
+                                    <p:set>
+                                      <p:cBhvr>
+                                        <p:cTn id="26" dur="1" fill="hold">
+                                          <p:stCondLst>
+                                            <p:cond delay="0"/>
+                                          </p:stCondLst>
+                                        </p:cTn>
+                                        <p:tgtEl>
+                                          <p:spTgt spid="17"/>
+                                        </p:tgtEl>
+                                        <p:attrNameLst>
+                                          <p:attrName>style.visibility</p:attrName>
+                                        </p:attrNameLst>
+                                      </p:cBhvr>
+                                      <p:to>
+                                        <p:strVal val="visible"/>
+                                      </p:to>
+                                    </p:set>
+                                    <p:animEffect transition="in" filter="fade">
+                                      <p:cBhvr>
+                                        <p:cTn id="27" dur="500"/>
+                                        <p:tgtEl>
+                                          <p:spTgt spid="17"/>
+                                        </p:tgtEl>
+                                      </p:cBhvr>
+                                    </p:animEffect>
+                                  </p:childTnLst>
+                                </p:cTn>
+                              </p:par>
+                              <p:par>
+                                <p:cTn id="28" presetID="10" presetClass="entr" presetSubtype="0" fill="hold" nodeType="withEffect">
+                                  <p:stCondLst>
+                                    <p:cond delay="0"/>
+                                  </p:stCondLst>
+                                  <p:childTnLst>
+                                    <p:set>
+                                      <p:cBhvr>
+                                        <p:cTn id="29" dur="1" fill="hold">
+                                          <p:stCondLst>
+                                            <p:cond delay="0"/>
+                                          </p:stCondLst>
+                                        </p:cTn>
+                                        <p:tgtEl>
+                                          <p:spTgt spid="15"/>
+                                        </p:tgtEl>
+                                        <p:attrNameLst>
+                                          <p:attrName>style.visibility</p:attrName>
+                                        </p:attrNameLst>
+                                      </p:cBhvr>
+                                      <p:to>
+                                        <p:strVal val="visible"/>
+                                      </p:to>
+                                    </p:set>
+                                    <p:animEffect transition="in" filter="fade">
+                                      <p:cBhvr>
+                                        <p:cTn id="30" dur="500"/>
+                                        <p:tgtEl>
+                                          <p:spTgt spid="15"/>
+                                        </p:tgtEl>
+                                      </p:cBhvr>
+                                    </p:animEffect>
+                                  </p:childTnLst>
+                                </p:cTn>
+                              </p:par>
+                            </p:childTnLst>
+                          </p:cTn>
+                        </p:par>
+                      </p:childTnLst>
+                    </p:cTn>
+                  </p:par>
+                  <p:par>
+                    <p:cTn id="31" fill="hold">
+                      <p:stCondLst>
+                        <p:cond delay="indefinite"/>
+                      </p:stCondLst>
+                      <p:childTnLst>
+                        <p:par>
+                          <p:cTn id="32" fill="hold">
+                            <p:stCondLst>
+                              <p:cond delay="0"/>
+                            </p:stCondLst>
+                            <p:childTnLst>
+                              <p:par>
+                                <p:cTn id="33" presetID="10" presetClass="entr" presetSubtype="0" fill="hold" nodeType="clickEffect">
+                                  <p:stCondLst>
+                                    <p:cond delay="0"/>
+                                  </p:stCondLst>
+                                  <p:childTnLst>
+                                    <p:set>
+                                      <p:cBhvr>
+                                        <p:cTn id="34" dur="1" fill="hold">
+                                          <p:stCondLst>
+                                            <p:cond delay="0"/>
+                                          </p:stCondLst>
+                                        </p:cTn>
+                                        <p:tgtEl>
+                                          <p:spTgt spid="7"/>
+                                        </p:tgtEl>
+                                        <p:attrNameLst>
+                                          <p:attrName>style.visibility</p:attrName>
+                                        </p:attrNameLst>
+                                      </p:cBhvr>
+                                      <p:to>
+                                        <p:strVal val="visible"/>
+                                      </p:to>
+                                    </p:set>
+                                    <p:animEffect transition="in" filter="fade">
+                                      <p:cBhvr>
+                                        <p:cTn id="35" dur="500"/>
+                                        <p:tgtEl>
+                                          <p:spTgt spid="7"/>
+                                        </p:tgtEl>
+                                      </p:cBhvr>
+                                    </p:animEffect>
+                                  </p:childTnLst>
+                                </p:cTn>
+                              </p:par>
+                            </p:childTnLst>
+                          </p:cTn>
+                        </p:par>
+                      </p:childTnLst>
+                    </p:cTn>
+                  </p:par>
+                  <p:par>
+                    <p:cTn id="36" fill="hold">
+                      <p:stCondLst>
+                        <p:cond delay="indefinite"/>
+                      </p:stCondLst>
+                      <p:childTnLst>
+                        <p:par>
+                          <p:cTn id="37" fill="hold">
+                            <p:stCondLst>
+                              <p:cond delay="0"/>
+                            </p:stCondLst>
+                            <p:childTnLst>
+                              <p:par>
+                                <p:cTn id="38" presetID="10" presetClass="entr" presetSubtype="0" fill="hold" grpId="0" nodeType="clickEffect">
+                                  <p:stCondLst>
+                                    <p:cond delay="0"/>
+                                  </p:stCondLst>
+                                  <p:childTnLst>
+                                    <p:set>
+                                      <p:cBhvr>
+                                        <p:cTn id="39" dur="1" fill="hold">
+                                          <p:stCondLst>
+                                            <p:cond delay="0"/>
+                                          </p:stCondLst>
+                                        </p:cTn>
+                                        <p:tgtEl>
+                                          <p:spTgt spid="10"/>
+                                        </p:tgtEl>
+                                        <p:attrNameLst>
+                                          <p:attrName>style.visibility</p:attrName>
+                                        </p:attrNameLst>
+                                      </p:cBhvr>
+                                      <p:to>
+                                        <p:strVal val="visible"/>
+                                      </p:to>
+                                    </p:set>
+                                    <p:animEffect transition="in" filter="fade">
+                                      <p:cBhvr>
+                                        <p:cTn id="40" dur="500"/>
+                                        <p:tgtEl>
+                                          <p:spTgt spid="10"/>
+                                        </p:tgtEl>
+                                      </p:cBhvr>
+                                    </p:animEffect>
+                                  </p:childTnLst>
+                                </p:cTn>
+                              </p:par>
+                              <p:par>
+                                <p:cTn id="41" presetID="10" presetClass="entr" presetSubtype="0" fill="hold" nodeType="withEffect">
+                                  <p:stCondLst>
+                                    <p:cond delay="0"/>
+                                  </p:stCondLst>
+                                  <p:childTnLst>
+                                    <p:set>
+                                      <p:cBhvr>
+                                        <p:cTn id="42" dur="1" fill="hold">
+                                          <p:stCondLst>
+                                            <p:cond delay="0"/>
+                                          </p:stCondLst>
+                                        </p:cTn>
+                                        <p:tgtEl>
+                                          <p:spTgt spid="9"/>
+                                        </p:tgtEl>
+                                        <p:attrNameLst>
+                                          <p:attrName>style.visibility</p:attrName>
+                                        </p:attrNameLst>
+                                      </p:cBhvr>
+                                      <p:to>
+                                        <p:strVal val="visible"/>
+                                      </p:to>
+                                    </p:set>
+                                    <p:animEffect transition="in" filter="fade">
+                                      <p:cBhvr>
+                                        <p:cTn id="43" dur="500"/>
+                                        <p:tgtEl>
+                                          <p:spTgt spid="9"/>
+                                        </p:tgtEl>
+                                      </p:cBhvr>
+                                    </p:animEffect>
+                                  </p:childTnLst>
+                                </p:cTn>
+                              </p:par>
+                            </p:childTnLst>
+                          </p:cTn>
+                        </p:par>
+                      </p:childTnLst>
+                    </p:cTn>
+                  </p:par>
+                </p:childTnLst>
+              </p:cTn>
+              <p:prevCondLst>
+                <p:cond evt="onPrev" delay="0">
+                  <p:tgtEl>
+                    <p:sldTgt/>
+                  </p:tgtEl>
+                </p:cond>
+              </p:prevCondLst>
+              <p:nextCondLst>
+                <p:cond evt="onNext" delay="0">
+                  <p:tgtEl>
+                    <p:sldTgt/>
+                  </p:tgtEl>
+                </p:cond>
+              </p:nextCondLst>
+            </p:seq>
+          </p:childTnLst>
+        </p:cTn>
+      </p:par>
+    </p:tnLst>
+    <p:bldLst>
+      <p:bldP spid="10" grpId="0"/>
+      <p:bldP spid="13" grpId="0"/>
+      <p:bldP spid="19" grpId="0"/>
+    </p:bldLst>
+  </p:timing>
 </p:sld>
 </file>
 
@@ -6820,7 +9234,12 @@
             <p:ph type="title"/>
           </p:nvPr>
         </p:nvSpPr>
-        <p:spPr/>
+        <p:spPr>
+          <a:xfrm>
+            <a:off x="1524000" y="457200"/>
+            <a:ext cx="9144000" cy="1143000"/>
+          </a:xfrm>
+        </p:spPr>
         <p:txBody>
           <a:bodyPr/>
           <a:lstStyle/>
@@ -6856,19 +9275,55 @@
           <p:nvPr/>
         </p:nvPicPr>
         <p:blipFill>
-          <a:blip r:embed="rId2"/>
+          <a:blip r:embed="rId2">
+            <a:extLst>
+              <a:ext uri="{28A0092B-C50C-407E-A947-70E740481C1C}">
+                <a14:useLocalDpi xmlns:a14="http://schemas.microsoft.com/office/drawing/2010/main" val="0"/>
+              </a:ext>
+            </a:extLst>
+          </a:blip>
           <a:stretch>
             <a:fillRect/>
           </a:stretch>
         </p:blipFill>
         <p:spPr>
           <a:xfrm>
-            <a:off x="551384" y="2276872"/>
-            <a:ext cx="7000019" cy="3231222"/>
+            <a:off x="622839" y="1916832"/>
+            <a:ext cx="6488313" cy="4621225"/>
           </a:xfrm>
           <a:prstGeom prst="rect">
             <a:avLst/>
           </a:prstGeom>
+          <a:solidFill>
+            <a:srgbClr val="FFFFFF">
+              <a:shade val="85000"/>
+            </a:srgbClr>
+          </a:solidFill>
+          <a:ln w="88900" cap="sq">
+            <a:solidFill>
+              <a:schemeClr val="accent1"/>
+            </a:solidFill>
+            <a:miter lim="800000"/>
+          </a:ln>
+          <a:effectLst>
+            <a:outerShdw blurRad="55000" dist="18000" dir="5400000" algn="tl" rotWithShape="0">
+              <a:srgbClr val="000000">
+                <a:alpha val="40000"/>
+              </a:srgbClr>
+            </a:outerShdw>
+          </a:effectLst>
+          <a:scene3d>
+            <a:camera prst="orthographicFront"/>
+            <a:lightRig rig="twoPt" dir="t">
+              <a:rot lat="0" lon="0" rev="7200000"/>
+            </a:lightRig>
+          </a:scene3d>
+          <a:sp3d>
+            <a:bevelT w="25400" h="19050"/>
+            <a:contourClr>
+              <a:srgbClr val="FFFFFF"/>
+            </a:contourClr>
+          </a:sp3d>
         </p:spPr>
       </p:pic>
       <p:sp>
@@ -6885,8 +9340,8 @@
         </p:nvSpPr>
         <p:spPr>
           <a:xfrm>
-            <a:off x="9480376" y="2492896"/>
-            <a:ext cx="1654620" cy="2308324"/>
+            <a:off x="10045987" y="2186244"/>
+            <a:ext cx="1523174" cy="369332"/>
           </a:xfrm>
           <a:prstGeom prst="rect">
             <a:avLst/>
@@ -6908,91 +9363,8 @@
               <a:t> =</a:t>
             </a:r>
           </a:p>
-          <a:p>
-            <a:r>
-              <a:rPr lang="fr-FR" dirty="0"/>
-              <a:t>[[0],</a:t>
-            </a:r>
-          </a:p>
-          <a:p>
-            <a:r>
-              <a:rPr lang="fr-FR" dirty="0"/>
-              <a:t>[1,2,4,5,6,9,13],</a:t>
-            </a:r>
-          </a:p>
-          <a:p>
-            <a:r>
-              <a:rPr lang="fr-FR" dirty="0"/>
-              <a:t>[3,2,4,5,6,9,13],</a:t>
-            </a:r>
-          </a:p>
-          <a:p>
-            <a:r>
-              <a:rPr lang="fr-FR" dirty="0"/>
-              <a:t>[7],</a:t>
-            </a:r>
-          </a:p>
-          <a:p>
-            <a:r>
-              <a:rPr lang="fr-FR" dirty="0"/>
-              <a:t>[8,5,6,9,12,13],</a:t>
-            </a:r>
-          </a:p>
-          <a:p>
-            <a:r>
-              <a:rPr lang="fr-FR" dirty="0"/>
-              <a:t>[10],</a:t>
-            </a:r>
-          </a:p>
-          <a:p>
-            <a:r>
-              <a:rPr lang="fr-FR" dirty="0"/>
-              <a:t>[11,5,6,9,12,13]]</a:t>
-            </a:r>
-          </a:p>
         </p:txBody>
       </p:sp>
-      <p:cxnSp>
-        <p:nvCxnSpPr>
-          <p:cNvPr id="9" name="Connecteur droit avec flèche 8">
-            <a:extLst>
-              <a:ext uri="{FF2B5EF4-FFF2-40B4-BE49-F238E27FC236}">
-                <a16:creationId xmlns:a16="http://schemas.microsoft.com/office/drawing/2014/main" id="{50EE1A82-1D72-4A6B-932B-E468667022C6}"/>
-              </a:ext>
-            </a:extLst>
-          </p:cNvPr>
-          <p:cNvCxnSpPr>
-            <a:cxnSpLocks/>
-          </p:cNvCxnSpPr>
-          <p:nvPr/>
-        </p:nvCxnSpPr>
-        <p:spPr>
-          <a:xfrm>
-            <a:off x="8616280" y="3573016"/>
-            <a:ext cx="1008112" cy="1008112"/>
-          </a:xfrm>
-          <a:prstGeom prst="straightConnector1">
-            <a:avLst/>
-          </a:prstGeom>
-          <a:ln>
-            <a:tailEnd type="triangle"/>
-          </a:ln>
-        </p:spPr>
-        <p:style>
-          <a:lnRef idx="1">
-            <a:schemeClr val="accent1"/>
-          </a:lnRef>
-          <a:fillRef idx="0">
-            <a:schemeClr val="accent1"/>
-          </a:fillRef>
-          <a:effectRef idx="0">
-            <a:schemeClr val="accent1"/>
-          </a:effectRef>
-          <a:fontRef idx="minor">
-            <a:schemeClr val="tx1"/>
-          </a:fontRef>
-        </p:style>
-      </p:cxnSp>
       <p:sp>
         <p:nvSpPr>
           <p:cNvPr id="10" name="ZoneTexte 9">
@@ -7007,7 +9379,7 @@
         </p:nvSpPr>
         <p:spPr>
           <a:xfrm>
-            <a:off x="7965690" y="3203684"/>
+            <a:off x="8629372" y="3567266"/>
             <a:ext cx="1260281" cy="369332"/>
           </a:xfrm>
           <a:prstGeom prst="rect">
@@ -7043,7 +9415,7 @@
         </p:nvSpPr>
         <p:spPr>
           <a:xfrm rot="5400000">
-            <a:off x="10193680" y="4467691"/>
+            <a:off x="10805232" y="4916150"/>
             <a:ext cx="323528" cy="986167"/>
           </a:xfrm>
           <a:prstGeom prst="rightBrace">
@@ -7087,7 +9459,7 @@
         </p:nvSpPr>
         <p:spPr>
           <a:xfrm>
-            <a:off x="9862361" y="5193724"/>
+            <a:off x="10482950" y="5635348"/>
             <a:ext cx="986167" cy="369332"/>
           </a:xfrm>
           <a:prstGeom prst="rect">
@@ -7109,6 +9481,230 @@
           </a:p>
         </p:txBody>
       </p:sp>
+      <p:graphicFrame>
+        <p:nvGraphicFramePr>
+          <p:cNvPr id="4" name="Tableau 3">
+            <a:extLst>
+              <a:ext uri="{FF2B5EF4-FFF2-40B4-BE49-F238E27FC236}">
+                <a16:creationId xmlns:a16="http://schemas.microsoft.com/office/drawing/2014/main" id="{BFF3C864-05F7-46D3-A05B-1444F7FEE2E3}"/>
+              </a:ext>
+            </a:extLst>
+          </p:cNvPr>
+          <p:cNvGraphicFramePr>
+            <a:graphicFrameLocks noGrp="1"/>
+          </p:cNvGraphicFramePr>
+          <p:nvPr>
+            <p:extLst>
+              <p:ext uri="{D42A27DB-BD31-4B8C-83A1-F6EECF244321}">
+                <p14:modId xmlns:p14="http://schemas.microsoft.com/office/powerpoint/2010/main" val="344141836"/>
+              </p:ext>
+            </p:extLst>
+          </p:nvPr>
+        </p:nvGraphicFramePr>
+        <p:xfrm>
+          <a:off x="10128448" y="2564904"/>
+          <a:ext cx="1677098" cy="2595880"/>
+        </p:xfrm>
+        <a:graphic>
+          <a:graphicData uri="http://schemas.openxmlformats.org/drawingml/2006/table">
+            <a:tbl>
+              <a:tblPr bandRow="1">
+                <a:tableStyleId>{5C22544A-7EE6-4342-B048-85BDC9FD1C3A}</a:tableStyleId>
+              </a:tblPr>
+              <a:tblGrid>
+                <a:gridCol w="1677098">
+                  <a:extLst>
+                    <a:ext uri="{9D8B030D-6E8A-4147-A177-3AD203B41FA5}">
+                      <a16:colId xmlns:a16="http://schemas.microsoft.com/office/drawing/2014/main" val="3969566322"/>
+                    </a:ext>
+                  </a:extLst>
+                </a:gridCol>
+              </a:tblGrid>
+              <a:tr h="370840">
+                <a:tc>
+                  <a:txBody>
+                    <a:bodyPr/>
+                    <a:lstStyle/>
+                    <a:p>
+                      <a:r>
+                        <a:rPr lang="fr-FR" dirty="0"/>
+                        <a:t>[0]</a:t>
+                      </a:r>
+                    </a:p>
+                  </a:txBody>
+                  <a:tcPr/>
+                </a:tc>
+                <a:extLst>
+                  <a:ext uri="{0D108BD9-81ED-4DB2-BD59-A6C34878D82A}">
+                    <a16:rowId xmlns:a16="http://schemas.microsoft.com/office/drawing/2014/main" val="4151460665"/>
+                  </a:ext>
+                </a:extLst>
+              </a:tr>
+              <a:tr h="370840">
+                <a:tc>
+                  <a:txBody>
+                    <a:bodyPr/>
+                    <a:lstStyle/>
+                    <a:p>
+                      <a:r>
+                        <a:rPr lang="fr-FR" dirty="0"/>
+                        <a:t>[1,2,4,5,6,9,13]</a:t>
+                      </a:r>
+                    </a:p>
+                  </a:txBody>
+                  <a:tcPr/>
+                </a:tc>
+                <a:extLst>
+                  <a:ext uri="{0D108BD9-81ED-4DB2-BD59-A6C34878D82A}">
+                    <a16:rowId xmlns:a16="http://schemas.microsoft.com/office/drawing/2014/main" val="821332966"/>
+                  </a:ext>
+                </a:extLst>
+              </a:tr>
+              <a:tr h="370840">
+                <a:tc>
+                  <a:txBody>
+                    <a:bodyPr/>
+                    <a:lstStyle/>
+                    <a:p>
+                      <a:r>
+                        <a:rPr lang="fr-FR" dirty="0"/>
+                        <a:t>[3,2,4,5,6,9,13]</a:t>
+                      </a:r>
+                    </a:p>
+                  </a:txBody>
+                  <a:tcPr/>
+                </a:tc>
+                <a:extLst>
+                  <a:ext uri="{0D108BD9-81ED-4DB2-BD59-A6C34878D82A}">
+                    <a16:rowId xmlns:a16="http://schemas.microsoft.com/office/drawing/2014/main" val="885916663"/>
+                  </a:ext>
+                </a:extLst>
+              </a:tr>
+              <a:tr h="370840">
+                <a:tc>
+                  <a:txBody>
+                    <a:bodyPr/>
+                    <a:lstStyle/>
+                    <a:p>
+                      <a:r>
+                        <a:rPr lang="fr-FR" dirty="0"/>
+                        <a:t>[7]</a:t>
+                      </a:r>
+                    </a:p>
+                  </a:txBody>
+                  <a:tcPr/>
+                </a:tc>
+                <a:extLst>
+                  <a:ext uri="{0D108BD9-81ED-4DB2-BD59-A6C34878D82A}">
+                    <a16:rowId xmlns:a16="http://schemas.microsoft.com/office/drawing/2014/main" val="3146128130"/>
+                  </a:ext>
+                </a:extLst>
+              </a:tr>
+              <a:tr h="370840">
+                <a:tc>
+                  <a:txBody>
+                    <a:bodyPr/>
+                    <a:lstStyle/>
+                    <a:p>
+                      <a:r>
+                        <a:rPr lang="fr-FR" dirty="0"/>
+                        <a:t>[8,5,6,9,12,13]</a:t>
+                      </a:r>
+                    </a:p>
+                  </a:txBody>
+                  <a:tcPr/>
+                </a:tc>
+                <a:extLst>
+                  <a:ext uri="{0D108BD9-81ED-4DB2-BD59-A6C34878D82A}">
+                    <a16:rowId xmlns:a16="http://schemas.microsoft.com/office/drawing/2014/main" val="4001438799"/>
+                  </a:ext>
+                </a:extLst>
+              </a:tr>
+              <a:tr h="370840">
+                <a:tc>
+                  <a:txBody>
+                    <a:bodyPr/>
+                    <a:lstStyle/>
+                    <a:p>
+                      <a:r>
+                        <a:rPr lang="fr-FR" dirty="0"/>
+                        <a:t>[10]</a:t>
+                      </a:r>
+                    </a:p>
+                  </a:txBody>
+                  <a:tcPr/>
+                </a:tc>
+                <a:extLst>
+                  <a:ext uri="{0D108BD9-81ED-4DB2-BD59-A6C34878D82A}">
+                    <a16:rowId xmlns:a16="http://schemas.microsoft.com/office/drawing/2014/main" val="220032919"/>
+                  </a:ext>
+                </a:extLst>
+              </a:tr>
+              <a:tr h="370840">
+                <a:tc>
+                  <a:txBody>
+                    <a:bodyPr/>
+                    <a:lstStyle/>
+                    <a:p>
+                      <a:r>
+                        <a:rPr lang="fr-FR" dirty="0"/>
+                        <a:t>[11,5,6,9,12,13]</a:t>
+                      </a:r>
+                    </a:p>
+                  </a:txBody>
+                  <a:tcPr/>
+                </a:tc>
+                <a:extLst>
+                  <a:ext uri="{0D108BD9-81ED-4DB2-BD59-A6C34878D82A}">
+                    <a16:rowId xmlns:a16="http://schemas.microsoft.com/office/drawing/2014/main" val="3928912232"/>
+                  </a:ext>
+                </a:extLst>
+              </a:tr>
+            </a:tbl>
+          </a:graphicData>
+        </a:graphic>
+      </p:graphicFrame>
+      <p:cxnSp>
+        <p:nvCxnSpPr>
+          <p:cNvPr id="9" name="Connecteur droit avec flèche 8">
+            <a:extLst>
+              <a:ext uri="{FF2B5EF4-FFF2-40B4-BE49-F238E27FC236}">
+                <a16:creationId xmlns:a16="http://schemas.microsoft.com/office/drawing/2014/main" id="{50EE1A82-1D72-4A6B-932B-E468667022C6}"/>
+              </a:ext>
+            </a:extLst>
+          </p:cNvPr>
+          <p:cNvCxnSpPr>
+            <a:cxnSpLocks/>
+          </p:cNvCxnSpPr>
+          <p:nvPr/>
+        </p:nvCxnSpPr>
+        <p:spPr>
+          <a:xfrm>
+            <a:off x="9279214" y="3952302"/>
+            <a:ext cx="1008112" cy="1008112"/>
+          </a:xfrm>
+          <a:prstGeom prst="straightConnector1">
+            <a:avLst/>
+          </a:prstGeom>
+          <a:ln>
+            <a:tailEnd type="triangle"/>
+          </a:ln>
+        </p:spPr>
+        <p:style>
+          <a:lnRef idx="1">
+            <a:schemeClr val="accent5"/>
+          </a:lnRef>
+          <a:fillRef idx="0">
+            <a:schemeClr val="accent5"/>
+          </a:fillRef>
+          <a:effectRef idx="0">
+            <a:schemeClr val="accent5"/>
+          </a:effectRef>
+          <a:fontRef idx="minor">
+            <a:schemeClr val="tx1"/>
+          </a:fontRef>
+        </p:style>
+      </p:cxnSp>
     </p:spTree>
     <p:extLst>
       <p:ext uri="{BB962C8B-B14F-4D97-AF65-F5344CB8AC3E}">
@@ -7119,6 +9715,365 @@
   <p:clrMapOvr>
     <a:masterClrMapping/>
   </p:clrMapOvr>
+  <mc:AlternateContent xmlns:mc="http://schemas.openxmlformats.org/markup-compatibility/2006">
+    <mc:Choice xmlns:p14="http://schemas.microsoft.com/office/powerpoint/2010/main" Requires="p14">
+      <p:transition spd="slow">
+        <p14:pan dir="u"/>
+      </p:transition>
+    </mc:Choice>
+    <mc:Fallback>
+      <p:transition spd="slow">
+        <p:fade/>
+      </p:transition>
+    </mc:Fallback>
+  </mc:AlternateContent>
+  <p:timing>
+    <p:tnLst>
+      <p:par>
+        <p:cTn id="1" dur="indefinite" restart="never" nodeType="tmRoot">
+          <p:childTnLst>
+            <p:seq concurrent="1" nextAc="seek">
+              <p:cTn id="2" dur="indefinite" nodeType="mainSeq">
+                <p:childTnLst>
+                  <p:par>
+                    <p:cTn id="3" fill="hold">
+                      <p:stCondLst>
+                        <p:cond delay="indefinite"/>
+                        <p:cond evt="onBegin" delay="0">
+                          <p:tn val="2"/>
+                        </p:cond>
+                      </p:stCondLst>
+                      <p:childTnLst>
+                        <p:par>
+                          <p:cTn id="4" fill="hold">
+                            <p:stCondLst>
+                              <p:cond delay="0"/>
+                            </p:stCondLst>
+                            <p:childTnLst>
+                              <p:par>
+                                <p:cTn id="5" presetID="10" presetClass="entr" presetSubtype="0" fill="hold" nodeType="withEffect">
+                                  <p:stCondLst>
+                                    <p:cond delay="0"/>
+                                  </p:stCondLst>
+                                  <p:childTnLst>
+                                    <p:set>
+                                      <p:cBhvr>
+                                        <p:cTn id="6" dur="1" fill="hold">
+                                          <p:stCondLst>
+                                            <p:cond delay="0"/>
+                                          </p:stCondLst>
+                                        </p:cTn>
+                                        <p:tgtEl>
+                                          <p:spTgt spid="6"/>
+                                        </p:tgtEl>
+                                        <p:attrNameLst>
+                                          <p:attrName>style.visibility</p:attrName>
+                                        </p:attrNameLst>
+                                      </p:cBhvr>
+                                      <p:to>
+                                        <p:strVal val="visible"/>
+                                      </p:to>
+                                    </p:set>
+                                    <p:animEffect transition="in" filter="fade">
+                                      <p:cBhvr>
+                                        <p:cTn id="7" dur="500"/>
+                                        <p:tgtEl>
+                                          <p:spTgt spid="6"/>
+                                        </p:tgtEl>
+                                      </p:cBhvr>
+                                    </p:animEffect>
+                                  </p:childTnLst>
+                                </p:cTn>
+                              </p:par>
+                            </p:childTnLst>
+                          </p:cTn>
+                        </p:par>
+                      </p:childTnLst>
+                    </p:cTn>
+                  </p:par>
+                  <p:par>
+                    <p:cTn id="8" fill="hold">
+                      <p:stCondLst>
+                        <p:cond delay="indefinite"/>
+                      </p:stCondLst>
+                      <p:childTnLst>
+                        <p:par>
+                          <p:cTn id="9" fill="hold">
+                            <p:stCondLst>
+                              <p:cond delay="0"/>
+                            </p:stCondLst>
+                            <p:childTnLst>
+                              <p:par>
+                                <p:cTn id="10" presetID="10" presetClass="entr" presetSubtype="0" fill="hold" grpId="0" nodeType="clickEffect">
+                                  <p:stCondLst>
+                                    <p:cond delay="0"/>
+                                  </p:stCondLst>
+                                  <p:childTnLst>
+                                    <p:set>
+                                      <p:cBhvr>
+                                        <p:cTn id="11" dur="1" fill="hold">
+                                          <p:stCondLst>
+                                            <p:cond delay="0"/>
+                                          </p:stCondLst>
+                                        </p:cTn>
+                                        <p:tgtEl>
+                                          <p:spTgt spid="7"/>
+                                        </p:tgtEl>
+                                        <p:attrNameLst>
+                                          <p:attrName>style.visibility</p:attrName>
+                                        </p:attrNameLst>
+                                      </p:cBhvr>
+                                      <p:to>
+                                        <p:strVal val="visible"/>
+                                      </p:to>
+                                    </p:set>
+                                    <p:animEffect transition="in" filter="fade">
+                                      <p:cBhvr>
+                                        <p:cTn id="12" dur="500"/>
+                                        <p:tgtEl>
+                                          <p:spTgt spid="7"/>
+                                        </p:tgtEl>
+                                      </p:cBhvr>
+                                    </p:animEffect>
+                                  </p:childTnLst>
+                                </p:cTn>
+                              </p:par>
+                              <p:par>
+                                <p:cTn id="13" presetID="10" presetClass="entr" presetSubtype="0" fill="hold" nodeType="withEffect">
+                                  <p:stCondLst>
+                                    <p:cond delay="0"/>
+                                  </p:stCondLst>
+                                  <p:childTnLst>
+                                    <p:set>
+                                      <p:cBhvr>
+                                        <p:cTn id="14" dur="1" fill="hold">
+                                          <p:stCondLst>
+                                            <p:cond delay="0"/>
+                                          </p:stCondLst>
+                                        </p:cTn>
+                                        <p:tgtEl>
+                                          <p:spTgt spid="4"/>
+                                        </p:tgtEl>
+                                        <p:attrNameLst>
+                                          <p:attrName>style.visibility</p:attrName>
+                                        </p:attrNameLst>
+                                      </p:cBhvr>
+                                      <p:to>
+                                        <p:strVal val="visible"/>
+                                      </p:to>
+                                    </p:set>
+                                    <p:animEffect transition="in" filter="fade">
+                                      <p:cBhvr>
+                                        <p:cTn id="15" dur="500"/>
+                                        <p:tgtEl>
+                                          <p:spTgt spid="4"/>
+                                        </p:tgtEl>
+                                      </p:cBhvr>
+                                    </p:animEffect>
+                                  </p:childTnLst>
+                                </p:cTn>
+                              </p:par>
+                            </p:childTnLst>
+                          </p:cTn>
+                        </p:par>
+                        <p:par>
+                          <p:cTn id="16" fill="hold">
+                            <p:stCondLst>
+                              <p:cond delay="500"/>
+                            </p:stCondLst>
+                            <p:childTnLst>
+                              <p:par>
+                                <p:cTn id="17" presetID="10" presetClass="entr" presetSubtype="0" fill="hold" grpId="0" nodeType="afterEffect">
+                                  <p:stCondLst>
+                                    <p:cond delay="0"/>
+                                  </p:stCondLst>
+                                  <p:childTnLst>
+                                    <p:set>
+                                      <p:cBhvr>
+                                        <p:cTn id="18" dur="1" fill="hold">
+                                          <p:stCondLst>
+                                            <p:cond delay="0"/>
+                                          </p:stCondLst>
+                                        </p:cTn>
+                                        <p:tgtEl>
+                                          <p:spTgt spid="10"/>
+                                        </p:tgtEl>
+                                        <p:attrNameLst>
+                                          <p:attrName>style.visibility</p:attrName>
+                                        </p:attrNameLst>
+                                      </p:cBhvr>
+                                      <p:to>
+                                        <p:strVal val="visible"/>
+                                      </p:to>
+                                    </p:set>
+                                    <p:animEffect transition="in" filter="fade">
+                                      <p:cBhvr>
+                                        <p:cTn id="19" dur="500"/>
+                                        <p:tgtEl>
+                                          <p:spTgt spid="10"/>
+                                        </p:tgtEl>
+                                      </p:cBhvr>
+                                    </p:animEffect>
+                                  </p:childTnLst>
+                                </p:cTn>
+                              </p:par>
+                              <p:par>
+                                <p:cTn id="20" presetID="10" presetClass="entr" presetSubtype="0" fill="hold" nodeType="withEffect">
+                                  <p:stCondLst>
+                                    <p:cond delay="0"/>
+                                  </p:stCondLst>
+                                  <p:childTnLst>
+                                    <p:set>
+                                      <p:cBhvr>
+                                        <p:cTn id="21" dur="1" fill="hold">
+                                          <p:stCondLst>
+                                            <p:cond delay="0"/>
+                                          </p:stCondLst>
+                                        </p:cTn>
+                                        <p:tgtEl>
+                                          <p:spTgt spid="9"/>
+                                        </p:tgtEl>
+                                        <p:attrNameLst>
+                                          <p:attrName>style.visibility</p:attrName>
+                                        </p:attrNameLst>
+                                      </p:cBhvr>
+                                      <p:to>
+                                        <p:strVal val="visible"/>
+                                      </p:to>
+                                    </p:set>
+                                    <p:animEffect transition="in" filter="fade">
+                                      <p:cBhvr>
+                                        <p:cTn id="22" dur="500"/>
+                                        <p:tgtEl>
+                                          <p:spTgt spid="9"/>
+                                        </p:tgtEl>
+                                      </p:cBhvr>
+                                    </p:animEffect>
+                                  </p:childTnLst>
+                                </p:cTn>
+                              </p:par>
+                            </p:childTnLst>
+                          </p:cTn>
+                        </p:par>
+                      </p:childTnLst>
+                    </p:cTn>
+                  </p:par>
+                  <p:par>
+                    <p:cTn id="23" fill="hold">
+                      <p:stCondLst>
+                        <p:cond delay="indefinite"/>
+                      </p:stCondLst>
+                      <p:childTnLst>
+                        <p:par>
+                          <p:cTn id="24" fill="hold">
+                            <p:stCondLst>
+                              <p:cond delay="0"/>
+                            </p:stCondLst>
+                            <p:childTnLst>
+                              <p:par>
+                                <p:cTn id="25" presetID="10" presetClass="entr" presetSubtype="0" fill="hold" grpId="0" nodeType="clickEffect">
+                                  <p:stCondLst>
+                                    <p:cond delay="0"/>
+                                  </p:stCondLst>
+                                  <p:childTnLst>
+                                    <p:set>
+                                      <p:cBhvr>
+                                        <p:cTn id="26" dur="1" fill="hold">
+                                          <p:stCondLst>
+                                            <p:cond delay="0"/>
+                                          </p:stCondLst>
+                                        </p:cTn>
+                                        <p:tgtEl>
+                                          <p:spTgt spid="13"/>
+                                        </p:tgtEl>
+                                        <p:attrNameLst>
+                                          <p:attrName>style.visibility</p:attrName>
+                                        </p:attrNameLst>
+                                      </p:cBhvr>
+                                      <p:to>
+                                        <p:strVal val="visible"/>
+                                      </p:to>
+                                    </p:set>
+                                    <p:animEffect transition="in" filter="fade">
+                                      <p:cBhvr>
+                                        <p:cTn id="27" dur="500"/>
+                                        <p:tgtEl>
+                                          <p:spTgt spid="13"/>
+                                        </p:tgtEl>
+                                      </p:cBhvr>
+                                    </p:animEffect>
+                                  </p:childTnLst>
+                                </p:cTn>
+                              </p:par>
+                              <p:par>
+                                <p:cTn id="28" presetID="10" presetClass="entr" presetSubtype="0" fill="hold" grpId="0" nodeType="withEffect">
+                                  <p:stCondLst>
+                                    <p:cond delay="0"/>
+                                  </p:stCondLst>
+                                  <p:childTnLst>
+                                    <p:set>
+                                      <p:cBhvr>
+                                        <p:cTn id="29" dur="1" fill="hold">
+                                          <p:stCondLst>
+                                            <p:cond delay="0"/>
+                                          </p:stCondLst>
+                                        </p:cTn>
+                                        <p:tgtEl>
+                                          <p:spTgt spid="12"/>
+                                        </p:tgtEl>
+                                        <p:attrNameLst>
+                                          <p:attrName>style.visibility</p:attrName>
+                                        </p:attrNameLst>
+                                      </p:cBhvr>
+                                      <p:to>
+                                        <p:strVal val="visible"/>
+                                      </p:to>
+                                    </p:set>
+                                    <p:animEffect transition="in" filter="fade">
+                                      <p:cBhvr>
+                                        <p:cTn id="30" dur="500"/>
+                                        <p:tgtEl>
+                                          <p:spTgt spid="12"/>
+                                        </p:tgtEl>
+                                      </p:cBhvr>
+                                    </p:animEffect>
+                                  </p:childTnLst>
+                                </p:cTn>
+                              </p:par>
+                            </p:childTnLst>
+                          </p:cTn>
+                        </p:par>
+                      </p:childTnLst>
+                    </p:cTn>
+                  </p:par>
+                </p:childTnLst>
+              </p:cTn>
+              <p:prevCondLst>
+                <p:cond evt="onPrev" delay="0">
+                  <p:tgtEl>
+                    <p:sldTgt/>
+                  </p:tgtEl>
+                </p:cond>
+              </p:prevCondLst>
+              <p:nextCondLst>
+                <p:cond evt="onNext" delay="0">
+                  <p:tgtEl>
+                    <p:sldTgt/>
+                  </p:tgtEl>
+                </p:cond>
+              </p:nextCondLst>
+            </p:seq>
+          </p:childTnLst>
+        </p:cTn>
+      </p:par>
+    </p:tnLst>
+    <p:bldLst>
+      <p:bldP spid="7" grpId="0"/>
+      <p:bldP spid="10" grpId="0"/>
+      <p:bldP spid="12" grpId="0" animBg="1"/>
+      <p:bldP spid="13" grpId="0"/>
+    </p:bldLst>
+  </p:timing>
 </p:sld>
 </file>
 
@@ -7163,12 +10118,363 @@
           </a:p>
         </p:txBody>
       </p:sp>
+      <p:pic>
+        <p:nvPicPr>
+          <p:cNvPr id="5" name="Image 4">
+            <a:extLst>
+              <a:ext uri="{FF2B5EF4-FFF2-40B4-BE49-F238E27FC236}">
+                <a16:creationId xmlns:a16="http://schemas.microsoft.com/office/drawing/2014/main" id="{E2549CAC-31E7-4897-B49C-E6562ED60489}"/>
+              </a:ext>
+            </a:extLst>
+          </p:cNvPr>
+          <p:cNvPicPr>
+            <a:picLocks noChangeAspect="1"/>
+          </p:cNvPicPr>
+          <p:nvPr/>
+        </p:nvPicPr>
+        <p:blipFill rotWithShape="1">
+          <a:blip r:embed="rId2">
+            <a:extLst>
+              <a:ext uri="{28A0092B-C50C-407E-A947-70E740481C1C}">
+                <a14:useLocalDpi xmlns:a14="http://schemas.microsoft.com/office/drawing/2010/main" val="0"/>
+              </a:ext>
+            </a:extLst>
+          </a:blip>
+          <a:srcRect r="30624" b="46022"/>
+          <a:stretch>
+            <a:fillRect/>
+          </a:stretch>
+        </p:blipFill>
+        <p:spPr>
+          <a:xfrm>
+            <a:off x="563764" y="2164296"/>
+            <a:ext cx="7386744" cy="3672408"/>
+          </a:xfrm>
+          <a:prstGeom prst="rect">
+            <a:avLst/>
+          </a:prstGeom>
+          <a:solidFill>
+            <a:srgbClr val="FFFFFF">
+              <a:shade val="85000"/>
+            </a:srgbClr>
+          </a:solidFill>
+          <a:ln w="88900" cap="sq">
+            <a:solidFill>
+              <a:schemeClr val="accent1"/>
+            </a:solidFill>
+            <a:miter lim="800000"/>
+          </a:ln>
+          <a:effectLst>
+            <a:outerShdw blurRad="55000" dist="18000" dir="5400000" algn="tl" rotWithShape="0">
+              <a:srgbClr val="000000">
+                <a:alpha val="40000"/>
+              </a:srgbClr>
+            </a:outerShdw>
+          </a:effectLst>
+        </p:spPr>
+      </p:pic>
+      <p:pic>
+        <p:nvPicPr>
+          <p:cNvPr id="6" name="Image 5">
+            <a:extLst>
+              <a:ext uri="{FF2B5EF4-FFF2-40B4-BE49-F238E27FC236}">
+                <a16:creationId xmlns:a16="http://schemas.microsoft.com/office/drawing/2014/main" id="{557A8B96-BE41-43FB-915C-E97A999111F1}"/>
+              </a:ext>
+            </a:extLst>
+          </p:cNvPr>
+          <p:cNvPicPr>
+            <a:picLocks noChangeAspect="1"/>
+          </p:cNvPicPr>
+          <p:nvPr/>
+        </p:nvPicPr>
+        <p:blipFill rotWithShape="1">
+          <a:blip r:embed="rId3"/>
+          <a:srcRect l="-1129"/>
+          <a:stretch/>
+        </p:blipFill>
+        <p:spPr>
+          <a:xfrm>
+            <a:off x="8760296" y="295561"/>
+            <a:ext cx="2867940" cy="6105239"/>
+          </a:xfrm>
+          <a:prstGeom prst="rect">
+            <a:avLst/>
+          </a:prstGeom>
+        </p:spPr>
+      </p:pic>
+    </p:spTree>
+    <p:extLst>
+      <p:ext uri="{BB962C8B-B14F-4D97-AF65-F5344CB8AC3E}">
+        <p14:creationId xmlns:p14="http://schemas.microsoft.com/office/powerpoint/2010/main" val="1153027685"/>
+      </p:ext>
+    </p:extLst>
+  </p:cSld>
+  <p:clrMapOvr>
+    <a:masterClrMapping/>
+  </p:clrMapOvr>
+  <mc:AlternateContent xmlns:mc="http://schemas.openxmlformats.org/markup-compatibility/2006">
+    <mc:Choice xmlns:p14="http://schemas.microsoft.com/office/powerpoint/2010/main" Requires="p14">
+      <p:transition spd="slow">
+        <p14:pan dir="u"/>
+      </p:transition>
+    </mc:Choice>
+    <mc:Fallback>
+      <p:transition spd="slow">
+        <p:fade/>
+      </p:transition>
+    </mc:Fallback>
+  </mc:AlternateContent>
+  <p:timing>
+    <p:tnLst>
+      <p:par>
+        <p:cTn id="1" dur="indefinite" restart="never" nodeType="tmRoot">
+          <p:childTnLst>
+            <p:seq concurrent="1" nextAc="seek">
+              <p:cTn id="2" dur="indefinite" nodeType="mainSeq">
+                <p:childTnLst>
+                  <p:par>
+                    <p:cTn id="3" fill="hold">
+                      <p:stCondLst>
+                        <p:cond delay="indefinite"/>
+                        <p:cond evt="onBegin" delay="0">
+                          <p:tn val="2"/>
+                        </p:cond>
+                      </p:stCondLst>
+                      <p:childTnLst>
+                        <p:par>
+                          <p:cTn id="4" fill="hold">
+                            <p:stCondLst>
+                              <p:cond delay="0"/>
+                            </p:stCondLst>
+                            <p:childTnLst>
+                              <p:par>
+                                <p:cTn id="5" presetID="10" presetClass="entr" presetSubtype="0" fill="hold" nodeType="withEffect">
+                                  <p:stCondLst>
+                                    <p:cond delay="0"/>
+                                  </p:stCondLst>
+                                  <p:childTnLst>
+                                    <p:set>
+                                      <p:cBhvr>
+                                        <p:cTn id="6" dur="1" fill="hold">
+                                          <p:stCondLst>
+                                            <p:cond delay="0"/>
+                                          </p:stCondLst>
+                                        </p:cTn>
+                                        <p:tgtEl>
+                                          <p:spTgt spid="5"/>
+                                        </p:tgtEl>
+                                        <p:attrNameLst>
+                                          <p:attrName>style.visibility</p:attrName>
+                                        </p:attrNameLst>
+                                      </p:cBhvr>
+                                      <p:to>
+                                        <p:strVal val="visible"/>
+                                      </p:to>
+                                    </p:set>
+                                    <p:animEffect transition="in" filter="fade">
+                                      <p:cBhvr>
+                                        <p:cTn id="7" dur="500"/>
+                                        <p:tgtEl>
+                                          <p:spTgt spid="5"/>
+                                        </p:tgtEl>
+                                      </p:cBhvr>
+                                    </p:animEffect>
+                                  </p:childTnLst>
+                                </p:cTn>
+                              </p:par>
+                            </p:childTnLst>
+                          </p:cTn>
+                        </p:par>
+                      </p:childTnLst>
+                    </p:cTn>
+                  </p:par>
+                  <p:par>
+                    <p:cTn id="8" fill="hold">
+                      <p:stCondLst>
+                        <p:cond delay="indefinite"/>
+                      </p:stCondLst>
+                      <p:childTnLst>
+                        <p:par>
+                          <p:cTn id="9" fill="hold">
+                            <p:stCondLst>
+                              <p:cond delay="0"/>
+                            </p:stCondLst>
+                            <p:childTnLst>
+                              <p:par>
+                                <p:cTn id="10" presetID="10" presetClass="entr" presetSubtype="0" fill="hold" nodeType="clickEffect">
+                                  <p:stCondLst>
+                                    <p:cond delay="0"/>
+                                  </p:stCondLst>
+                                  <p:childTnLst>
+                                    <p:set>
+                                      <p:cBhvr>
+                                        <p:cTn id="11" dur="1" fill="hold">
+                                          <p:stCondLst>
+                                            <p:cond delay="0"/>
+                                          </p:stCondLst>
+                                        </p:cTn>
+                                        <p:tgtEl>
+                                          <p:spTgt spid="6"/>
+                                        </p:tgtEl>
+                                        <p:attrNameLst>
+                                          <p:attrName>style.visibility</p:attrName>
+                                        </p:attrNameLst>
+                                      </p:cBhvr>
+                                      <p:to>
+                                        <p:strVal val="visible"/>
+                                      </p:to>
+                                    </p:set>
+                                    <p:animEffect transition="in" filter="fade">
+                                      <p:cBhvr>
+                                        <p:cTn id="12" dur="500"/>
+                                        <p:tgtEl>
+                                          <p:spTgt spid="6"/>
+                                        </p:tgtEl>
+                                      </p:cBhvr>
+                                    </p:animEffect>
+                                  </p:childTnLst>
+                                </p:cTn>
+                              </p:par>
+                            </p:childTnLst>
+                          </p:cTn>
+                        </p:par>
+                      </p:childTnLst>
+                    </p:cTn>
+                  </p:par>
+                </p:childTnLst>
+              </p:cTn>
+              <p:prevCondLst>
+                <p:cond evt="onPrev" delay="0">
+                  <p:tgtEl>
+                    <p:sldTgt/>
+                  </p:tgtEl>
+                </p:cond>
+              </p:prevCondLst>
+              <p:nextCondLst>
+                <p:cond evt="onNext" delay="0">
+                  <p:tgtEl>
+                    <p:sldTgt/>
+                  </p:tgtEl>
+                </p:cond>
+              </p:nextCondLst>
+            </p:seq>
+          </p:childTnLst>
+        </p:cTn>
+      </p:par>
+    </p:tnLst>
+  </p:timing>
+</p:sld>
+</file>
+
+<file path=ppt/slides/slide8.xml><?xml version="1.0" encoding="utf-8"?>
+<p:sld xmlns:a="http://schemas.openxmlformats.org/drawingml/2006/main" xmlns:r="http://schemas.openxmlformats.org/officeDocument/2006/relationships" xmlns:p="http://schemas.openxmlformats.org/presentationml/2006/main">
+  <p:cSld>
+    <p:spTree>
+      <p:nvGrpSpPr>
+        <p:cNvPr id="1" name=""/>
+        <p:cNvGrpSpPr/>
+        <p:nvPr/>
+      </p:nvGrpSpPr>
+      <p:grpSpPr>
+        <a:xfrm>
+          <a:off x="0" y="0"/>
+          <a:ext cx="0" cy="0"/>
+          <a:chOff x="0" y="0"/>
+          <a:chExt cx="0" cy="0"/>
+        </a:xfrm>
+      </p:grpSpPr>
+      <p:sp>
+        <p:nvSpPr>
+          <p:cNvPr id="2" name="Titre 1">
+            <a:extLst>
+              <a:ext uri="{FF2B5EF4-FFF2-40B4-BE49-F238E27FC236}">
+                <a16:creationId xmlns:a16="http://schemas.microsoft.com/office/drawing/2014/main" id="{B1366E9A-7B88-4100-AEFD-9260C807C639}"/>
+              </a:ext>
+            </a:extLst>
+          </p:cNvPr>
+          <p:cNvSpPr>
+            <a:spLocks noGrp="1"/>
+          </p:cNvSpPr>
+          <p:nvPr>
+            <p:ph type="title"/>
+          </p:nvPr>
+        </p:nvSpPr>
+        <p:spPr/>
+        <p:txBody>
+          <a:bodyPr/>
+          <a:lstStyle/>
+          <a:p>
+            <a:r>
+              <a:rPr lang="fr-FR" dirty="0" err="1"/>
+              <a:t>Minimization</a:t>
+            </a:r>
+            <a:endParaRPr lang="fr-FR" dirty="0"/>
+          </a:p>
+        </p:txBody>
+      </p:sp>
+      <p:pic>
+        <p:nvPicPr>
+          <p:cNvPr id="4" name="Espace réservé du contenu 3">
+            <a:extLst>
+              <a:ext uri="{FF2B5EF4-FFF2-40B4-BE49-F238E27FC236}">
+                <a16:creationId xmlns:a16="http://schemas.microsoft.com/office/drawing/2014/main" id="{70384694-E08F-4A1C-A903-B6CF6B78DCD4}"/>
+              </a:ext>
+            </a:extLst>
+          </p:cNvPr>
+          <p:cNvPicPr>
+            <a:picLocks noGrp="1" noChangeAspect="1"/>
+          </p:cNvPicPr>
+          <p:nvPr>
+            <p:ph idx="1"/>
+          </p:nvPr>
+        </p:nvPicPr>
+        <p:blipFill rotWithShape="1">
+          <a:blip r:embed="rId2">
+            <a:extLst>
+              <a:ext uri="{28A0092B-C50C-407E-A947-70E740481C1C}">
+                <a14:useLocalDpi xmlns:a14="http://schemas.microsoft.com/office/drawing/2010/main" val="0"/>
+              </a:ext>
+            </a:extLst>
+          </a:blip>
+          <a:srcRect t="55077" b="166"/>
+          <a:stretch>
+            <a:fillRect/>
+          </a:stretch>
+        </p:blipFill>
+        <p:spPr>
+          <a:xfrm>
+            <a:off x="407368" y="2708920"/>
+            <a:ext cx="8280920" cy="2388436"/>
+          </a:xfrm>
+          <a:prstGeom prst="rect">
+            <a:avLst/>
+          </a:prstGeom>
+          <a:solidFill>
+            <a:srgbClr val="FFFFFF">
+              <a:shade val="85000"/>
+            </a:srgbClr>
+          </a:solidFill>
+          <a:ln w="88900" cap="sq">
+            <a:solidFill>
+              <a:schemeClr val="accent1"/>
+            </a:solidFill>
+            <a:miter lim="800000"/>
+          </a:ln>
+          <a:effectLst>
+            <a:outerShdw blurRad="55000" dist="18000" dir="5400000" algn="tl" rotWithShape="0">
+              <a:srgbClr val="000000">
+                <a:alpha val="40000"/>
+              </a:srgbClr>
+            </a:outerShdw>
+          </a:effectLst>
+        </p:spPr>
+      </p:pic>
       <p:graphicFrame>
         <p:nvGraphicFramePr>
-          <p:cNvPr id="4" name="Tableau 3">
+          <p:cNvPr id="5" name="Tableau 4">
             <a:extLst>
               <a:ext uri="{FF2B5EF4-FFF2-40B4-BE49-F238E27FC236}">
-                <a16:creationId xmlns:a16="http://schemas.microsoft.com/office/drawing/2014/main" id="{2C8F6D30-55C3-4FAF-B587-B42C11110D7F}"/>
+                <a16:creationId xmlns:a16="http://schemas.microsoft.com/office/drawing/2014/main" id="{463FF52B-1909-47C5-BEF7-C4E64EDE9596}"/>
               </a:ext>
             </a:extLst>
           </p:cNvPr>
@@ -7178,13 +10484,13 @@
           <p:nvPr>
             <p:extLst>
               <p:ext uri="{D42A27DB-BD31-4B8C-83A1-F6EECF244321}">
-                <p14:modId xmlns:p14="http://schemas.microsoft.com/office/powerpoint/2010/main" val="608636446"/>
+                <p14:modId xmlns:p14="http://schemas.microsoft.com/office/powerpoint/2010/main" val="4250559997"/>
               </p:ext>
             </p:extLst>
           </p:nvPr>
         </p:nvGraphicFramePr>
         <p:xfrm>
-          <a:off x="9051155" y="4365104"/>
+          <a:off x="9048328" y="4653136"/>
           <a:ext cx="2952327" cy="1851392"/>
         </p:xfrm>
         <a:graphic>
@@ -7501,72 +10807,12 @@
           </a:graphicData>
         </a:graphic>
       </p:graphicFrame>
-      <p:pic>
-        <p:nvPicPr>
-          <p:cNvPr id="5" name="Image 4">
+      <p:graphicFrame>
+        <p:nvGraphicFramePr>
+          <p:cNvPr id="6" name="Tableau 5">
             <a:extLst>
               <a:ext uri="{FF2B5EF4-FFF2-40B4-BE49-F238E27FC236}">
-                <a16:creationId xmlns:a16="http://schemas.microsoft.com/office/drawing/2014/main" id="{E2549CAC-31E7-4897-B49C-E6562ED60489}"/>
-              </a:ext>
-            </a:extLst>
-          </p:cNvPr>
-          <p:cNvPicPr>
-            <a:picLocks noChangeAspect="1"/>
-          </p:cNvPicPr>
-          <p:nvPr/>
-        </p:nvPicPr>
-        <p:blipFill>
-          <a:blip r:embed="rId2"/>
-          <a:stretch>
-            <a:fillRect/>
-          </a:stretch>
-        </p:blipFill>
-        <p:spPr>
-          <a:xfrm>
-            <a:off x="407368" y="2060848"/>
-            <a:ext cx="6025387" cy="3816424"/>
-          </a:xfrm>
-          <a:prstGeom prst="rect">
-            <a:avLst/>
-          </a:prstGeom>
-        </p:spPr>
-      </p:pic>
-      <p:pic>
-        <p:nvPicPr>
-          <p:cNvPr id="6" name="Image 5">
-            <a:extLst>
-              <a:ext uri="{FF2B5EF4-FFF2-40B4-BE49-F238E27FC236}">
-                <a16:creationId xmlns:a16="http://schemas.microsoft.com/office/drawing/2014/main" id="{557A8B96-BE41-43FB-915C-E97A999111F1}"/>
-              </a:ext>
-            </a:extLst>
-          </p:cNvPr>
-          <p:cNvPicPr>
-            <a:picLocks noChangeAspect="1"/>
-          </p:cNvPicPr>
-          <p:nvPr/>
-        </p:nvPicPr>
-        <p:blipFill>
-          <a:blip r:embed="rId3"/>
-          <a:stretch>
-            <a:fillRect/>
-          </a:stretch>
-        </p:blipFill>
-        <p:spPr>
-          <a:xfrm>
-            <a:off x="6648533" y="971005"/>
-            <a:ext cx="2136124" cy="4598699"/>
-          </a:xfrm>
-          <a:prstGeom prst="rect">
-            <a:avLst/>
-          </a:prstGeom>
-        </p:spPr>
-      </p:pic>
-      <p:graphicFrame>
-        <p:nvGraphicFramePr>
-          <p:cNvPr id="7" name="Tableau 6">
-            <a:extLst>
-              <a:ext uri="{FF2B5EF4-FFF2-40B4-BE49-F238E27FC236}">
-                <a16:creationId xmlns:a16="http://schemas.microsoft.com/office/drawing/2014/main" id="{F58F79FB-5AC4-4A76-9B9B-EAF982994180}"/>
+                <a16:creationId xmlns:a16="http://schemas.microsoft.com/office/drawing/2014/main" id="{D3A576FD-DDC7-4478-9095-104502B1783B}"/>
               </a:ext>
             </a:extLst>
           </p:cNvPr>
@@ -7576,13 +10822,13 @@
           <p:nvPr>
             <p:extLst>
               <p:ext uri="{D42A27DB-BD31-4B8C-83A1-F6EECF244321}">
-                <p14:modId xmlns:p14="http://schemas.microsoft.com/office/powerpoint/2010/main" val="936204760"/>
+                <p14:modId xmlns:p14="http://schemas.microsoft.com/office/powerpoint/2010/main" val="1213399968"/>
               </p:ext>
             </p:extLst>
           </p:nvPr>
         </p:nvGraphicFramePr>
         <p:xfrm>
-          <a:off x="9051155" y="332656"/>
+          <a:off x="9048328" y="620688"/>
           <a:ext cx="2901607" cy="2595880"/>
         </p:xfrm>
         <a:graphic>
@@ -8010,10 +11256,10 @@
       </p:graphicFrame>
       <p:sp>
         <p:nvSpPr>
-          <p:cNvPr id="8" name="Flèche : bas 7">
+          <p:cNvPr id="7" name="Flèche : bas 6">
             <a:extLst>
               <a:ext uri="{FF2B5EF4-FFF2-40B4-BE49-F238E27FC236}">
-                <a16:creationId xmlns:a16="http://schemas.microsoft.com/office/drawing/2014/main" id="{0B052D49-F934-4506-B34C-0DB020D92129}"/>
+                <a16:creationId xmlns:a16="http://schemas.microsoft.com/office/drawing/2014/main" id="{888FA589-607C-412A-B140-A51CDB223E61}"/>
               </a:ext>
             </a:extLst>
           </p:cNvPr>
@@ -8022,7 +11268,7 @@
         </p:nvSpPr>
         <p:spPr>
           <a:xfrm>
-            <a:off x="10141918" y="3270354"/>
+            <a:off x="10139091" y="3558386"/>
             <a:ext cx="720080" cy="878726"/>
           </a:xfrm>
           <a:prstGeom prst="downArrow">
@@ -8057,17 +11303,259 @@
     </p:spTree>
     <p:extLst>
       <p:ext uri="{BB962C8B-B14F-4D97-AF65-F5344CB8AC3E}">
-        <p14:creationId xmlns:p14="http://schemas.microsoft.com/office/powerpoint/2010/main" val="1153027685"/>
+        <p14:creationId xmlns:p14="http://schemas.microsoft.com/office/powerpoint/2010/main" val="3995114733"/>
       </p:ext>
     </p:extLst>
   </p:cSld>
   <p:clrMapOvr>
     <a:masterClrMapping/>
   </p:clrMapOvr>
+  <mc:AlternateContent xmlns:mc="http://schemas.openxmlformats.org/markup-compatibility/2006">
+    <mc:Choice xmlns:p14="http://schemas.microsoft.com/office/powerpoint/2010/main" Requires="p14">
+      <p:transition spd="slow">
+        <p14:pan dir="u"/>
+      </p:transition>
+    </mc:Choice>
+    <mc:Fallback>
+      <p:transition spd="slow">
+        <p:fade/>
+      </p:transition>
+    </mc:Fallback>
+  </mc:AlternateContent>
+  <p:timing>
+    <p:tnLst>
+      <p:par>
+        <p:cTn id="1" dur="indefinite" restart="never" nodeType="tmRoot">
+          <p:childTnLst>
+            <p:seq concurrent="1" nextAc="seek">
+              <p:cTn id="2" dur="indefinite" nodeType="mainSeq">
+                <p:childTnLst>
+                  <p:par>
+                    <p:cTn id="3" fill="hold">
+                      <p:stCondLst>
+                        <p:cond delay="indefinite"/>
+                        <p:cond evt="onBegin" delay="0">
+                          <p:tn val="2"/>
+                        </p:cond>
+                      </p:stCondLst>
+                      <p:childTnLst>
+                        <p:par>
+                          <p:cTn id="4" fill="hold">
+                            <p:stCondLst>
+                              <p:cond delay="0"/>
+                            </p:stCondLst>
+                            <p:childTnLst>
+                              <p:par>
+                                <p:cTn id="5" presetID="10" presetClass="entr" presetSubtype="0" fill="hold" nodeType="withEffect">
+                                  <p:stCondLst>
+                                    <p:cond delay="0"/>
+                                  </p:stCondLst>
+                                  <p:childTnLst>
+                                    <p:set>
+                                      <p:cBhvr>
+                                        <p:cTn id="6" dur="1" fill="hold">
+                                          <p:stCondLst>
+                                            <p:cond delay="0"/>
+                                          </p:stCondLst>
+                                        </p:cTn>
+                                        <p:tgtEl>
+                                          <p:spTgt spid="4"/>
+                                        </p:tgtEl>
+                                        <p:attrNameLst>
+                                          <p:attrName>style.visibility</p:attrName>
+                                        </p:attrNameLst>
+                                      </p:cBhvr>
+                                      <p:to>
+                                        <p:strVal val="visible"/>
+                                      </p:to>
+                                    </p:set>
+                                    <p:animEffect transition="in" filter="fade">
+                                      <p:cBhvr>
+                                        <p:cTn id="7" dur="500"/>
+                                        <p:tgtEl>
+                                          <p:spTgt spid="4"/>
+                                        </p:tgtEl>
+                                      </p:cBhvr>
+                                    </p:animEffect>
+                                  </p:childTnLst>
+                                </p:cTn>
+                              </p:par>
+                            </p:childTnLst>
+                          </p:cTn>
+                        </p:par>
+                      </p:childTnLst>
+                    </p:cTn>
+                  </p:par>
+                  <p:par>
+                    <p:cTn id="8" fill="hold">
+                      <p:stCondLst>
+                        <p:cond delay="indefinite"/>
+                      </p:stCondLst>
+                      <p:childTnLst>
+                        <p:par>
+                          <p:cTn id="9" fill="hold">
+                            <p:stCondLst>
+                              <p:cond delay="0"/>
+                            </p:stCondLst>
+                            <p:childTnLst>
+                              <p:par>
+                                <p:cTn id="10" presetID="10" presetClass="entr" presetSubtype="0" fill="hold" nodeType="clickEffect">
+                                  <p:stCondLst>
+                                    <p:cond delay="0"/>
+                                  </p:stCondLst>
+                                  <p:childTnLst>
+                                    <p:set>
+                                      <p:cBhvr>
+                                        <p:cTn id="11" dur="1" fill="hold">
+                                          <p:stCondLst>
+                                            <p:cond delay="0"/>
+                                          </p:stCondLst>
+                                        </p:cTn>
+                                        <p:tgtEl>
+                                          <p:spTgt spid="6"/>
+                                        </p:tgtEl>
+                                        <p:attrNameLst>
+                                          <p:attrName>style.visibility</p:attrName>
+                                        </p:attrNameLst>
+                                      </p:cBhvr>
+                                      <p:to>
+                                        <p:strVal val="visible"/>
+                                      </p:to>
+                                    </p:set>
+                                    <p:animEffect transition="in" filter="fade">
+                                      <p:cBhvr>
+                                        <p:cTn id="12" dur="500"/>
+                                        <p:tgtEl>
+                                          <p:spTgt spid="6"/>
+                                        </p:tgtEl>
+                                      </p:cBhvr>
+                                    </p:animEffect>
+                                  </p:childTnLst>
+                                </p:cTn>
+                              </p:par>
+                            </p:childTnLst>
+                          </p:cTn>
+                        </p:par>
+                        <p:par>
+                          <p:cTn id="13" fill="hold">
+                            <p:stCondLst>
+                              <p:cond delay="500"/>
+                            </p:stCondLst>
+                            <p:childTnLst>
+                              <p:par>
+                                <p:cTn id="14" presetID="10" presetClass="entr" presetSubtype="0" fill="hold" grpId="0" nodeType="afterEffect">
+                                  <p:stCondLst>
+                                    <p:cond delay="0"/>
+                                  </p:stCondLst>
+                                  <p:childTnLst>
+                                    <p:set>
+                                      <p:cBhvr>
+                                        <p:cTn id="15" dur="1" fill="hold">
+                                          <p:stCondLst>
+                                            <p:cond delay="0"/>
+                                          </p:stCondLst>
+                                        </p:cTn>
+                                        <p:tgtEl>
+                                          <p:spTgt spid="7"/>
+                                        </p:tgtEl>
+                                        <p:attrNameLst>
+                                          <p:attrName>style.visibility</p:attrName>
+                                        </p:attrNameLst>
+                                      </p:cBhvr>
+                                      <p:to>
+                                        <p:strVal val="visible"/>
+                                      </p:to>
+                                    </p:set>
+                                    <p:animEffect transition="in" filter="fade">
+                                      <p:cBhvr>
+                                        <p:cTn id="16" dur="500"/>
+                                        <p:tgtEl>
+                                          <p:spTgt spid="7"/>
+                                        </p:tgtEl>
+                                      </p:cBhvr>
+                                    </p:animEffect>
+                                  </p:childTnLst>
+                                </p:cTn>
+                              </p:par>
+                            </p:childTnLst>
+                          </p:cTn>
+                        </p:par>
+                        <p:par>
+                          <p:cTn id="17" fill="hold">
+                            <p:stCondLst>
+                              <p:cond delay="1000"/>
+                            </p:stCondLst>
+                            <p:childTnLst>
+                              <p:par>
+                                <p:cTn id="18" presetID="10" presetClass="entr" presetSubtype="0" fill="hold" nodeType="afterEffect">
+                                  <p:stCondLst>
+                                    <p:cond delay="0"/>
+                                  </p:stCondLst>
+                                  <p:childTnLst>
+                                    <p:set>
+                                      <p:cBhvr>
+                                        <p:cTn id="19" dur="1" fill="hold">
+                                          <p:stCondLst>
+                                            <p:cond delay="0"/>
+                                          </p:stCondLst>
+                                        </p:cTn>
+                                        <p:tgtEl>
+                                          <p:spTgt spid="5"/>
+                                        </p:tgtEl>
+                                        <p:attrNameLst>
+                                          <p:attrName>style.visibility</p:attrName>
+                                        </p:attrNameLst>
+                                      </p:cBhvr>
+                                      <p:to>
+                                        <p:strVal val="visible"/>
+                                      </p:to>
+                                    </p:set>
+                                    <p:animEffect transition="in" filter="fade">
+                                      <p:cBhvr>
+                                        <p:cTn id="20" dur="500"/>
+                                        <p:tgtEl>
+                                          <p:spTgt spid="5"/>
+                                        </p:tgtEl>
+                                      </p:cBhvr>
+                                    </p:animEffect>
+                                  </p:childTnLst>
+                                </p:cTn>
+                              </p:par>
+                            </p:childTnLst>
+                          </p:cTn>
+                        </p:par>
+                      </p:childTnLst>
+                    </p:cTn>
+                  </p:par>
+                </p:childTnLst>
+              </p:cTn>
+              <p:prevCondLst>
+                <p:cond evt="onPrev" delay="0">
+                  <p:tgtEl>
+                    <p:sldTgt/>
+                  </p:tgtEl>
+                </p:cond>
+              </p:prevCondLst>
+              <p:nextCondLst>
+                <p:cond evt="onNext" delay="0">
+                  <p:tgtEl>
+                    <p:sldTgt/>
+                  </p:tgtEl>
+                </p:cond>
+              </p:nextCondLst>
+            </p:seq>
+          </p:childTnLst>
+        </p:cTn>
+      </p:par>
+    </p:tnLst>
+    <p:bldLst>
+      <p:bldP spid="7" grpId="0" animBg="1"/>
+    </p:bldLst>
+  </p:timing>
 </p:sld>
 </file>
 
-<file path=ppt/slides/slide8.xml><?xml version="1.0" encoding="utf-8"?>
+<file path=ppt/slides/slide9.xml><?xml version="1.0" encoding="utf-8"?>
 <p:sld xmlns:a="http://schemas.openxmlformats.org/drawingml/2006/main" xmlns:r="http://schemas.openxmlformats.org/officeDocument/2006/relationships" xmlns:p="http://schemas.openxmlformats.org/presentationml/2006/main">
   <p:cSld>
     <p:spTree>
@@ -8119,24 +11607,13 @@
             </a:r>
             <a:r>
               <a:rPr lang="fr-FR" dirty="0"/>
-              <a:t>, </a:t>
+              <a:t> and </a:t>
             </a:r>
             <a:r>
               <a:rPr lang="fr-FR" dirty="0" err="1"/>
               <a:t>standardization</a:t>
             </a:r>
-            <a:r>
-              <a:rPr lang="fr-FR" dirty="0"/>
-              <a:t> and </a:t>
-            </a:r>
-            <a:r>
-              <a:rPr lang="fr-FR" dirty="0" err="1"/>
-              <a:t>word</a:t>
-            </a:r>
-            <a:r>
-              <a:rPr lang="fr-FR" dirty="0"/>
-              <a:t> recognition</a:t>
-            </a:r>
+            <a:endParaRPr lang="fr-FR" dirty="0"/>
           </a:p>
         </p:txBody>
       </p:sp>
@@ -8162,12 +11639,30 @@
         </p:blipFill>
         <p:spPr>
           <a:xfrm>
-            <a:off x="623392" y="2175398"/>
-            <a:ext cx="3753374" cy="1790950"/>
+            <a:off x="4067474" y="1772816"/>
+            <a:ext cx="4057052" cy="1935852"/>
           </a:xfrm>
           <a:prstGeom prst="rect">
             <a:avLst/>
           </a:prstGeom>
+          <a:solidFill>
+            <a:srgbClr val="FFFFFF">
+              <a:shade val="85000"/>
+            </a:srgbClr>
+          </a:solidFill>
+          <a:ln w="88900" cap="sq">
+            <a:solidFill>
+              <a:schemeClr val="accent1"/>
+            </a:solidFill>
+            <a:miter lim="800000"/>
+          </a:ln>
+          <a:effectLst>
+            <a:outerShdw blurRad="55000" dist="18000" dir="5400000" algn="tl" rotWithShape="0">
+              <a:srgbClr val="000000">
+                <a:alpha val="40000"/>
+              </a:srgbClr>
+            </a:outerShdw>
+          </a:effectLst>
         </p:spPr>
       </p:pic>
       <p:pic>
@@ -8185,49 +11680,43 @@
           <p:nvPr/>
         </p:nvPicPr>
         <p:blipFill>
-          <a:blip r:embed="rId3"/>
+          <a:blip r:embed="rId3">
+            <a:extLst>
+              <a:ext uri="{28A0092B-C50C-407E-A947-70E740481C1C}">
+                <a14:useLocalDpi xmlns:a14="http://schemas.microsoft.com/office/drawing/2010/main" val="0"/>
+              </a:ext>
+            </a:extLst>
+          </a:blip>
           <a:stretch>
             <a:fillRect/>
           </a:stretch>
         </p:blipFill>
         <p:spPr>
           <a:xfrm>
-            <a:off x="5087888" y="2107237"/>
-            <a:ext cx="6552728" cy="1927273"/>
+            <a:off x="2438793" y="4116780"/>
+            <a:ext cx="7401623" cy="2311252"/>
           </a:xfrm>
           <a:prstGeom prst="rect">
             <a:avLst/>
           </a:prstGeom>
-        </p:spPr>
-      </p:pic>
-      <p:pic>
-        <p:nvPicPr>
-          <p:cNvPr id="7" name="Image 6">
-            <a:extLst>
-              <a:ext uri="{FF2B5EF4-FFF2-40B4-BE49-F238E27FC236}">
-                <a16:creationId xmlns:a16="http://schemas.microsoft.com/office/drawing/2014/main" id="{818EC6C4-9C97-4574-A93F-9E2C517922B8}"/>
-              </a:ext>
-            </a:extLst>
-          </p:cNvPr>
-          <p:cNvPicPr>
-            <a:picLocks noChangeAspect="1"/>
-          </p:cNvPicPr>
-          <p:nvPr/>
-        </p:nvPicPr>
-        <p:blipFill>
-          <a:blip r:embed="rId4"/>
-          <a:stretch>
-            <a:fillRect/>
-          </a:stretch>
-        </p:blipFill>
-        <p:spPr>
-          <a:xfrm>
-            <a:off x="3215680" y="4541547"/>
-            <a:ext cx="4795110" cy="2066482"/>
-          </a:xfrm>
-          <a:prstGeom prst="rect">
-            <a:avLst/>
-          </a:prstGeom>
+          <a:solidFill>
+            <a:srgbClr val="FFFFFF">
+              <a:shade val="85000"/>
+            </a:srgbClr>
+          </a:solidFill>
+          <a:ln w="88900" cap="sq">
+            <a:solidFill>
+              <a:schemeClr val="accent1"/>
+            </a:solidFill>
+            <a:miter lim="800000"/>
+          </a:ln>
+          <a:effectLst>
+            <a:outerShdw blurRad="55000" dist="18000" dir="5400000" algn="tl" rotWithShape="0">
+              <a:srgbClr val="000000">
+                <a:alpha val="40000"/>
+              </a:srgbClr>
+            </a:outerShdw>
+          </a:effectLst>
         </p:spPr>
       </p:pic>
     </p:spTree>
@@ -8240,6 +11729,157 @@
   <p:clrMapOvr>
     <a:masterClrMapping/>
   </p:clrMapOvr>
+  <mc:AlternateContent xmlns:mc="http://schemas.openxmlformats.org/markup-compatibility/2006">
+    <mc:Choice xmlns:p14="http://schemas.microsoft.com/office/powerpoint/2010/main" Requires="p14">
+      <p:transition spd="slow">
+        <p14:pan dir="u"/>
+      </p:transition>
+    </mc:Choice>
+    <mc:Fallback>
+      <p:transition spd="slow">
+        <p:fade/>
+      </p:transition>
+    </mc:Fallback>
+  </mc:AlternateContent>
+  <p:timing>
+    <p:tnLst>
+      <p:par>
+        <p:cTn id="1" dur="indefinite" restart="never" nodeType="tmRoot">
+          <p:childTnLst>
+            <p:seq concurrent="1" nextAc="seek">
+              <p:cTn id="2" dur="indefinite" nodeType="mainSeq">
+                <p:childTnLst>
+                  <p:par>
+                    <p:cTn id="3" fill="hold">
+                      <p:stCondLst>
+                        <p:cond delay="indefinite"/>
+                        <p:cond evt="onBegin" delay="0">
+                          <p:tn val="2"/>
+                        </p:cond>
+                      </p:stCondLst>
+                      <p:childTnLst>
+                        <p:par>
+                          <p:cTn id="4" fill="hold">
+                            <p:stCondLst>
+                              <p:cond delay="0"/>
+                            </p:stCondLst>
+                            <p:childTnLst>
+                              <p:par>
+                                <p:cTn id="5" presetID="10" presetClass="entr" presetSubtype="0" fill="hold" nodeType="withEffect">
+                                  <p:stCondLst>
+                                    <p:cond delay="0"/>
+                                  </p:stCondLst>
+                                  <p:childTnLst>
+                                    <p:set>
+                                      <p:cBhvr>
+                                        <p:cTn id="6" dur="1" fill="hold">
+                                          <p:stCondLst>
+                                            <p:cond delay="0"/>
+                                          </p:stCondLst>
+                                        </p:cTn>
+                                        <p:tgtEl>
+                                          <p:spTgt spid="5"/>
+                                        </p:tgtEl>
+                                        <p:attrNameLst>
+                                          <p:attrName>style.visibility</p:attrName>
+                                        </p:attrNameLst>
+                                      </p:cBhvr>
+                                      <p:to>
+                                        <p:strVal val="visible"/>
+                                      </p:to>
+                                    </p:set>
+                                    <p:animEffect transition="in" filter="fade">
+                                      <p:cBhvr>
+                                        <p:cTn id="7" dur="500"/>
+                                        <p:tgtEl>
+                                          <p:spTgt spid="5"/>
+                                        </p:tgtEl>
+                                      </p:cBhvr>
+                                    </p:animEffect>
+                                  </p:childTnLst>
+                                </p:cTn>
+                              </p:par>
+                            </p:childTnLst>
+                          </p:cTn>
+                        </p:par>
+                      </p:childTnLst>
+                    </p:cTn>
+                  </p:par>
+                  <p:par>
+                    <p:cTn id="8" fill="hold">
+                      <p:stCondLst>
+                        <p:cond delay="indefinite"/>
+                      </p:stCondLst>
+                      <p:childTnLst>
+                        <p:par>
+                          <p:cTn id="9" fill="hold">
+                            <p:stCondLst>
+                              <p:cond delay="0"/>
+                            </p:stCondLst>
+                            <p:childTnLst>
+                              <p:par>
+                                <p:cTn id="10" presetID="10" presetClass="entr" presetSubtype="0" fill="hold" nodeType="clickEffect">
+                                  <p:stCondLst>
+                                    <p:cond delay="0"/>
+                                  </p:stCondLst>
+                                  <p:childTnLst>
+                                    <p:set>
+                                      <p:cBhvr>
+                                        <p:cTn id="11" dur="1" fill="hold">
+                                          <p:stCondLst>
+                                            <p:cond delay="0"/>
+                                          </p:stCondLst>
+                                        </p:cTn>
+                                        <p:tgtEl>
+                                          <p:spTgt spid="6"/>
+                                        </p:tgtEl>
+                                        <p:attrNameLst>
+                                          <p:attrName>style.visibility</p:attrName>
+                                        </p:attrNameLst>
+                                      </p:cBhvr>
+                                      <p:to>
+                                        <p:strVal val="visible"/>
+                                      </p:to>
+                                    </p:set>
+                                    <p:animEffect transition="in" filter="fade">
+                                      <p:cBhvr>
+                                        <p:cTn id="12" dur="500"/>
+                                        <p:tgtEl>
+                                          <p:spTgt spid="6"/>
+                                        </p:tgtEl>
+                                      </p:cBhvr>
+                                    </p:animEffect>
+                                  </p:childTnLst>
+                                </p:cTn>
+                              </p:par>
+                            </p:childTnLst>
+                          </p:cTn>
+                        </p:par>
+                      </p:childTnLst>
+                    </p:cTn>
+                  </p:par>
+                </p:childTnLst>
+              </p:cTn>
+              <p:prevCondLst>
+                <p:cond evt="onPrev" delay="0">
+                  <p:tgtEl>
+                    <p:sldTgt/>
+                  </p:tgtEl>
+                </p:cond>
+              </p:prevCondLst>
+              <p:nextCondLst>
+                <p:cond evt="onNext" delay="0">
+                  <p:tgtEl>
+                    <p:sldTgt/>
+                  </p:tgtEl>
+                </p:cond>
+              </p:nextCondLst>
+            </p:seq>
+          </p:childTnLst>
+        </p:cTn>
+      </p:par>
+    </p:tnLst>
+  </p:timing>
 </p:sld>
 </file>
 
@@ -9027,6 +12667,141 @@
 </file>
 
 <file path=customXml/item1.xml><?xml version="1.0" encoding="utf-8"?>
+<p:properties xmlns:p="http://schemas.microsoft.com/office/2006/metadata/properties" xmlns:xsi="http://www.w3.org/2001/XMLSchema-instance" xmlns:pc="http://schemas.microsoft.com/office/infopath/2007/PartnerControls">
+  <documentManagement>
+    <DirectSourceMarket xmlns="4873beb7-5857-4685-be1f-d57550cc96cc" xsi:nil="true"/>
+    <ApprovalStatus xmlns="4873beb7-5857-4685-be1f-d57550cc96cc">InProgress</ApprovalStatus>
+    <MarketSpecific xmlns="4873beb7-5857-4685-be1f-d57550cc96cc">false</MarketSpecific>
+    <LocComments xmlns="4873beb7-5857-4685-be1f-d57550cc96cc" xsi:nil="true"/>
+    <ThumbnailAssetId xmlns="4873beb7-5857-4685-be1f-d57550cc96cc" xsi:nil="true"/>
+    <PrimaryImageGen xmlns="4873beb7-5857-4685-be1f-d57550cc96cc">true</PrimaryImageGen>
+    <LegacyData xmlns="4873beb7-5857-4685-be1f-d57550cc96cc" xsi:nil="true"/>
+    <LocRecommendedHandoff xmlns="4873beb7-5857-4685-be1f-d57550cc96cc" xsi:nil="true"/>
+    <BusinessGroup xmlns="4873beb7-5857-4685-be1f-d57550cc96cc" xsi:nil="true"/>
+    <BlockPublish xmlns="4873beb7-5857-4685-be1f-d57550cc96cc">false</BlockPublish>
+    <TPFriendlyName xmlns="4873beb7-5857-4685-be1f-d57550cc96cc" xsi:nil="true"/>
+    <NumericId xmlns="4873beb7-5857-4685-be1f-d57550cc96cc" xsi:nil="true"/>
+    <APEditor xmlns="4873beb7-5857-4685-be1f-d57550cc96cc">
+      <UserInfo>
+        <DisplayName/>
+        <AccountId xsi:nil="true"/>
+        <AccountType/>
+      </UserInfo>
+    </APEditor>
+    <SourceTitle xmlns="4873beb7-5857-4685-be1f-d57550cc96cc" xsi:nil="true"/>
+    <OpenTemplate xmlns="4873beb7-5857-4685-be1f-d57550cc96cc">true</OpenTemplate>
+    <UALocComments xmlns="4873beb7-5857-4685-be1f-d57550cc96cc" xsi:nil="true"/>
+    <ParentAssetId xmlns="4873beb7-5857-4685-be1f-d57550cc96cc" xsi:nil="true"/>
+    <IntlLangReviewDate xmlns="4873beb7-5857-4685-be1f-d57550cc96cc" xsi:nil="true"/>
+    <FeatureTagsTaxHTField0 xmlns="4873beb7-5857-4685-be1f-d57550cc96cc">
+      <Terms xmlns="http://schemas.microsoft.com/office/infopath/2007/PartnerControls"/>
+    </FeatureTagsTaxHTField0>
+    <PublishStatusLookup xmlns="4873beb7-5857-4685-be1f-d57550cc96cc">
+      <Value>1566889</Value>
+    </PublishStatusLookup>
+    <Providers xmlns="4873beb7-5857-4685-be1f-d57550cc96cc" xsi:nil="true"/>
+    <MachineTranslated xmlns="4873beb7-5857-4685-be1f-d57550cc96cc">false</MachineTranslated>
+    <OriginalSourceMarket xmlns="4873beb7-5857-4685-be1f-d57550cc96cc" xsi:nil="true"/>
+    <APDescription xmlns="4873beb7-5857-4685-be1f-d57550cc96cc" xsi:nil="true"/>
+    <ClipArtFilename xmlns="4873beb7-5857-4685-be1f-d57550cc96cc" xsi:nil="true"/>
+    <ContentItem xmlns="4873beb7-5857-4685-be1f-d57550cc96cc" xsi:nil="true"/>
+    <TPInstallLocation xmlns="4873beb7-5857-4685-be1f-d57550cc96cc" xsi:nil="true"/>
+    <PublishTargets xmlns="4873beb7-5857-4685-be1f-d57550cc96cc">OfficeOnlineVNext</PublishTargets>
+    <TimesCloned xmlns="4873beb7-5857-4685-be1f-d57550cc96cc" xsi:nil="true"/>
+    <AssetStart xmlns="4873beb7-5857-4685-be1f-d57550cc96cc">2012-05-23T08:44:00+00:00</AssetStart>
+    <Provider xmlns="4873beb7-5857-4685-be1f-d57550cc96cc" xsi:nil="true"/>
+    <AcquiredFrom xmlns="4873beb7-5857-4685-be1f-d57550cc96cc">Internal MS</AcquiredFrom>
+    <FriendlyTitle xmlns="4873beb7-5857-4685-be1f-d57550cc96cc" xsi:nil="true"/>
+    <LastHandOff xmlns="4873beb7-5857-4685-be1f-d57550cc96cc" xsi:nil="true"/>
+    <TPClientViewer xmlns="4873beb7-5857-4685-be1f-d57550cc96cc" xsi:nil="true"/>
+    <UACurrentWords xmlns="4873beb7-5857-4685-be1f-d57550cc96cc" xsi:nil="true"/>
+    <ArtSampleDocs xmlns="4873beb7-5857-4685-be1f-d57550cc96cc" xsi:nil="true"/>
+    <UALocRecommendation xmlns="4873beb7-5857-4685-be1f-d57550cc96cc">Localize</UALocRecommendation>
+    <Manager xmlns="4873beb7-5857-4685-be1f-d57550cc96cc" xsi:nil="true"/>
+    <ShowIn xmlns="4873beb7-5857-4685-be1f-d57550cc96cc">Show everywhere</ShowIn>
+    <UANotes xmlns="4873beb7-5857-4685-be1f-d57550cc96cc" xsi:nil="true"/>
+    <TemplateStatus xmlns="4873beb7-5857-4685-be1f-d57550cc96cc">Complete</TemplateStatus>
+    <InternalTagsTaxHTField0 xmlns="4873beb7-5857-4685-be1f-d57550cc96cc">
+      <Terms xmlns="http://schemas.microsoft.com/office/infopath/2007/PartnerControls"/>
+    </InternalTagsTaxHTField0>
+    <CSXHash xmlns="4873beb7-5857-4685-be1f-d57550cc96cc" xsi:nil="true"/>
+    <Downloads xmlns="4873beb7-5857-4685-be1f-d57550cc96cc">0</Downloads>
+    <VoteCount xmlns="4873beb7-5857-4685-be1f-d57550cc96cc" xsi:nil="true"/>
+    <OOCacheId xmlns="4873beb7-5857-4685-be1f-d57550cc96cc" xsi:nil="true"/>
+    <IsDeleted xmlns="4873beb7-5857-4685-be1f-d57550cc96cc">false</IsDeleted>
+    <AssetExpire xmlns="4873beb7-5857-4685-be1f-d57550cc96cc">2029-01-01T08:00:00+00:00</AssetExpire>
+    <DSATActionTaken xmlns="4873beb7-5857-4685-be1f-d57550cc96cc" xsi:nil="true"/>
+    <CSXSubmissionMarket xmlns="4873beb7-5857-4685-be1f-d57550cc96cc" xsi:nil="true"/>
+    <TPExecutable xmlns="4873beb7-5857-4685-be1f-d57550cc96cc" xsi:nil="true"/>
+    <SubmitterId xmlns="4873beb7-5857-4685-be1f-d57550cc96cc" xsi:nil="true"/>
+    <EditorialTags xmlns="4873beb7-5857-4685-be1f-d57550cc96cc" xsi:nil="true"/>
+    <ApprovalLog xmlns="4873beb7-5857-4685-be1f-d57550cc96cc" xsi:nil="true"/>
+    <AssetType xmlns="4873beb7-5857-4685-be1f-d57550cc96cc">TP</AssetType>
+    <BugNumber xmlns="4873beb7-5857-4685-be1f-d57550cc96cc" xsi:nil="true"/>
+    <CSXSubmissionDate xmlns="4873beb7-5857-4685-be1f-d57550cc96cc" xsi:nil="true"/>
+    <CSXUpdate xmlns="4873beb7-5857-4685-be1f-d57550cc96cc">false</CSXUpdate>
+    <Milestone xmlns="4873beb7-5857-4685-be1f-d57550cc96cc" xsi:nil="true"/>
+    <RecommendationsModifier xmlns="4873beb7-5857-4685-be1f-d57550cc96cc" xsi:nil="true"/>
+    <OriginAsset xmlns="4873beb7-5857-4685-be1f-d57550cc96cc" xsi:nil="true"/>
+    <TPComponent xmlns="4873beb7-5857-4685-be1f-d57550cc96cc" xsi:nil="true"/>
+    <AssetId xmlns="4873beb7-5857-4685-be1f-d57550cc96cc">TP102901017</AssetId>
+    <IntlLocPriority xmlns="4873beb7-5857-4685-be1f-d57550cc96cc" xsi:nil="true"/>
+    <PolicheckWords xmlns="4873beb7-5857-4685-be1f-d57550cc96cc" xsi:nil="true"/>
+    <TPLaunchHelpLink xmlns="4873beb7-5857-4685-be1f-d57550cc96cc" xsi:nil="true"/>
+    <TPApplication xmlns="4873beb7-5857-4685-be1f-d57550cc96cc" xsi:nil="true"/>
+    <CrawlForDependencies xmlns="4873beb7-5857-4685-be1f-d57550cc96cc">false</CrawlForDependencies>
+    <HandoffToMSDN xmlns="4873beb7-5857-4685-be1f-d57550cc96cc" xsi:nil="true"/>
+    <PlannedPubDate xmlns="4873beb7-5857-4685-be1f-d57550cc96cc" xsi:nil="true"/>
+    <IntlLangReviewer xmlns="4873beb7-5857-4685-be1f-d57550cc96cc" xsi:nil="true"/>
+    <TrustLevel xmlns="4873beb7-5857-4685-be1f-d57550cc96cc">1 Microsoft Managed Content</TrustLevel>
+    <LocLastLocAttemptVersionLookup xmlns="4873beb7-5857-4685-be1f-d57550cc96cc">836753</LocLastLocAttemptVersionLookup>
+    <IsSearchable xmlns="4873beb7-5857-4685-be1f-d57550cc96cc">true</IsSearchable>
+    <TemplateTemplateType xmlns="4873beb7-5857-4685-be1f-d57550cc96cc">PowerPoint Design Template</TemplateTemplateType>
+    <CampaignTagsTaxHTField0 xmlns="4873beb7-5857-4685-be1f-d57550cc96cc">
+      <Terms xmlns="http://schemas.microsoft.com/office/infopath/2007/PartnerControls"/>
+    </CampaignTagsTaxHTField0>
+    <TPNamespace xmlns="4873beb7-5857-4685-be1f-d57550cc96cc" xsi:nil="true"/>
+    <TaxCatchAll xmlns="4873beb7-5857-4685-be1f-d57550cc96cc"/>
+    <Markets xmlns="4873beb7-5857-4685-be1f-d57550cc96cc"/>
+    <UAProjectedTotalWords xmlns="4873beb7-5857-4685-be1f-d57550cc96cc" xsi:nil="true"/>
+    <IntlLangReview xmlns="4873beb7-5857-4685-be1f-d57550cc96cc">false</IntlLangReview>
+    <OutputCachingOn xmlns="4873beb7-5857-4685-be1f-d57550cc96cc">false</OutputCachingOn>
+    <AverageRating xmlns="4873beb7-5857-4685-be1f-d57550cc96cc" xsi:nil="true"/>
+    <APAuthor xmlns="4873beb7-5857-4685-be1f-d57550cc96cc">
+      <UserInfo>
+        <DisplayName>REDMOND\v-anij</DisplayName>
+        <AccountId>2469</AccountId>
+        <AccountType/>
+      </UserInfo>
+    </APAuthor>
+    <LocManualTestRequired xmlns="4873beb7-5857-4685-be1f-d57550cc96cc">false</LocManualTestRequired>
+    <TPCommandLine xmlns="4873beb7-5857-4685-be1f-d57550cc96cc" xsi:nil="true"/>
+    <TPAppVersion xmlns="4873beb7-5857-4685-be1f-d57550cc96cc" xsi:nil="true"/>
+    <EditorialStatus xmlns="4873beb7-5857-4685-be1f-d57550cc96cc">Complete</EditorialStatus>
+    <LastModifiedDateTime xmlns="4873beb7-5857-4685-be1f-d57550cc96cc" xsi:nil="true"/>
+    <ScenarioTagsTaxHTField0 xmlns="4873beb7-5857-4685-be1f-d57550cc96cc">
+      <Terms xmlns="http://schemas.microsoft.com/office/infopath/2007/PartnerControls"/>
+    </ScenarioTagsTaxHTField0>
+    <OriginalRelease xmlns="4873beb7-5857-4685-be1f-d57550cc96cc">15</OriginalRelease>
+    <TPLaunchHelpLinkType xmlns="4873beb7-5857-4685-be1f-d57550cc96cc">Template</TPLaunchHelpLinkType>
+    <LocalizationTagsTaxHTField0 xmlns="4873beb7-5857-4685-be1f-d57550cc96cc">
+      <Terms xmlns="http://schemas.microsoft.com/office/infopath/2007/PartnerControls"/>
+    </LocalizationTagsTaxHTField0>
+    <LocMarketGroupTiers2 xmlns="4873beb7-5857-4685-be1f-d57550cc96cc" xsi:nil="true"/>
+  </documentManagement>
+</p:properties>
+</file>
+
+<file path=customXml/item2.xml><?xml version="1.0" encoding="utf-8"?>
+<?mso-contentType ?>
+<FormTemplates xmlns="http://schemas.microsoft.com/sharepoint/v3/contenttype/forms">
+  <Display>DocumentLibraryForm</Display>
+  <Edit>AssetEditForm</Edit>
+  <New>DocumentLibraryForm</New>
+</FormTemplates>
+</file>
+
+<file path=customXml/item3.xml><?xml version="1.0" encoding="utf-8"?>
 <ct:contentTypeSchema xmlns:ct="http://schemas.microsoft.com/office/2006/metadata/contentType" xmlns:ma="http://schemas.microsoft.com/office/2006/metadata/properties/metaAttributes" ct:_="" ma:_="" ma:contentTypeName="TemplateFile" ma:contentTypeID="0x0101006EDDDB5EE6D98C44930B742096920B300400F5B6D36B3EF94B4E9A635CDF2A18F5B8" ma:contentTypeVersion="72" ma:contentTypeDescription="Create a new document." ma:contentTypeScope="" ma:versionID="a23e56308344d904b51738559c3d67c9">
   <xsd:schema xmlns:xsd="http://www.w3.org/2001/XMLSchema" xmlns:xs="http://www.w3.org/2001/XMLSchema" xmlns:p="http://schemas.microsoft.com/office/2006/metadata/properties" xmlns:ns2="4873beb7-5857-4685-be1f-d57550cc96cc" targetNamespace="http://schemas.microsoft.com/office/2006/metadata/properties" ma:root="true" ma:fieldsID="cd0908cc4600e77bf5da051303e00c8d" ns2:_="">
     <xsd:import namespace="4873beb7-5857-4685-be1f-d57550cc96cc"/>
@@ -10066,142 +13841,31 @@
 </ct:contentTypeSchema>
 </file>
 
-<file path=customXml/item2.xml><?xml version="1.0" encoding="utf-8"?>
-<?mso-contentType ?>
-<FormTemplates xmlns="http://schemas.microsoft.com/sharepoint/v3/contenttype/forms">
-  <Display>DocumentLibraryForm</Display>
-  <Edit>AssetEditForm</Edit>
-  <New>DocumentLibraryForm</New>
-</FormTemplates>
+<file path=customXml/itemProps1.xml><?xml version="1.0" encoding="utf-8"?>
+<ds:datastoreItem xmlns:ds="http://schemas.openxmlformats.org/officeDocument/2006/customXml" ds:itemID="{04098515-0C12-46CF-BC7C-69B4A13CD5FA}">
+  <ds:schemaRefs>
+    <ds:schemaRef ds:uri="http://schemas.openxmlformats.org/package/2006/metadata/core-properties"/>
+    <ds:schemaRef ds:uri="http://schemas.microsoft.com/office/2006/documentManagement/types"/>
+    <ds:schemaRef ds:uri="http://purl.org/dc/dcmitype/"/>
+    <ds:schemaRef ds:uri="http://www.w3.org/XML/1998/namespace"/>
+    <ds:schemaRef ds:uri="http://purl.org/dc/elements/1.1/"/>
+    <ds:schemaRef ds:uri="http://schemas.microsoft.com/office/infopath/2007/PartnerControls"/>
+    <ds:schemaRef ds:uri="4873beb7-5857-4685-be1f-d57550cc96cc"/>
+    <ds:schemaRef ds:uri="http://schemas.microsoft.com/office/2006/metadata/properties"/>
+    <ds:schemaRef ds:uri="http://purl.org/dc/terms/"/>
+  </ds:schemaRefs>
+</ds:datastoreItem>
 </file>
 
-<file path=customXml/item3.xml><?xml version="1.0" encoding="utf-8"?>
-<p:properties xmlns:p="http://schemas.microsoft.com/office/2006/metadata/properties" xmlns:xsi="http://www.w3.org/2001/XMLSchema-instance" xmlns:pc="http://schemas.microsoft.com/office/infopath/2007/PartnerControls">
-  <documentManagement>
-    <DirectSourceMarket xmlns="4873beb7-5857-4685-be1f-d57550cc96cc" xsi:nil="true"/>
-    <ApprovalStatus xmlns="4873beb7-5857-4685-be1f-d57550cc96cc">InProgress</ApprovalStatus>
-    <MarketSpecific xmlns="4873beb7-5857-4685-be1f-d57550cc96cc">false</MarketSpecific>
-    <LocComments xmlns="4873beb7-5857-4685-be1f-d57550cc96cc" xsi:nil="true"/>
-    <ThumbnailAssetId xmlns="4873beb7-5857-4685-be1f-d57550cc96cc" xsi:nil="true"/>
-    <PrimaryImageGen xmlns="4873beb7-5857-4685-be1f-d57550cc96cc">true</PrimaryImageGen>
-    <LegacyData xmlns="4873beb7-5857-4685-be1f-d57550cc96cc" xsi:nil="true"/>
-    <LocRecommendedHandoff xmlns="4873beb7-5857-4685-be1f-d57550cc96cc" xsi:nil="true"/>
-    <BusinessGroup xmlns="4873beb7-5857-4685-be1f-d57550cc96cc" xsi:nil="true"/>
-    <BlockPublish xmlns="4873beb7-5857-4685-be1f-d57550cc96cc">false</BlockPublish>
-    <TPFriendlyName xmlns="4873beb7-5857-4685-be1f-d57550cc96cc" xsi:nil="true"/>
-    <NumericId xmlns="4873beb7-5857-4685-be1f-d57550cc96cc" xsi:nil="true"/>
-    <APEditor xmlns="4873beb7-5857-4685-be1f-d57550cc96cc">
-      <UserInfo>
-        <DisplayName/>
-        <AccountId xsi:nil="true"/>
-        <AccountType/>
-      </UserInfo>
-    </APEditor>
-    <SourceTitle xmlns="4873beb7-5857-4685-be1f-d57550cc96cc" xsi:nil="true"/>
-    <OpenTemplate xmlns="4873beb7-5857-4685-be1f-d57550cc96cc">true</OpenTemplate>
-    <UALocComments xmlns="4873beb7-5857-4685-be1f-d57550cc96cc" xsi:nil="true"/>
-    <ParentAssetId xmlns="4873beb7-5857-4685-be1f-d57550cc96cc" xsi:nil="true"/>
-    <IntlLangReviewDate xmlns="4873beb7-5857-4685-be1f-d57550cc96cc" xsi:nil="true"/>
-    <FeatureTagsTaxHTField0 xmlns="4873beb7-5857-4685-be1f-d57550cc96cc">
-      <Terms xmlns="http://schemas.microsoft.com/office/infopath/2007/PartnerControls"/>
-    </FeatureTagsTaxHTField0>
-    <PublishStatusLookup xmlns="4873beb7-5857-4685-be1f-d57550cc96cc">
-      <Value>1566889</Value>
-    </PublishStatusLookup>
-    <Providers xmlns="4873beb7-5857-4685-be1f-d57550cc96cc" xsi:nil="true"/>
-    <MachineTranslated xmlns="4873beb7-5857-4685-be1f-d57550cc96cc">false</MachineTranslated>
-    <OriginalSourceMarket xmlns="4873beb7-5857-4685-be1f-d57550cc96cc" xsi:nil="true"/>
-    <APDescription xmlns="4873beb7-5857-4685-be1f-d57550cc96cc" xsi:nil="true"/>
-    <ClipArtFilename xmlns="4873beb7-5857-4685-be1f-d57550cc96cc" xsi:nil="true"/>
-    <ContentItem xmlns="4873beb7-5857-4685-be1f-d57550cc96cc" xsi:nil="true"/>
-    <TPInstallLocation xmlns="4873beb7-5857-4685-be1f-d57550cc96cc" xsi:nil="true"/>
-    <PublishTargets xmlns="4873beb7-5857-4685-be1f-d57550cc96cc">OfficeOnlineVNext</PublishTargets>
-    <TimesCloned xmlns="4873beb7-5857-4685-be1f-d57550cc96cc" xsi:nil="true"/>
-    <AssetStart xmlns="4873beb7-5857-4685-be1f-d57550cc96cc">2012-05-23T08:44:00+00:00</AssetStart>
-    <Provider xmlns="4873beb7-5857-4685-be1f-d57550cc96cc" xsi:nil="true"/>
-    <AcquiredFrom xmlns="4873beb7-5857-4685-be1f-d57550cc96cc">Internal MS</AcquiredFrom>
-    <FriendlyTitle xmlns="4873beb7-5857-4685-be1f-d57550cc96cc" xsi:nil="true"/>
-    <LastHandOff xmlns="4873beb7-5857-4685-be1f-d57550cc96cc" xsi:nil="true"/>
-    <TPClientViewer xmlns="4873beb7-5857-4685-be1f-d57550cc96cc" xsi:nil="true"/>
-    <UACurrentWords xmlns="4873beb7-5857-4685-be1f-d57550cc96cc" xsi:nil="true"/>
-    <ArtSampleDocs xmlns="4873beb7-5857-4685-be1f-d57550cc96cc" xsi:nil="true"/>
-    <UALocRecommendation xmlns="4873beb7-5857-4685-be1f-d57550cc96cc">Localize</UALocRecommendation>
-    <Manager xmlns="4873beb7-5857-4685-be1f-d57550cc96cc" xsi:nil="true"/>
-    <ShowIn xmlns="4873beb7-5857-4685-be1f-d57550cc96cc">Show everywhere</ShowIn>
-    <UANotes xmlns="4873beb7-5857-4685-be1f-d57550cc96cc" xsi:nil="true"/>
-    <TemplateStatus xmlns="4873beb7-5857-4685-be1f-d57550cc96cc">Complete</TemplateStatus>
-    <InternalTagsTaxHTField0 xmlns="4873beb7-5857-4685-be1f-d57550cc96cc">
-      <Terms xmlns="http://schemas.microsoft.com/office/infopath/2007/PartnerControls"/>
-    </InternalTagsTaxHTField0>
-    <CSXHash xmlns="4873beb7-5857-4685-be1f-d57550cc96cc" xsi:nil="true"/>
-    <Downloads xmlns="4873beb7-5857-4685-be1f-d57550cc96cc">0</Downloads>
-    <VoteCount xmlns="4873beb7-5857-4685-be1f-d57550cc96cc" xsi:nil="true"/>
-    <OOCacheId xmlns="4873beb7-5857-4685-be1f-d57550cc96cc" xsi:nil="true"/>
-    <IsDeleted xmlns="4873beb7-5857-4685-be1f-d57550cc96cc">false</IsDeleted>
-    <AssetExpire xmlns="4873beb7-5857-4685-be1f-d57550cc96cc">2029-01-01T08:00:00+00:00</AssetExpire>
-    <DSATActionTaken xmlns="4873beb7-5857-4685-be1f-d57550cc96cc" xsi:nil="true"/>
-    <CSXSubmissionMarket xmlns="4873beb7-5857-4685-be1f-d57550cc96cc" xsi:nil="true"/>
-    <TPExecutable xmlns="4873beb7-5857-4685-be1f-d57550cc96cc" xsi:nil="true"/>
-    <SubmitterId xmlns="4873beb7-5857-4685-be1f-d57550cc96cc" xsi:nil="true"/>
-    <EditorialTags xmlns="4873beb7-5857-4685-be1f-d57550cc96cc" xsi:nil="true"/>
-    <ApprovalLog xmlns="4873beb7-5857-4685-be1f-d57550cc96cc" xsi:nil="true"/>
-    <AssetType xmlns="4873beb7-5857-4685-be1f-d57550cc96cc">TP</AssetType>
-    <BugNumber xmlns="4873beb7-5857-4685-be1f-d57550cc96cc" xsi:nil="true"/>
-    <CSXSubmissionDate xmlns="4873beb7-5857-4685-be1f-d57550cc96cc" xsi:nil="true"/>
-    <CSXUpdate xmlns="4873beb7-5857-4685-be1f-d57550cc96cc">false</CSXUpdate>
-    <Milestone xmlns="4873beb7-5857-4685-be1f-d57550cc96cc" xsi:nil="true"/>
-    <RecommendationsModifier xmlns="4873beb7-5857-4685-be1f-d57550cc96cc" xsi:nil="true"/>
-    <OriginAsset xmlns="4873beb7-5857-4685-be1f-d57550cc96cc" xsi:nil="true"/>
-    <TPComponent xmlns="4873beb7-5857-4685-be1f-d57550cc96cc" xsi:nil="true"/>
-    <AssetId xmlns="4873beb7-5857-4685-be1f-d57550cc96cc">TP102901017</AssetId>
-    <IntlLocPriority xmlns="4873beb7-5857-4685-be1f-d57550cc96cc" xsi:nil="true"/>
-    <PolicheckWords xmlns="4873beb7-5857-4685-be1f-d57550cc96cc" xsi:nil="true"/>
-    <TPLaunchHelpLink xmlns="4873beb7-5857-4685-be1f-d57550cc96cc" xsi:nil="true"/>
-    <TPApplication xmlns="4873beb7-5857-4685-be1f-d57550cc96cc" xsi:nil="true"/>
-    <CrawlForDependencies xmlns="4873beb7-5857-4685-be1f-d57550cc96cc">false</CrawlForDependencies>
-    <HandoffToMSDN xmlns="4873beb7-5857-4685-be1f-d57550cc96cc" xsi:nil="true"/>
-    <PlannedPubDate xmlns="4873beb7-5857-4685-be1f-d57550cc96cc" xsi:nil="true"/>
-    <IntlLangReviewer xmlns="4873beb7-5857-4685-be1f-d57550cc96cc" xsi:nil="true"/>
-    <TrustLevel xmlns="4873beb7-5857-4685-be1f-d57550cc96cc">1 Microsoft Managed Content</TrustLevel>
-    <LocLastLocAttemptVersionLookup xmlns="4873beb7-5857-4685-be1f-d57550cc96cc">836753</LocLastLocAttemptVersionLookup>
-    <IsSearchable xmlns="4873beb7-5857-4685-be1f-d57550cc96cc">true</IsSearchable>
-    <TemplateTemplateType xmlns="4873beb7-5857-4685-be1f-d57550cc96cc">PowerPoint Design Template</TemplateTemplateType>
-    <CampaignTagsTaxHTField0 xmlns="4873beb7-5857-4685-be1f-d57550cc96cc">
-      <Terms xmlns="http://schemas.microsoft.com/office/infopath/2007/PartnerControls"/>
-    </CampaignTagsTaxHTField0>
-    <TPNamespace xmlns="4873beb7-5857-4685-be1f-d57550cc96cc" xsi:nil="true"/>
-    <TaxCatchAll xmlns="4873beb7-5857-4685-be1f-d57550cc96cc"/>
-    <Markets xmlns="4873beb7-5857-4685-be1f-d57550cc96cc"/>
-    <UAProjectedTotalWords xmlns="4873beb7-5857-4685-be1f-d57550cc96cc" xsi:nil="true"/>
-    <IntlLangReview xmlns="4873beb7-5857-4685-be1f-d57550cc96cc">false</IntlLangReview>
-    <OutputCachingOn xmlns="4873beb7-5857-4685-be1f-d57550cc96cc">false</OutputCachingOn>
-    <AverageRating xmlns="4873beb7-5857-4685-be1f-d57550cc96cc" xsi:nil="true"/>
-    <APAuthor xmlns="4873beb7-5857-4685-be1f-d57550cc96cc">
-      <UserInfo>
-        <DisplayName>REDMOND\v-anij</DisplayName>
-        <AccountId>2469</AccountId>
-        <AccountType/>
-      </UserInfo>
-    </APAuthor>
-    <LocManualTestRequired xmlns="4873beb7-5857-4685-be1f-d57550cc96cc">false</LocManualTestRequired>
-    <TPCommandLine xmlns="4873beb7-5857-4685-be1f-d57550cc96cc" xsi:nil="true"/>
-    <TPAppVersion xmlns="4873beb7-5857-4685-be1f-d57550cc96cc" xsi:nil="true"/>
-    <EditorialStatus xmlns="4873beb7-5857-4685-be1f-d57550cc96cc">Complete</EditorialStatus>
-    <LastModifiedDateTime xmlns="4873beb7-5857-4685-be1f-d57550cc96cc" xsi:nil="true"/>
-    <ScenarioTagsTaxHTField0 xmlns="4873beb7-5857-4685-be1f-d57550cc96cc">
-      <Terms xmlns="http://schemas.microsoft.com/office/infopath/2007/PartnerControls"/>
-    </ScenarioTagsTaxHTField0>
-    <OriginalRelease xmlns="4873beb7-5857-4685-be1f-d57550cc96cc">15</OriginalRelease>
-    <TPLaunchHelpLinkType xmlns="4873beb7-5857-4685-be1f-d57550cc96cc">Template</TPLaunchHelpLinkType>
-    <LocalizationTagsTaxHTField0 xmlns="4873beb7-5857-4685-be1f-d57550cc96cc">
-      <Terms xmlns="http://schemas.microsoft.com/office/infopath/2007/PartnerControls"/>
-    </LocalizationTagsTaxHTField0>
-    <LocMarketGroupTiers2 xmlns="4873beb7-5857-4685-be1f-d57550cc96cc" xsi:nil="true"/>
-  </documentManagement>
-</p:properties>
+<file path=customXml/itemProps2.xml><?xml version="1.0" encoding="utf-8"?>
+<ds:datastoreItem xmlns:ds="http://schemas.openxmlformats.org/officeDocument/2006/customXml" ds:itemID="{746CFF6F-D9AA-4BC0-911A-0A1356771912}">
+  <ds:schemaRefs>
+    <ds:schemaRef ds:uri="http://schemas.microsoft.com/sharepoint/v3/contenttype/forms"/>
+  </ds:schemaRefs>
+</ds:datastoreItem>
 </file>
 
-<file path=customXml/itemProps1.xml><?xml version="1.0" encoding="utf-8"?>
+<file path=customXml/itemProps3.xml><?xml version="1.0" encoding="utf-8"?>
 <ds:datastoreItem xmlns:ds="http://schemas.openxmlformats.org/officeDocument/2006/customXml" ds:itemID="{0B5C6E15-39DC-470B-9445-F754B9458020}">
   <ds:schemaRefs>
     <ds:schemaRef ds:uri="http://schemas.microsoft.com/office/2006/metadata/contentType"/>
@@ -10217,28 +13881,4 @@
     <ds:schemaRef ds:uri="http://schemas.microsoft.com/internal/obd"/>
   </ds:schemaRefs>
 </ds:datastoreItem>
-</file>
-
-<file path=customXml/itemProps2.xml><?xml version="1.0" encoding="utf-8"?>
-<ds:datastoreItem xmlns:ds="http://schemas.openxmlformats.org/officeDocument/2006/customXml" ds:itemID="{746CFF6F-D9AA-4BC0-911A-0A1356771912}">
-  <ds:schemaRefs>
-    <ds:schemaRef ds:uri="http://schemas.microsoft.com/sharepoint/v3/contenttype/forms"/>
-  </ds:schemaRefs>
-</ds:datastoreItem>
-</file>
-
-<file path=customXml/itemProps3.xml><?xml version="1.0" encoding="utf-8"?>
-<ds:datastoreItem xmlns:ds="http://schemas.openxmlformats.org/officeDocument/2006/customXml" ds:itemID="{04098515-0C12-46CF-BC7C-69B4A13CD5FA}">
-  <ds:schemaRefs>
-    <ds:schemaRef ds:uri="http://schemas.microsoft.com/office/infopath/2007/PartnerControls"/>
-    <ds:schemaRef ds:uri="http://schemas.microsoft.com/office/2006/metadata/properties"/>
-    <ds:schemaRef ds:uri="http://schemas.microsoft.com/office/2006/documentManagement/types"/>
-    <ds:schemaRef ds:uri="http://purl.org/dc/terms/"/>
-    <ds:schemaRef ds:uri="http://purl.org/dc/dcmitype/"/>
-    <ds:schemaRef ds:uri="http://schemas.openxmlformats.org/package/2006/metadata/core-properties"/>
-    <ds:schemaRef ds:uri="http://purl.org/dc/elements/1.1/"/>
-    <ds:schemaRef ds:uri="4873beb7-5857-4685-be1f-d57550cc96cc"/>
-    <ds:schemaRef ds:uri="http://www.w3.org/XML/1998/namespace"/>
-  </ds:schemaRefs>
-</ds:datastoreItem>
 </file>